--- a/Keamanan data Pada Aplikasi chatting.pptx
+++ b/Keamanan data Pada Aplikasi chatting.pptx
@@ -4,13 +4,18 @@
   <p:sldMasterIdLst>
     <p:sldMasterId id="2147483786" r:id="rId1"/>
   </p:sldMasterIdLst>
+  <p:notesMasterIdLst>
+    <p:notesMasterId r:id="rId10"/>
+  </p:notesMasterIdLst>
   <p:sldIdLst>
     <p:sldId id="256" r:id="rId2"/>
     <p:sldId id="257" r:id="rId3"/>
-    <p:sldId id="258" r:id="rId4"/>
-    <p:sldId id="259" r:id="rId5"/>
-    <p:sldId id="260" r:id="rId6"/>
-    <p:sldId id="261" r:id="rId7"/>
+    <p:sldId id="262" r:id="rId4"/>
+    <p:sldId id="263" r:id="rId5"/>
+    <p:sldId id="264" r:id="rId6"/>
+    <p:sldId id="265" r:id="rId7"/>
+    <p:sldId id="259" r:id="rId8"/>
+    <p:sldId id="261" r:id="rId9"/>
   </p:sldIdLst>
   <p:sldSz cx="12192000" cy="6858000"/>
   <p:notesSz cx="6858000" cy="9144000"/>
@@ -109,7 +114,362 @@
       </a:defRPr>
     </a:lvl9pPr>
   </p:defaultTextStyle>
+  <p:extLst>
+    <p:ext uri="{EFAFB233-063F-42B5-8137-9DF3F51BA10A}">
+      <p15:sldGuideLst xmlns:p15="http://schemas.microsoft.com/office/powerpoint/2012/main"/>
+    </p:ext>
+  </p:extLst>
 </p:presentation>
+</file>
+
+<file path=ppt/notesMasters/notesMaster1.xml><?xml version="1.0" encoding="utf-8"?>
+<p:notesMaster xmlns:a="http://schemas.openxmlformats.org/drawingml/2006/main" xmlns:r="http://schemas.openxmlformats.org/officeDocument/2006/relationships" xmlns:p="http://schemas.openxmlformats.org/presentationml/2006/main">
+  <p:cSld>
+    <p:bg>
+      <p:bgRef idx="1001">
+        <a:schemeClr val="bg1"/>
+      </p:bgRef>
+    </p:bg>
+    <p:spTree>
+      <p:nvGrpSpPr>
+        <p:cNvPr id="1" name=""/>
+        <p:cNvGrpSpPr/>
+        <p:nvPr/>
+      </p:nvGrpSpPr>
+      <p:grpSpPr>
+        <a:xfrm>
+          <a:off x="0" y="0"/>
+          <a:ext cx="0" cy="0"/>
+          <a:chOff x="0" y="0"/>
+          <a:chExt cx="0" cy="0"/>
+        </a:xfrm>
+      </p:grpSpPr>
+      <p:sp>
+        <p:nvSpPr>
+          <p:cNvPr id="2" name="Header Placeholder 1"/>
+          <p:cNvSpPr>
+            <a:spLocks noGrp="1"/>
+          </p:cNvSpPr>
+          <p:nvPr>
+            <p:ph type="hdr" sz="quarter"/>
+          </p:nvPr>
+        </p:nvSpPr>
+        <p:spPr>
+          <a:xfrm>
+            <a:off x="0" y="0"/>
+            <a:ext cx="2971800" cy="458788"/>
+          </a:xfrm>
+          <a:prstGeom prst="rect">
+            <a:avLst/>
+          </a:prstGeom>
+        </p:spPr>
+        <p:txBody>
+          <a:bodyPr vert="horz" lIns="91440" tIns="45720" rIns="91440" bIns="45720" rtlCol="0"/>
+          <a:lstStyle>
+            <a:lvl1pPr algn="l">
+              <a:defRPr sz="1200"/>
+            </a:lvl1pPr>
+          </a:lstStyle>
+          <a:p>
+            <a:endParaRPr lang="en-US"/>
+          </a:p>
+        </p:txBody>
+      </p:sp>
+      <p:sp>
+        <p:nvSpPr>
+          <p:cNvPr id="3" name="Date Placeholder 2"/>
+          <p:cNvSpPr>
+            <a:spLocks noGrp="1"/>
+          </p:cNvSpPr>
+          <p:nvPr>
+            <p:ph type="dt" idx="1"/>
+          </p:nvPr>
+        </p:nvSpPr>
+        <p:spPr>
+          <a:xfrm>
+            <a:off x="3884613" y="0"/>
+            <a:ext cx="2971800" cy="458788"/>
+          </a:xfrm>
+          <a:prstGeom prst="rect">
+            <a:avLst/>
+          </a:prstGeom>
+        </p:spPr>
+        <p:txBody>
+          <a:bodyPr vert="horz" lIns="91440" tIns="45720" rIns="91440" bIns="45720" rtlCol="0"/>
+          <a:lstStyle>
+            <a:lvl1pPr algn="r">
+              <a:defRPr sz="1200"/>
+            </a:lvl1pPr>
+          </a:lstStyle>
+          <a:p>
+            <a:fld id="{2D36912F-2542-4866-B5B9-6D455BFF32B1}" type="datetimeFigureOut">
+              <a:rPr lang="en-US" smtClean="0"/>
+              <a:t>3/18/2015</a:t>
+            </a:fld>
+            <a:endParaRPr lang="en-US"/>
+          </a:p>
+        </p:txBody>
+      </p:sp>
+      <p:sp>
+        <p:nvSpPr>
+          <p:cNvPr id="4" name="Slide Image Placeholder 3"/>
+          <p:cNvSpPr>
+            <a:spLocks noGrp="1" noRot="1" noChangeAspect="1"/>
+          </p:cNvSpPr>
+          <p:nvPr>
+            <p:ph type="sldImg" idx="2"/>
+          </p:nvPr>
+        </p:nvSpPr>
+        <p:spPr>
+          <a:xfrm>
+            <a:off x="685800" y="1143000"/>
+            <a:ext cx="5486400" cy="3086100"/>
+          </a:xfrm>
+          <a:prstGeom prst="rect">
+            <a:avLst/>
+          </a:prstGeom>
+          <a:noFill/>
+          <a:ln w="12700">
+            <a:solidFill>
+              <a:prstClr val="black"/>
+            </a:solidFill>
+          </a:ln>
+        </p:spPr>
+        <p:txBody>
+          <a:bodyPr vert="horz" lIns="91440" tIns="45720" rIns="91440" bIns="45720" rtlCol="0" anchor="ctr"/>
+          <a:lstStyle/>
+          <a:p>
+            <a:endParaRPr lang="en-US"/>
+          </a:p>
+        </p:txBody>
+      </p:sp>
+      <p:sp>
+        <p:nvSpPr>
+          <p:cNvPr id="5" name="Notes Placeholder 4"/>
+          <p:cNvSpPr>
+            <a:spLocks noGrp="1"/>
+          </p:cNvSpPr>
+          <p:nvPr>
+            <p:ph type="body" sz="quarter" idx="3"/>
+          </p:nvPr>
+        </p:nvSpPr>
+        <p:spPr>
+          <a:xfrm>
+            <a:off x="685800" y="4400550"/>
+            <a:ext cx="5486400" cy="3600450"/>
+          </a:xfrm>
+          <a:prstGeom prst="rect">
+            <a:avLst/>
+          </a:prstGeom>
+        </p:spPr>
+        <p:txBody>
+          <a:bodyPr vert="horz" lIns="91440" tIns="45720" rIns="91440" bIns="45720" rtlCol="0"/>
+          <a:lstStyle/>
+          <a:p>
+            <a:pPr lvl="0"/>
+            <a:r>
+              <a:rPr lang="en-US" smtClean="0"/>
+              <a:t>Click to edit Master text styles</a:t>
+            </a:r>
+          </a:p>
+          <a:p>
+            <a:pPr lvl="1"/>
+            <a:r>
+              <a:rPr lang="en-US" smtClean="0"/>
+              <a:t>Second level</a:t>
+            </a:r>
+          </a:p>
+          <a:p>
+            <a:pPr lvl="2"/>
+            <a:r>
+              <a:rPr lang="en-US" smtClean="0"/>
+              <a:t>Third level</a:t>
+            </a:r>
+          </a:p>
+          <a:p>
+            <a:pPr lvl="3"/>
+            <a:r>
+              <a:rPr lang="en-US" smtClean="0"/>
+              <a:t>Fourth level</a:t>
+            </a:r>
+          </a:p>
+          <a:p>
+            <a:pPr lvl="4"/>
+            <a:r>
+              <a:rPr lang="en-US" smtClean="0"/>
+              <a:t>Fifth level</a:t>
+            </a:r>
+            <a:endParaRPr lang="en-US"/>
+          </a:p>
+        </p:txBody>
+      </p:sp>
+      <p:sp>
+        <p:nvSpPr>
+          <p:cNvPr id="6" name="Footer Placeholder 5"/>
+          <p:cNvSpPr>
+            <a:spLocks noGrp="1"/>
+          </p:cNvSpPr>
+          <p:nvPr>
+            <p:ph type="ftr" sz="quarter" idx="4"/>
+          </p:nvPr>
+        </p:nvSpPr>
+        <p:spPr>
+          <a:xfrm>
+            <a:off x="0" y="8685213"/>
+            <a:ext cx="2971800" cy="458787"/>
+          </a:xfrm>
+          <a:prstGeom prst="rect">
+            <a:avLst/>
+          </a:prstGeom>
+        </p:spPr>
+        <p:txBody>
+          <a:bodyPr vert="horz" lIns="91440" tIns="45720" rIns="91440" bIns="45720" rtlCol="0" anchor="b"/>
+          <a:lstStyle>
+            <a:lvl1pPr algn="l">
+              <a:defRPr sz="1200"/>
+            </a:lvl1pPr>
+          </a:lstStyle>
+          <a:p>
+            <a:endParaRPr lang="en-US"/>
+          </a:p>
+        </p:txBody>
+      </p:sp>
+      <p:sp>
+        <p:nvSpPr>
+          <p:cNvPr id="7" name="Slide Number Placeholder 6"/>
+          <p:cNvSpPr>
+            <a:spLocks noGrp="1"/>
+          </p:cNvSpPr>
+          <p:nvPr>
+            <p:ph type="sldNum" sz="quarter" idx="5"/>
+          </p:nvPr>
+        </p:nvSpPr>
+        <p:spPr>
+          <a:xfrm>
+            <a:off x="3884613" y="8685213"/>
+            <a:ext cx="2971800" cy="458787"/>
+          </a:xfrm>
+          <a:prstGeom prst="rect">
+            <a:avLst/>
+          </a:prstGeom>
+        </p:spPr>
+        <p:txBody>
+          <a:bodyPr vert="horz" lIns="91440" tIns="45720" rIns="91440" bIns="45720" rtlCol="0" anchor="b"/>
+          <a:lstStyle>
+            <a:lvl1pPr algn="r">
+              <a:defRPr sz="1200"/>
+            </a:lvl1pPr>
+          </a:lstStyle>
+          <a:p>
+            <a:fld id="{71511600-F67B-494E-B344-E0270C2BEED5}" type="slidenum">
+              <a:rPr lang="en-US" smtClean="0"/>
+              <a:t>‹#›</a:t>
+            </a:fld>
+            <a:endParaRPr lang="en-US"/>
+          </a:p>
+        </p:txBody>
+      </p:sp>
+    </p:spTree>
+    <p:extLst>
+      <p:ext uri="{BB962C8B-B14F-4D97-AF65-F5344CB8AC3E}">
+        <p14:creationId xmlns:p14="http://schemas.microsoft.com/office/powerpoint/2010/main" val="4147515188"/>
+      </p:ext>
+    </p:extLst>
+  </p:cSld>
+  <p:clrMap bg1="lt1" tx1="dk1" bg2="lt2" tx2="dk2" accent1="accent1" accent2="accent2" accent3="accent3" accent4="accent4" accent5="accent5" accent6="accent6" hlink="hlink" folHlink="folHlink"/>
+  <p:notesStyle>
+    <a:lvl1pPr marL="0" algn="l" defTabSz="914400" rtl="0" eaLnBrk="1" latinLnBrk="0" hangingPunct="1">
+      <a:defRPr sz="1200" kern="1200">
+        <a:solidFill>
+          <a:schemeClr val="tx1"/>
+        </a:solidFill>
+        <a:latin typeface="+mn-lt"/>
+        <a:ea typeface="+mn-ea"/>
+        <a:cs typeface="+mn-cs"/>
+      </a:defRPr>
+    </a:lvl1pPr>
+    <a:lvl2pPr marL="457200" algn="l" defTabSz="914400" rtl="0" eaLnBrk="1" latinLnBrk="0" hangingPunct="1">
+      <a:defRPr sz="1200" kern="1200">
+        <a:solidFill>
+          <a:schemeClr val="tx1"/>
+        </a:solidFill>
+        <a:latin typeface="+mn-lt"/>
+        <a:ea typeface="+mn-ea"/>
+        <a:cs typeface="+mn-cs"/>
+      </a:defRPr>
+    </a:lvl2pPr>
+    <a:lvl3pPr marL="914400" algn="l" defTabSz="914400" rtl="0" eaLnBrk="1" latinLnBrk="0" hangingPunct="1">
+      <a:defRPr sz="1200" kern="1200">
+        <a:solidFill>
+          <a:schemeClr val="tx1"/>
+        </a:solidFill>
+        <a:latin typeface="+mn-lt"/>
+        <a:ea typeface="+mn-ea"/>
+        <a:cs typeface="+mn-cs"/>
+      </a:defRPr>
+    </a:lvl3pPr>
+    <a:lvl4pPr marL="1371600" algn="l" defTabSz="914400" rtl="0" eaLnBrk="1" latinLnBrk="0" hangingPunct="1">
+      <a:defRPr sz="1200" kern="1200">
+        <a:solidFill>
+          <a:schemeClr val="tx1"/>
+        </a:solidFill>
+        <a:latin typeface="+mn-lt"/>
+        <a:ea typeface="+mn-ea"/>
+        <a:cs typeface="+mn-cs"/>
+      </a:defRPr>
+    </a:lvl4pPr>
+    <a:lvl5pPr marL="1828800" algn="l" defTabSz="914400" rtl="0" eaLnBrk="1" latinLnBrk="0" hangingPunct="1">
+      <a:defRPr sz="1200" kern="1200">
+        <a:solidFill>
+          <a:schemeClr val="tx1"/>
+        </a:solidFill>
+        <a:latin typeface="+mn-lt"/>
+        <a:ea typeface="+mn-ea"/>
+        <a:cs typeface="+mn-cs"/>
+      </a:defRPr>
+    </a:lvl5pPr>
+    <a:lvl6pPr marL="2286000" algn="l" defTabSz="914400" rtl="0" eaLnBrk="1" latinLnBrk="0" hangingPunct="1">
+      <a:defRPr sz="1200" kern="1200">
+        <a:solidFill>
+          <a:schemeClr val="tx1"/>
+        </a:solidFill>
+        <a:latin typeface="+mn-lt"/>
+        <a:ea typeface="+mn-ea"/>
+        <a:cs typeface="+mn-cs"/>
+      </a:defRPr>
+    </a:lvl6pPr>
+    <a:lvl7pPr marL="2743200" algn="l" defTabSz="914400" rtl="0" eaLnBrk="1" latinLnBrk="0" hangingPunct="1">
+      <a:defRPr sz="1200" kern="1200">
+        <a:solidFill>
+          <a:schemeClr val="tx1"/>
+        </a:solidFill>
+        <a:latin typeface="+mn-lt"/>
+        <a:ea typeface="+mn-ea"/>
+        <a:cs typeface="+mn-cs"/>
+      </a:defRPr>
+    </a:lvl7pPr>
+    <a:lvl8pPr marL="3200400" algn="l" defTabSz="914400" rtl="0" eaLnBrk="1" latinLnBrk="0" hangingPunct="1">
+      <a:defRPr sz="1200" kern="1200">
+        <a:solidFill>
+          <a:schemeClr val="tx1"/>
+        </a:solidFill>
+        <a:latin typeface="+mn-lt"/>
+        <a:ea typeface="+mn-ea"/>
+        <a:cs typeface="+mn-cs"/>
+      </a:defRPr>
+    </a:lvl8pPr>
+    <a:lvl9pPr marL="3657600" algn="l" defTabSz="914400" rtl="0" eaLnBrk="1" latinLnBrk="0" hangingPunct="1">
+      <a:defRPr sz="1200" kern="1200">
+        <a:solidFill>
+          <a:schemeClr val="tx1"/>
+        </a:solidFill>
+        <a:latin typeface="+mn-lt"/>
+        <a:ea typeface="+mn-ea"/>
+        <a:cs typeface="+mn-cs"/>
+      </a:defRPr>
+    </a:lvl9pPr>
+  </p:notesStyle>
+</p:notesMaster>
 </file>
 
 <file path=ppt/slideLayouts/slideLayout1.xml><?xml version="1.0" encoding="utf-8"?>
@@ -169,7 +529,7 @@
           <a:noFill/>
           <a:extLst>
             <a:ext uri="{909E8E84-426E-40dd-AFC4-6F175D3DCCD1}">
-              <a14:hiddenFill xmlns:a14="http://schemas.microsoft.com/office/drawing/2010/main" xmlns="">
+              <a14:hiddenFill xmlns="" xmlns:a14="http://schemas.microsoft.com/office/drawing/2010/main">
                 <a:solidFill>
                   <a:srgbClr val="FFFFFF"/>
                 </a:solidFill>
@@ -228,7 +588,7 @@
             </a:ln>
             <a:extLst>
               <a:ext uri="{91240B29-F687-4f45-9708-019B960494DF}">
-                <a14:hiddenLine xmlns:a14="http://schemas.microsoft.com/office/drawing/2010/main" xmlns="" w="9525">
+                <a14:hiddenLine xmlns="" xmlns:a14="http://schemas.microsoft.com/office/drawing/2010/main" w="9525">
                   <a:solidFill>
                     <a:srgbClr val="000000"/>
                   </a:solidFill>
@@ -318,7 +678,7 @@
             </a:ln>
             <a:extLst>
               <a:ext uri="{91240B29-F687-4f45-9708-019B960494DF}">
-                <a14:hiddenLine xmlns:a14="http://schemas.microsoft.com/office/drawing/2010/main" xmlns="" w="9525">
+                <a14:hiddenLine xmlns="" xmlns:a14="http://schemas.microsoft.com/office/drawing/2010/main" w="9525">
                   <a:solidFill>
                     <a:srgbClr val="000000"/>
                   </a:solidFill>
@@ -408,7 +768,7 @@
             </a:ln>
             <a:extLst>
               <a:ext uri="{91240B29-F687-4f45-9708-019B960494DF}">
-                <a14:hiddenLine xmlns:a14="http://schemas.microsoft.com/office/drawing/2010/main" xmlns="" w="9525">
+                <a14:hiddenLine xmlns="" xmlns:a14="http://schemas.microsoft.com/office/drawing/2010/main" w="9525">
                   <a:solidFill>
                     <a:srgbClr val="000000"/>
                   </a:solidFill>
@@ -442,7 +802,7 @@
             </a:ln>
             <a:extLst>
               <a:ext uri="{91240B29-F687-4f45-9708-019B960494DF}">
-                <a14:hiddenLine xmlns:a14="http://schemas.microsoft.com/office/drawing/2010/main" xmlns="" w="9525">
+                <a14:hiddenLine xmlns="" xmlns:a14="http://schemas.microsoft.com/office/drawing/2010/main" w="9525">
                   <a:solidFill>
                     <a:srgbClr val="000000"/>
                   </a:solidFill>
@@ -532,7 +892,7 @@
             </a:ln>
             <a:extLst>
               <a:ext uri="{91240B29-F687-4f45-9708-019B960494DF}">
-                <a14:hiddenLine xmlns:a14="http://schemas.microsoft.com/office/drawing/2010/main" xmlns="" w="9525">
+                <a14:hiddenLine xmlns="" xmlns:a14="http://schemas.microsoft.com/office/drawing/2010/main" w="9525">
                   <a:solidFill>
                     <a:srgbClr val="000000"/>
                   </a:solidFill>
@@ -594,7 +954,7 @@
             </a:ln>
             <a:extLst>
               <a:ext uri="{91240B29-F687-4f45-9708-019B960494DF}">
-                <a14:hiddenLine xmlns:a14="http://schemas.microsoft.com/office/drawing/2010/main" xmlns="" w="9525">
+                <a14:hiddenLine xmlns="" xmlns:a14="http://schemas.microsoft.com/office/drawing/2010/main" w="9525">
                   <a:solidFill>
                     <a:srgbClr val="000000"/>
                   </a:solidFill>
@@ -656,7 +1016,7 @@
             </a:ln>
             <a:extLst>
               <a:ext uri="{91240B29-F687-4f45-9708-019B960494DF}">
-                <a14:hiddenLine xmlns:a14="http://schemas.microsoft.com/office/drawing/2010/main" xmlns="" w="9525">
+                <a14:hiddenLine xmlns="" xmlns:a14="http://schemas.microsoft.com/office/drawing/2010/main" w="9525">
                   <a:solidFill>
                     <a:srgbClr val="000000"/>
                   </a:solidFill>
@@ -746,7 +1106,7 @@
             </a:ln>
             <a:extLst>
               <a:ext uri="{91240B29-F687-4f45-9708-019B960494DF}">
-                <a14:hiddenLine xmlns:a14="http://schemas.microsoft.com/office/drawing/2010/main" xmlns="" w="9525">
+                <a14:hiddenLine xmlns="" xmlns:a14="http://schemas.microsoft.com/office/drawing/2010/main" w="9525">
                   <a:solidFill>
                     <a:srgbClr val="000000"/>
                   </a:solidFill>
@@ -808,7 +1168,7 @@
             </a:ln>
             <a:extLst>
               <a:ext uri="{91240B29-F687-4f45-9708-019B960494DF}">
-                <a14:hiddenLine xmlns:a14="http://schemas.microsoft.com/office/drawing/2010/main" xmlns="" w="9525">
+                <a14:hiddenLine xmlns="" xmlns:a14="http://schemas.microsoft.com/office/drawing/2010/main" w="9525">
                   <a:solidFill>
                     <a:srgbClr val="000000"/>
                   </a:solidFill>
@@ -870,7 +1230,7 @@
             </a:ln>
             <a:extLst>
               <a:ext uri="{91240B29-F687-4f45-9708-019B960494DF}">
-                <a14:hiddenLine xmlns:a14="http://schemas.microsoft.com/office/drawing/2010/main" xmlns="" w="9525">
+                <a14:hiddenLine xmlns="" xmlns:a14="http://schemas.microsoft.com/office/drawing/2010/main" w="9525">
                   <a:solidFill>
                     <a:srgbClr val="000000"/>
                   </a:solidFill>
@@ -960,7 +1320,7 @@
             </a:ln>
             <a:extLst>
               <a:ext uri="{91240B29-F687-4f45-9708-019B960494DF}">
-                <a14:hiddenLine xmlns:a14="http://schemas.microsoft.com/office/drawing/2010/main" xmlns="" w="9525">
+                <a14:hiddenLine xmlns="" xmlns:a14="http://schemas.microsoft.com/office/drawing/2010/main" w="9525">
                   <a:solidFill>
                     <a:srgbClr val="000000"/>
                   </a:solidFill>
@@ -1050,7 +1410,7 @@
             </a:ln>
             <a:extLst>
               <a:ext uri="{91240B29-F687-4f45-9708-019B960494DF}">
-                <a14:hiddenLine xmlns:a14="http://schemas.microsoft.com/office/drawing/2010/main" xmlns="" w="9525">
+                <a14:hiddenLine xmlns="" xmlns:a14="http://schemas.microsoft.com/office/drawing/2010/main" w="9525">
                   <a:solidFill>
                     <a:srgbClr val="000000"/>
                   </a:solidFill>
@@ -1112,7 +1472,7 @@
             </a:ln>
             <a:extLst>
               <a:ext uri="{91240B29-F687-4f45-9708-019B960494DF}">
-                <a14:hiddenLine xmlns:a14="http://schemas.microsoft.com/office/drawing/2010/main" xmlns="" w="9525">
+                <a14:hiddenLine xmlns="" xmlns:a14="http://schemas.microsoft.com/office/drawing/2010/main" w="9525">
                   <a:solidFill>
                     <a:srgbClr val="000000"/>
                   </a:solidFill>
@@ -1222,7 +1582,7 @@
             </a:ln>
             <a:extLst>
               <a:ext uri="{91240B29-F687-4f45-9708-019B960494DF}">
-                <a14:hiddenLine xmlns:a14="http://schemas.microsoft.com/office/drawing/2010/main" xmlns="" w="9525">
+                <a14:hiddenLine xmlns="" xmlns:a14="http://schemas.microsoft.com/office/drawing/2010/main" w="9525">
                   <a:solidFill>
                     <a:srgbClr val="000000"/>
                   </a:solidFill>
@@ -1284,7 +1644,7 @@
             </a:ln>
             <a:extLst>
               <a:ext uri="{91240B29-F687-4f45-9708-019B960494DF}">
-                <a14:hiddenLine xmlns:a14="http://schemas.microsoft.com/office/drawing/2010/main" xmlns="" w="9525">
+                <a14:hiddenLine xmlns="" xmlns:a14="http://schemas.microsoft.com/office/drawing/2010/main" w="9525">
                   <a:solidFill>
                     <a:srgbClr val="000000"/>
                   </a:solidFill>
@@ -1374,7 +1734,7 @@
             </a:ln>
             <a:extLst>
               <a:ext uri="{91240B29-F687-4f45-9708-019B960494DF}">
-                <a14:hiddenLine xmlns:a14="http://schemas.microsoft.com/office/drawing/2010/main" xmlns="" w="9525">
+                <a14:hiddenLine xmlns="" xmlns:a14="http://schemas.microsoft.com/office/drawing/2010/main" w="9525">
                   <a:solidFill>
                     <a:srgbClr val="000000"/>
                   </a:solidFill>
@@ -1464,7 +1824,7 @@
             </a:ln>
             <a:extLst>
               <a:ext uri="{91240B29-F687-4f45-9708-019B960494DF}">
-                <a14:hiddenLine xmlns:a14="http://schemas.microsoft.com/office/drawing/2010/main" xmlns="" w="9525">
+                <a14:hiddenLine xmlns="" xmlns:a14="http://schemas.microsoft.com/office/drawing/2010/main" w="9525">
                   <a:solidFill>
                     <a:srgbClr val="000000"/>
                   </a:solidFill>
@@ -1526,7 +1886,7 @@
             </a:ln>
             <a:extLst>
               <a:ext uri="{91240B29-F687-4f45-9708-019B960494DF}">
-                <a14:hiddenLine xmlns:a14="http://schemas.microsoft.com/office/drawing/2010/main" xmlns="" w="9525">
+                <a14:hiddenLine xmlns="" xmlns:a14="http://schemas.microsoft.com/office/drawing/2010/main" w="9525">
                   <a:solidFill>
                     <a:srgbClr val="000000"/>
                   </a:solidFill>
@@ -1616,7 +1976,7 @@
             </a:ln>
             <a:extLst>
               <a:ext uri="{91240B29-F687-4f45-9708-019B960494DF}">
-                <a14:hiddenLine xmlns:a14="http://schemas.microsoft.com/office/drawing/2010/main" xmlns="" w="9525">
+                <a14:hiddenLine xmlns="" xmlns:a14="http://schemas.microsoft.com/office/drawing/2010/main" w="9525">
                   <a:solidFill>
                     <a:srgbClr val="000000"/>
                   </a:solidFill>
@@ -1706,7 +2066,7 @@
             </a:ln>
             <a:extLst>
               <a:ext uri="{91240B29-F687-4f45-9708-019B960494DF}">
-                <a14:hiddenLine xmlns:a14="http://schemas.microsoft.com/office/drawing/2010/main" xmlns="" w="9525">
+                <a14:hiddenLine xmlns="" xmlns:a14="http://schemas.microsoft.com/office/drawing/2010/main" w="9525">
                   <a:solidFill>
                     <a:srgbClr val="000000"/>
                   </a:solidFill>
@@ -1762,7 +2122,7 @@
             </a:ln>
             <a:extLst>
               <a:ext uri="{91240B29-F687-4f45-9708-019B960494DF}">
-                <a14:hiddenLine xmlns:a14="http://schemas.microsoft.com/office/drawing/2010/main" xmlns="" w="9525">
+                <a14:hiddenLine xmlns="" xmlns:a14="http://schemas.microsoft.com/office/drawing/2010/main" w="9525">
                   <a:solidFill>
                     <a:srgbClr val="000000"/>
                   </a:solidFill>
@@ -1852,7 +2212,7 @@
             </a:ln>
             <a:extLst>
               <a:ext uri="{91240B29-F687-4f45-9708-019B960494DF}">
-                <a14:hiddenLine xmlns:a14="http://schemas.microsoft.com/office/drawing/2010/main" xmlns="" w="9525">
+                <a14:hiddenLine xmlns="" xmlns:a14="http://schemas.microsoft.com/office/drawing/2010/main" w="9525">
                   <a:solidFill>
                     <a:srgbClr val="000000"/>
                   </a:solidFill>
@@ -1908,7 +2268,7 @@
             </a:ln>
             <a:extLst>
               <a:ext uri="{91240B29-F687-4f45-9708-019B960494DF}">
-                <a14:hiddenLine xmlns:a14="http://schemas.microsoft.com/office/drawing/2010/main" xmlns="" w="9525">
+                <a14:hiddenLine xmlns="" xmlns:a14="http://schemas.microsoft.com/office/drawing/2010/main" w="9525">
                   <a:solidFill>
                     <a:srgbClr val="000000"/>
                   </a:solidFill>
@@ -1998,7 +2358,7 @@
             </a:ln>
             <a:extLst>
               <a:ext uri="{91240B29-F687-4f45-9708-019B960494DF}">
-                <a14:hiddenLine xmlns:a14="http://schemas.microsoft.com/office/drawing/2010/main" xmlns="" w="9525">
+                <a14:hiddenLine xmlns="" xmlns:a14="http://schemas.microsoft.com/office/drawing/2010/main" w="9525">
                   <a:solidFill>
                     <a:srgbClr val="000000"/>
                   </a:solidFill>
@@ -2066,7 +2426,7 @@
             </a:ln>
             <a:extLst>
               <a:ext uri="{91240B29-F687-4f45-9708-019B960494DF}">
-                <a14:hiddenLine xmlns:a14="http://schemas.microsoft.com/office/drawing/2010/main" xmlns="" w="9525">
+                <a14:hiddenLine xmlns="" xmlns:a14="http://schemas.microsoft.com/office/drawing/2010/main" w="9525">
                   <a:solidFill>
                     <a:srgbClr val="000000"/>
                   </a:solidFill>
@@ -2156,7 +2516,7 @@
             </a:ln>
             <a:extLst>
               <a:ext uri="{91240B29-F687-4f45-9708-019B960494DF}">
-                <a14:hiddenLine xmlns:a14="http://schemas.microsoft.com/office/drawing/2010/main" xmlns="" w="9525">
+                <a14:hiddenLine xmlns="" xmlns:a14="http://schemas.microsoft.com/office/drawing/2010/main" w="9525">
                   <a:solidFill>
                     <a:srgbClr val="000000"/>
                   </a:solidFill>
@@ -2224,7 +2584,7 @@
             </a:ln>
             <a:extLst>
               <a:ext uri="{91240B29-F687-4f45-9708-019B960494DF}">
-                <a14:hiddenLine xmlns:a14="http://schemas.microsoft.com/office/drawing/2010/main" xmlns="" w="9525">
+                <a14:hiddenLine xmlns="" xmlns:a14="http://schemas.microsoft.com/office/drawing/2010/main" w="9525">
                   <a:solidFill>
                     <a:srgbClr val="000000"/>
                   </a:solidFill>
@@ -2314,7 +2674,7 @@
             </a:ln>
             <a:extLst>
               <a:ext uri="{91240B29-F687-4f45-9708-019B960494DF}">
-                <a14:hiddenLine xmlns:a14="http://schemas.microsoft.com/office/drawing/2010/main" xmlns="" w="9525">
+                <a14:hiddenLine xmlns="" xmlns:a14="http://schemas.microsoft.com/office/drawing/2010/main" w="9525">
                   <a:solidFill>
                     <a:srgbClr val="000000"/>
                   </a:solidFill>
@@ -2348,7 +2708,7 @@
             </a:ln>
             <a:extLst>
               <a:ext uri="{91240B29-F687-4f45-9708-019B960494DF}">
-                <a14:hiddenLine xmlns:a14="http://schemas.microsoft.com/office/drawing/2010/main" xmlns="" w="9525">
+                <a14:hiddenLine xmlns="" xmlns:a14="http://schemas.microsoft.com/office/drawing/2010/main" w="9525">
                   <a:solidFill>
                     <a:srgbClr val="000000"/>
                   </a:solidFill>
@@ -2438,7 +2798,7 @@
             </a:ln>
             <a:extLst>
               <a:ext uri="{91240B29-F687-4f45-9708-019B960494DF}">
-                <a14:hiddenLine xmlns:a14="http://schemas.microsoft.com/office/drawing/2010/main" xmlns="" w="9525">
+                <a14:hiddenLine xmlns="" xmlns:a14="http://schemas.microsoft.com/office/drawing/2010/main" w="9525">
                   <a:solidFill>
                     <a:srgbClr val="000000"/>
                   </a:solidFill>
@@ -2500,7 +2860,7 @@
             </a:ln>
             <a:extLst>
               <a:ext uri="{91240B29-F687-4f45-9708-019B960494DF}">
-                <a14:hiddenLine xmlns:a14="http://schemas.microsoft.com/office/drawing/2010/main" xmlns="" w="9525">
+                <a14:hiddenLine xmlns="" xmlns:a14="http://schemas.microsoft.com/office/drawing/2010/main" w="9525">
                   <a:solidFill>
                     <a:srgbClr val="000000"/>
                   </a:solidFill>
@@ -2562,7 +2922,7 @@
             </a:ln>
             <a:extLst>
               <a:ext uri="{91240B29-F687-4f45-9708-019B960494DF}">
-                <a14:hiddenLine xmlns:a14="http://schemas.microsoft.com/office/drawing/2010/main" xmlns="" w="9525">
+                <a14:hiddenLine xmlns="" xmlns:a14="http://schemas.microsoft.com/office/drawing/2010/main" w="9525">
                   <a:solidFill>
                     <a:srgbClr val="000000"/>
                   </a:solidFill>
@@ -2652,7 +3012,7 @@
             </a:ln>
             <a:extLst>
               <a:ext uri="{91240B29-F687-4f45-9708-019B960494DF}">
-                <a14:hiddenLine xmlns:a14="http://schemas.microsoft.com/office/drawing/2010/main" xmlns="" w="9525">
+                <a14:hiddenLine xmlns="" xmlns:a14="http://schemas.microsoft.com/office/drawing/2010/main" w="9525">
                   <a:solidFill>
                     <a:srgbClr val="000000"/>
                   </a:solidFill>
@@ -2720,7 +3080,7 @@
             </a:ln>
             <a:extLst>
               <a:ext uri="{91240B29-F687-4f45-9708-019B960494DF}">
-                <a14:hiddenLine xmlns:a14="http://schemas.microsoft.com/office/drawing/2010/main" xmlns="" w="9525">
+                <a14:hiddenLine xmlns="" xmlns:a14="http://schemas.microsoft.com/office/drawing/2010/main" w="9525">
                   <a:solidFill>
                     <a:srgbClr val="000000"/>
                   </a:solidFill>
@@ -2782,7 +3142,7 @@
             </a:ln>
             <a:extLst>
               <a:ext uri="{91240B29-F687-4f45-9708-019B960494DF}">
-                <a14:hiddenLine xmlns:a14="http://schemas.microsoft.com/office/drawing/2010/main" xmlns="" w="9525">
+                <a14:hiddenLine xmlns="" xmlns:a14="http://schemas.microsoft.com/office/drawing/2010/main" w="9525">
                   <a:solidFill>
                     <a:srgbClr val="000000"/>
                   </a:solidFill>
@@ -2872,7 +3232,7 @@
             </a:ln>
             <a:extLst>
               <a:ext uri="{91240B29-F687-4f45-9708-019B960494DF}">
-                <a14:hiddenLine xmlns:a14="http://schemas.microsoft.com/office/drawing/2010/main" xmlns="" w="9525">
+                <a14:hiddenLine xmlns="" xmlns:a14="http://schemas.microsoft.com/office/drawing/2010/main" w="9525">
                   <a:solidFill>
                     <a:srgbClr val="000000"/>
                   </a:solidFill>
@@ -2934,7 +3294,7 @@
             </a:ln>
             <a:extLst>
               <a:ext uri="{91240B29-F687-4f45-9708-019B960494DF}">
-                <a14:hiddenLine xmlns:a14="http://schemas.microsoft.com/office/drawing/2010/main" xmlns="" w="9525">
+                <a14:hiddenLine xmlns="" xmlns:a14="http://schemas.microsoft.com/office/drawing/2010/main" w="9525">
                   <a:solidFill>
                     <a:srgbClr val="000000"/>
                   </a:solidFill>
@@ -3024,7 +3384,7 @@
             </a:ln>
             <a:extLst>
               <a:ext uri="{91240B29-F687-4f45-9708-019B960494DF}">
-                <a14:hiddenLine xmlns:a14="http://schemas.microsoft.com/office/drawing/2010/main" xmlns="" w="9525">
+                <a14:hiddenLine xmlns="" xmlns:a14="http://schemas.microsoft.com/office/drawing/2010/main" w="9525">
                   <a:solidFill>
                     <a:srgbClr val="000000"/>
                   </a:solidFill>
@@ -3086,7 +3446,7 @@
             </a:ln>
             <a:extLst>
               <a:ext uri="{91240B29-F687-4f45-9708-019B960494DF}">
-                <a14:hiddenLine xmlns:a14="http://schemas.microsoft.com/office/drawing/2010/main" xmlns="" w="9525">
+                <a14:hiddenLine xmlns="" xmlns:a14="http://schemas.microsoft.com/office/drawing/2010/main" w="9525">
                   <a:solidFill>
                     <a:srgbClr val="000000"/>
                   </a:solidFill>
@@ -3176,7 +3536,7 @@
             </a:ln>
             <a:extLst>
               <a:ext uri="{91240B29-F687-4f45-9708-019B960494DF}">
-                <a14:hiddenLine xmlns:a14="http://schemas.microsoft.com/office/drawing/2010/main" xmlns="" w="9525">
+                <a14:hiddenLine xmlns="" xmlns:a14="http://schemas.microsoft.com/office/drawing/2010/main" w="9525">
                   <a:solidFill>
                     <a:srgbClr val="000000"/>
                   </a:solidFill>
@@ -3210,7 +3570,7 @@
             </a:ln>
             <a:extLst>
               <a:ext uri="{91240B29-F687-4f45-9708-019B960494DF}">
-                <a14:hiddenLine xmlns:a14="http://schemas.microsoft.com/office/drawing/2010/main" xmlns="" w="9525">
+                <a14:hiddenLine xmlns="" xmlns:a14="http://schemas.microsoft.com/office/drawing/2010/main" w="9525">
                   <a:solidFill>
                     <a:srgbClr val="000000"/>
                   </a:solidFill>
@@ -3275,7 +3635,7 @@
             </a:ln>
             <a:extLst>
               <a:ext uri="{91240B29-F687-4f45-9708-019B960494DF}">
-                <a14:hiddenLine xmlns:a14="http://schemas.microsoft.com/office/drawing/2010/main" xmlns="" w="9525">
+                <a14:hiddenLine xmlns="" xmlns:a14="http://schemas.microsoft.com/office/drawing/2010/main" w="9525">
                   <a:solidFill>
                     <a:srgbClr val="000000"/>
                   </a:solidFill>
@@ -3365,7 +3725,7 @@
             </a:ln>
             <a:extLst>
               <a:ext uri="{91240B29-F687-4f45-9708-019B960494DF}">
-                <a14:hiddenLine xmlns:a14="http://schemas.microsoft.com/office/drawing/2010/main" xmlns="" w="9525">
+                <a14:hiddenLine xmlns="" xmlns:a14="http://schemas.microsoft.com/office/drawing/2010/main" w="9525">
                   <a:solidFill>
                     <a:srgbClr val="000000"/>
                   </a:solidFill>
@@ -3427,7 +3787,7 @@
             </a:ln>
             <a:extLst>
               <a:ext uri="{91240B29-F687-4f45-9708-019B960494DF}">
-                <a14:hiddenLine xmlns:a14="http://schemas.microsoft.com/office/drawing/2010/main" xmlns="" w="9525">
+                <a14:hiddenLine xmlns="" xmlns:a14="http://schemas.microsoft.com/office/drawing/2010/main" w="9525">
                   <a:solidFill>
                     <a:srgbClr val="000000"/>
                   </a:solidFill>
@@ -3517,7 +3877,7 @@
             </a:ln>
             <a:extLst>
               <a:ext uri="{91240B29-F687-4f45-9708-019B960494DF}">
-                <a14:hiddenLine xmlns:a14="http://schemas.microsoft.com/office/drawing/2010/main" xmlns="" w="9525">
+                <a14:hiddenLine xmlns="" xmlns:a14="http://schemas.microsoft.com/office/drawing/2010/main" w="9525">
                   <a:solidFill>
                     <a:srgbClr val="000000"/>
                   </a:solidFill>
@@ -3607,7 +3967,7 @@
             </a:ln>
             <a:extLst>
               <a:ext uri="{91240B29-F687-4f45-9708-019B960494DF}">
-                <a14:hiddenLine xmlns:a14="http://schemas.microsoft.com/office/drawing/2010/main" xmlns="" w="9525">
+                <a14:hiddenLine xmlns="" xmlns:a14="http://schemas.microsoft.com/office/drawing/2010/main" w="9525">
                   <a:solidFill>
                     <a:srgbClr val="000000"/>
                   </a:solidFill>
@@ -3672,7 +4032,7 @@
             </a:ln>
             <a:extLst>
               <a:ext uri="{91240B29-F687-4f45-9708-019B960494DF}">
-                <a14:hiddenLine xmlns:a14="http://schemas.microsoft.com/office/drawing/2010/main" xmlns="" w="9525">
+                <a14:hiddenLine xmlns="" xmlns:a14="http://schemas.microsoft.com/office/drawing/2010/main" w="9525">
                   <a:solidFill>
                     <a:srgbClr val="000000"/>
                   </a:solidFill>
@@ -3734,7 +4094,7 @@
             </a:ln>
             <a:extLst>
               <a:ext uri="{91240B29-F687-4f45-9708-019B960494DF}">
-                <a14:hiddenLine xmlns:a14="http://schemas.microsoft.com/office/drawing/2010/main" xmlns="" w="9525">
+                <a14:hiddenLine xmlns="" xmlns:a14="http://schemas.microsoft.com/office/drawing/2010/main" w="9525">
                   <a:solidFill>
                     <a:srgbClr val="000000"/>
                   </a:solidFill>
@@ -3824,7 +4184,7 @@
             </a:ln>
             <a:extLst>
               <a:ext uri="{91240B29-F687-4f45-9708-019B960494DF}">
-                <a14:hiddenLine xmlns:a14="http://schemas.microsoft.com/office/drawing/2010/main" xmlns="" w="9525">
+                <a14:hiddenLine xmlns="" xmlns:a14="http://schemas.microsoft.com/office/drawing/2010/main" w="9525">
                   <a:solidFill>
                     <a:srgbClr val="000000"/>
                   </a:solidFill>
@@ -3914,7 +4274,7 @@
             </a:ln>
             <a:extLst>
               <a:ext uri="{91240B29-F687-4f45-9708-019B960494DF}">
-                <a14:hiddenLine xmlns:a14="http://schemas.microsoft.com/office/drawing/2010/main" xmlns="" w="9525">
+                <a14:hiddenLine xmlns="" xmlns:a14="http://schemas.microsoft.com/office/drawing/2010/main" w="9525">
                   <a:solidFill>
                     <a:srgbClr val="000000"/>
                   </a:solidFill>
@@ -3976,7 +4336,7 @@
             </a:ln>
             <a:extLst>
               <a:ext uri="{91240B29-F687-4f45-9708-019B960494DF}">
-                <a14:hiddenLine xmlns:a14="http://schemas.microsoft.com/office/drawing/2010/main" xmlns="" w="9525">
+                <a14:hiddenLine xmlns="" xmlns:a14="http://schemas.microsoft.com/office/drawing/2010/main" w="9525">
                   <a:solidFill>
                     <a:srgbClr val="000000"/>
                   </a:solidFill>
@@ -4096,7 +4456,7 @@
             </a:ln>
             <a:extLst>
               <a:ext uri="{91240B29-F687-4f45-9708-019B960494DF}">
-                <a14:hiddenLine xmlns:a14="http://schemas.microsoft.com/office/drawing/2010/main" xmlns="" w="9525">
+                <a14:hiddenLine xmlns="" xmlns:a14="http://schemas.microsoft.com/office/drawing/2010/main" w="9525">
                   <a:solidFill>
                     <a:srgbClr val="000000"/>
                   </a:solidFill>
@@ -4164,7 +4524,7 @@
             </a:ln>
             <a:extLst>
               <a:ext uri="{91240B29-F687-4f45-9708-019B960494DF}">
-                <a14:hiddenLine xmlns:a14="http://schemas.microsoft.com/office/drawing/2010/main" xmlns="" w="9525">
+                <a14:hiddenLine xmlns="" xmlns:a14="http://schemas.microsoft.com/office/drawing/2010/main" w="9525">
                   <a:solidFill>
                     <a:srgbClr val="000000"/>
                   </a:solidFill>
@@ -4254,7 +4614,7 @@
             </a:ln>
             <a:extLst>
               <a:ext uri="{91240B29-F687-4f45-9708-019B960494DF}">
-                <a14:hiddenLine xmlns:a14="http://schemas.microsoft.com/office/drawing/2010/main" xmlns="" w="9525">
+                <a14:hiddenLine xmlns="" xmlns:a14="http://schemas.microsoft.com/office/drawing/2010/main" w="9525">
                   <a:solidFill>
                     <a:srgbClr val="000000"/>
                   </a:solidFill>
@@ -4394,7 +4754,7 @@
           <a:p>
             <a:fld id="{AFB55D20-A2F7-439D-86FB-B7176A1D1CDA}" type="datetimeFigureOut">
               <a:rPr lang="en-US" smtClean="0"/>
-              <a:t>3/9/2015</a:t>
+              <a:t>3/17/2015</a:t>
             </a:fld>
             <a:endParaRPr lang="en-US"/>
           </a:p>
@@ -4462,6 +4822,16 @@
   <p:clrMapOvr>
     <a:masterClrMapping/>
   </p:clrMapOvr>
+  <p:transition>
+    <p:fade/>
+  </p:transition>
+  <p:timing>
+    <p:tnLst>
+      <p:par>
+        <p:cTn id="1" dur="indefinite" restart="never" nodeType="tmRoot"/>
+      </p:par>
+    </p:tnLst>
+  </p:timing>
 </p:sldLayout>
 </file>
 
@@ -4661,7 +5031,7 @@
           <a:p>
             <a:fld id="{AFB55D20-A2F7-439D-86FB-B7176A1D1CDA}" type="datetimeFigureOut">
               <a:rPr lang="en-US" smtClean="0"/>
-              <a:t>3/9/2015</a:t>
+              <a:t>3/17/2015</a:t>
             </a:fld>
             <a:endParaRPr lang="en-US"/>
           </a:p>
@@ -4719,6 +5089,9 @@
   <p:clrMapOvr>
     <a:masterClrMapping/>
   </p:clrMapOvr>
+  <p:transition>
+    <p:fade/>
+  </p:transition>
 </p:sldLayout>
 </file>
 
@@ -4857,7 +5230,7 @@
           <a:p>
             <a:fld id="{AFB55D20-A2F7-439D-86FB-B7176A1D1CDA}" type="datetimeFigureOut">
               <a:rPr lang="en-US" smtClean="0"/>
-              <a:t>3/9/2015</a:t>
+              <a:t>3/17/2015</a:t>
             </a:fld>
             <a:endParaRPr lang="en-US"/>
           </a:p>
@@ -4915,6 +5288,9 @@
   <p:clrMapOvr>
     <a:masterClrMapping/>
   </p:clrMapOvr>
+  <p:transition>
+    <p:fade/>
+  </p:transition>
 </p:sldLayout>
 </file>
 
@@ -5120,7 +5496,7 @@
           <a:p>
             <a:fld id="{AFB55D20-A2F7-439D-86FB-B7176A1D1CDA}" type="datetimeFigureOut">
               <a:rPr lang="en-US" smtClean="0"/>
-              <a:t>3/9/2015</a:t>
+              <a:t>3/17/2015</a:t>
             </a:fld>
             <a:endParaRPr lang="en-US"/>
           </a:p>
@@ -5416,6 +5792,9 @@
   <p:clrMapOvr>
     <a:masterClrMapping/>
   </p:clrMapOvr>
+  <p:transition>
+    <p:fade/>
+  </p:transition>
 </p:sldLayout>
 </file>
 
@@ -5554,7 +5933,7 @@
           <a:p>
             <a:fld id="{AFB55D20-A2F7-439D-86FB-B7176A1D1CDA}" type="datetimeFigureOut">
               <a:rPr lang="en-US" smtClean="0"/>
-              <a:t>3/9/2015</a:t>
+              <a:t>3/17/2015</a:t>
             </a:fld>
             <a:endParaRPr lang="en-US"/>
           </a:p>
@@ -5612,6 +5991,9 @@
   <p:clrMapOvr>
     <a:masterClrMapping/>
   </p:clrMapOvr>
+  <p:transition>
+    <p:fade/>
+  </p:transition>
 </p:sldLayout>
 </file>
 
@@ -6100,7 +6482,7 @@
           <a:p>
             <a:fld id="{AFB55D20-A2F7-439D-86FB-B7176A1D1CDA}" type="datetimeFigureOut">
               <a:rPr lang="en-US" smtClean="0"/>
-              <a:t>3/9/2015</a:t>
+              <a:t>3/17/2015</a:t>
             </a:fld>
             <a:endParaRPr lang="en-US"/>
           </a:p>
@@ -6158,6 +6540,9 @@
   <p:clrMapOvr>
     <a:masterClrMapping/>
   </p:clrMapOvr>
+  <p:transition>
+    <p:fade/>
+  </p:transition>
 </p:sldLayout>
 </file>
 
@@ -6820,7 +7205,7 @@
           <a:p>
             <a:fld id="{AFB55D20-A2F7-439D-86FB-B7176A1D1CDA}" type="datetimeFigureOut">
               <a:rPr lang="en-US" smtClean="0"/>
-              <a:t>3/9/2015</a:t>
+              <a:t>3/17/2015</a:t>
             </a:fld>
             <a:endParaRPr lang="en-US"/>
           </a:p>
@@ -6878,6 +7263,9 @@
   <p:clrMapOvr>
     <a:masterClrMapping/>
   </p:clrMapOvr>
+  <p:transition>
+    <p:fade/>
+  </p:transition>
 </p:sldLayout>
 </file>
 
@@ -6990,7 +7378,7 @@
           <a:p>
             <a:fld id="{AFB55D20-A2F7-439D-86FB-B7176A1D1CDA}" type="datetimeFigureOut">
               <a:rPr lang="en-US" smtClean="0"/>
-              <a:t>3/9/2015</a:t>
+              <a:t>3/17/2015</a:t>
             </a:fld>
             <a:endParaRPr lang="en-US"/>
           </a:p>
@@ -7048,6 +7436,9 @@
   <p:clrMapOvr>
     <a:masterClrMapping/>
   </p:clrMapOvr>
+  <p:transition>
+    <p:fade/>
+  </p:transition>
 </p:sldLayout>
 </file>
 
@@ -7170,7 +7561,7 @@
           <a:p>
             <a:fld id="{AFB55D20-A2F7-439D-86FB-B7176A1D1CDA}" type="datetimeFigureOut">
               <a:rPr lang="en-US" smtClean="0"/>
-              <a:t>3/9/2015</a:t>
+              <a:t>3/17/2015</a:t>
             </a:fld>
             <a:endParaRPr lang="en-US"/>
           </a:p>
@@ -7228,6 +7619,9 @@
   <p:clrMapOvr>
     <a:masterClrMapping/>
   </p:clrMapOvr>
+  <p:transition>
+    <p:fade/>
+  </p:transition>
 </p:sldLayout>
 </file>
 
@@ -7340,7 +7734,7 @@
           <a:p>
             <a:fld id="{AFB55D20-A2F7-439D-86FB-B7176A1D1CDA}" type="datetimeFigureOut">
               <a:rPr lang="en-US" smtClean="0"/>
-              <a:t>3/9/2015</a:t>
+              <a:t>3/17/2015</a:t>
             </a:fld>
             <a:endParaRPr lang="en-US"/>
           </a:p>
@@ -7398,6 +7792,16 @@
   <p:clrMapOvr>
     <a:masterClrMapping/>
   </p:clrMapOvr>
+  <p:transition>
+    <p:fade/>
+  </p:transition>
+  <p:timing>
+    <p:tnLst>
+      <p:par>
+        <p:cTn id="1" dur="indefinite" restart="never" nodeType="tmRoot"/>
+      </p:par>
+    </p:tnLst>
+  </p:timing>
 </p:sldLayout>
 </file>
 
@@ -7590,7 +7994,7 @@
           <a:p>
             <a:fld id="{AFB55D20-A2F7-439D-86FB-B7176A1D1CDA}" type="datetimeFigureOut">
               <a:rPr lang="en-US" smtClean="0"/>
-              <a:t>3/9/2015</a:t>
+              <a:t>3/17/2015</a:t>
             </a:fld>
             <a:endParaRPr lang="en-US"/>
           </a:p>
@@ -7648,6 +8052,9 @@
   <p:clrMapOvr>
     <a:masterClrMapping/>
   </p:clrMapOvr>
+  <p:transition>
+    <p:fade/>
+  </p:transition>
 </p:sldLayout>
 </file>
 
@@ -7822,7 +8229,7 @@
           <a:p>
             <a:fld id="{AFB55D20-A2F7-439D-86FB-B7176A1D1CDA}" type="datetimeFigureOut">
               <a:rPr lang="en-US" smtClean="0"/>
-              <a:t>3/9/2015</a:t>
+              <a:t>3/17/2015</a:t>
             </a:fld>
             <a:endParaRPr lang="en-US"/>
           </a:p>
@@ -7880,6 +8287,9 @@
   <p:clrMapOvr>
     <a:masterClrMapping/>
   </p:clrMapOvr>
+  <p:transition>
+    <p:fade/>
+  </p:transition>
 </p:sldLayout>
 </file>
 
@@ -8203,7 +8613,7 @@
           <a:p>
             <a:fld id="{AFB55D20-A2F7-439D-86FB-B7176A1D1CDA}" type="datetimeFigureOut">
               <a:rPr lang="en-US" smtClean="0"/>
-              <a:t>3/9/2015</a:t>
+              <a:t>3/17/2015</a:t>
             </a:fld>
             <a:endParaRPr lang="en-US"/>
           </a:p>
@@ -8261,6 +8671,9 @@
   <p:clrMapOvr>
     <a:masterClrMapping/>
   </p:clrMapOvr>
+  <p:transition>
+    <p:fade/>
+  </p:transition>
 </p:sldLayout>
 </file>
 
@@ -8321,7 +8734,7 @@
           <a:p>
             <a:fld id="{AFB55D20-A2F7-439D-86FB-B7176A1D1CDA}" type="datetimeFigureOut">
               <a:rPr lang="en-US" smtClean="0"/>
-              <a:t>3/9/2015</a:t>
+              <a:t>3/17/2015</a:t>
             </a:fld>
             <a:endParaRPr lang="en-US"/>
           </a:p>
@@ -8379,6 +8792,9 @@
   <p:clrMapOvr>
     <a:masterClrMapping/>
   </p:clrMapOvr>
+  <p:transition>
+    <p:fade/>
+  </p:transition>
 </p:sldLayout>
 </file>
 
@@ -8416,7 +8832,7 @@
           <a:p>
             <a:fld id="{AFB55D20-A2F7-439D-86FB-B7176A1D1CDA}" type="datetimeFigureOut">
               <a:rPr lang="en-US" smtClean="0"/>
-              <a:t>3/9/2015</a:t>
+              <a:t>3/17/2015</a:t>
             </a:fld>
             <a:endParaRPr lang="en-US"/>
           </a:p>
@@ -8474,6 +8890,9 @@
   <p:clrMapOvr>
     <a:masterClrMapping/>
   </p:clrMapOvr>
+  <p:transition>
+    <p:fade/>
+  </p:transition>
 </p:sldLayout>
 </file>
 
@@ -8665,7 +9084,7 @@
           <a:p>
             <a:fld id="{AFB55D20-A2F7-439D-86FB-B7176A1D1CDA}" type="datetimeFigureOut">
               <a:rPr lang="en-US" smtClean="0"/>
-              <a:t>3/9/2015</a:t>
+              <a:t>3/17/2015</a:t>
             </a:fld>
             <a:endParaRPr lang="en-US"/>
           </a:p>
@@ -8723,6 +9142,9 @@
   <p:clrMapOvr>
     <a:masterClrMapping/>
   </p:clrMapOvr>
+  <p:transition>
+    <p:fade/>
+  </p:transition>
 </p:sldLayout>
 </file>
 
@@ -8945,7 +9367,7 @@
           <a:p>
             <a:fld id="{AFB55D20-A2F7-439D-86FB-B7176A1D1CDA}" type="datetimeFigureOut">
               <a:rPr lang="en-US" smtClean="0"/>
-              <a:t>3/9/2015</a:t>
+              <a:t>3/17/2015</a:t>
             </a:fld>
             <a:endParaRPr lang="en-US"/>
           </a:p>
@@ -9003,6 +9425,9 @@
   <p:clrMapOvr>
     <a:masterClrMapping/>
   </p:clrMapOvr>
+  <p:transition>
+    <p:fade/>
+  </p:transition>
 </p:sldLayout>
 </file>
 
@@ -9059,7 +9484,7 @@
         </p:blipFill>
         <p:spPr bwMode="auto">
           <a:xfrm>
-            <a:off x="0" y="-1"/>
+            <a:off x="-1591" y="2676"/>
             <a:ext cx="12192003" cy="6858001"/>
           </a:xfrm>
           <a:prstGeom prst="rect">
@@ -9068,7 +9493,7 @@
           <a:noFill/>
           <a:extLst>
             <a:ext uri="{909E8E84-426E-40dd-AFC4-6F175D3DCCD1}">
-              <a14:hiddenFill xmlns:a14="http://schemas.microsoft.com/office/drawing/2010/main" xmlns="">
+              <a14:hiddenFill xmlns="" xmlns:a14="http://schemas.microsoft.com/office/drawing/2010/main">
                 <a:solidFill>
                   <a:srgbClr val="FFFFFF"/>
                 </a:solidFill>
@@ -9085,7 +9510,7 @@
         </p:nvGrpSpPr>
         <p:grpSpPr>
           <a:xfrm>
-            <a:off x="-14288" y="0"/>
+            <a:off x="0" y="2676"/>
             <a:ext cx="12053888" cy="6858001"/>
             <a:chOff x="-14288" y="0"/>
             <a:chExt cx="12053888" cy="6858001"/>
@@ -9142,7 +9567,7 @@
               </a:ln>
               <a:extLst>
                 <a:ext uri="{91240B29-F687-4f45-9708-019B960494DF}">
-                  <a14:hiddenLine xmlns:a14="http://schemas.microsoft.com/office/drawing/2010/main" xmlns="" w="9525">
+                  <a14:hiddenLine xmlns="" xmlns:a14="http://schemas.microsoft.com/office/drawing/2010/main" w="9525">
                     <a:solidFill>
                       <a:srgbClr val="000000"/>
                     </a:solidFill>
@@ -9232,7 +9657,7 @@
               </a:ln>
               <a:extLst>
                 <a:ext uri="{91240B29-F687-4f45-9708-019B960494DF}">
-                  <a14:hiddenLine xmlns:a14="http://schemas.microsoft.com/office/drawing/2010/main" xmlns="" w="9525">
+                  <a14:hiddenLine xmlns="" xmlns:a14="http://schemas.microsoft.com/office/drawing/2010/main" w="9525">
                     <a:solidFill>
                       <a:srgbClr val="000000"/>
                     </a:solidFill>
@@ -9322,7 +9747,7 @@
               </a:ln>
               <a:extLst>
                 <a:ext uri="{91240B29-F687-4f45-9708-019B960494DF}">
-                  <a14:hiddenLine xmlns:a14="http://schemas.microsoft.com/office/drawing/2010/main" xmlns="" w="9525">
+                  <a14:hiddenLine xmlns="" xmlns:a14="http://schemas.microsoft.com/office/drawing/2010/main" w="9525">
                     <a:solidFill>
                       <a:srgbClr val="000000"/>
                     </a:solidFill>
@@ -9384,7 +9809,7 @@
               </a:ln>
               <a:extLst>
                 <a:ext uri="{91240B29-F687-4f45-9708-019B960494DF}">
-                  <a14:hiddenLine xmlns:a14="http://schemas.microsoft.com/office/drawing/2010/main" xmlns="" w="9525">
+                  <a14:hiddenLine xmlns="" xmlns:a14="http://schemas.microsoft.com/office/drawing/2010/main" w="9525">
                     <a:solidFill>
                       <a:srgbClr val="000000"/>
                     </a:solidFill>
@@ -9474,7 +9899,7 @@
               </a:ln>
               <a:extLst>
                 <a:ext uri="{91240B29-F687-4f45-9708-019B960494DF}">
-                  <a14:hiddenLine xmlns:a14="http://schemas.microsoft.com/office/drawing/2010/main" xmlns="" w="9525">
+                  <a14:hiddenLine xmlns="" xmlns:a14="http://schemas.microsoft.com/office/drawing/2010/main" w="9525">
                     <a:solidFill>
                       <a:srgbClr val="000000"/>
                     </a:solidFill>
@@ -9536,7 +9961,7 @@
               </a:ln>
               <a:extLst>
                 <a:ext uri="{91240B29-F687-4f45-9708-019B960494DF}">
-                  <a14:hiddenLine xmlns:a14="http://schemas.microsoft.com/office/drawing/2010/main" xmlns="" w="9525">
+                  <a14:hiddenLine xmlns="" xmlns:a14="http://schemas.microsoft.com/office/drawing/2010/main" w="9525">
                     <a:solidFill>
                       <a:srgbClr val="000000"/>
                     </a:solidFill>
@@ -9598,7 +10023,7 @@
               </a:ln>
               <a:extLst>
                 <a:ext uri="{91240B29-F687-4f45-9708-019B960494DF}">
-                  <a14:hiddenLine xmlns:a14="http://schemas.microsoft.com/office/drawing/2010/main" xmlns="" w="9525">
+                  <a14:hiddenLine xmlns="" xmlns:a14="http://schemas.microsoft.com/office/drawing/2010/main" w="9525">
                     <a:solidFill>
                       <a:srgbClr val="000000"/>
                     </a:solidFill>
@@ -9688,7 +10113,7 @@
               </a:ln>
               <a:extLst>
                 <a:ext uri="{91240B29-F687-4f45-9708-019B960494DF}">
-                  <a14:hiddenLine xmlns:a14="http://schemas.microsoft.com/office/drawing/2010/main" xmlns="" w="9525">
+                  <a14:hiddenLine xmlns="" xmlns:a14="http://schemas.microsoft.com/office/drawing/2010/main" w="9525">
                     <a:solidFill>
                       <a:srgbClr val="000000"/>
                     </a:solidFill>
@@ -9778,7 +10203,7 @@
               </a:ln>
               <a:extLst>
                 <a:ext uri="{91240B29-F687-4f45-9708-019B960494DF}">
-                  <a14:hiddenLine xmlns:a14="http://schemas.microsoft.com/office/drawing/2010/main" xmlns="" w="9525">
+                  <a14:hiddenLine xmlns="" xmlns:a14="http://schemas.microsoft.com/office/drawing/2010/main" w="9525">
                     <a:solidFill>
                       <a:srgbClr val="000000"/>
                     </a:solidFill>
@@ -9840,7 +10265,7 @@
               </a:ln>
               <a:extLst>
                 <a:ext uri="{91240B29-F687-4f45-9708-019B960494DF}">
-                  <a14:hiddenLine xmlns:a14="http://schemas.microsoft.com/office/drawing/2010/main" xmlns="" w="9525">
+                  <a14:hiddenLine xmlns="" xmlns:a14="http://schemas.microsoft.com/office/drawing/2010/main" w="9525">
                     <a:solidFill>
                       <a:srgbClr val="000000"/>
                     </a:solidFill>
@@ -9950,7 +10375,7 @@
               </a:ln>
               <a:extLst>
                 <a:ext uri="{91240B29-F687-4f45-9708-019B960494DF}">
-                  <a14:hiddenLine xmlns:a14="http://schemas.microsoft.com/office/drawing/2010/main" xmlns="" w="9525">
+                  <a14:hiddenLine xmlns="" xmlns:a14="http://schemas.microsoft.com/office/drawing/2010/main" w="9525">
                     <a:solidFill>
                       <a:srgbClr val="000000"/>
                     </a:solidFill>
@@ -10034,7 +10459,7 @@
               </a:ln>
               <a:extLst>
                 <a:ext uri="{91240B29-F687-4f45-9708-019B960494DF}">
-                  <a14:hiddenLine xmlns:a14="http://schemas.microsoft.com/office/drawing/2010/main" xmlns="" w="9525">
+                  <a14:hiddenLine xmlns="" xmlns:a14="http://schemas.microsoft.com/office/drawing/2010/main" w="9525">
                     <a:solidFill>
                       <a:srgbClr val="000000"/>
                     </a:solidFill>
@@ -10096,7 +10521,7 @@
               </a:ln>
               <a:extLst>
                 <a:ext uri="{91240B29-F687-4f45-9708-019B960494DF}">
-                  <a14:hiddenLine xmlns:a14="http://schemas.microsoft.com/office/drawing/2010/main" xmlns="" w="9525">
+                  <a14:hiddenLine xmlns="" xmlns:a14="http://schemas.microsoft.com/office/drawing/2010/main" w="9525">
                     <a:solidFill>
                       <a:srgbClr val="000000"/>
                     </a:solidFill>
@@ -10158,7 +10583,7 @@
               </a:ln>
               <a:extLst>
                 <a:ext uri="{91240B29-F687-4f45-9708-019B960494DF}">
-                  <a14:hiddenLine xmlns:a14="http://schemas.microsoft.com/office/drawing/2010/main" xmlns="" w="9525">
+                  <a14:hiddenLine xmlns="" xmlns:a14="http://schemas.microsoft.com/office/drawing/2010/main" w="9525">
                     <a:solidFill>
                       <a:srgbClr val="000000"/>
                     </a:solidFill>
@@ -10248,7 +10673,7 @@
               </a:ln>
               <a:extLst>
                 <a:ext uri="{91240B29-F687-4f45-9708-019B960494DF}">
-                  <a14:hiddenLine xmlns:a14="http://schemas.microsoft.com/office/drawing/2010/main" xmlns="" w="9525">
+                  <a14:hiddenLine xmlns="" xmlns:a14="http://schemas.microsoft.com/office/drawing/2010/main" w="9525">
                     <a:solidFill>
                       <a:srgbClr val="000000"/>
                     </a:solidFill>
@@ -10282,7 +10707,7 @@
               </a:ln>
               <a:extLst>
                 <a:ext uri="{91240B29-F687-4f45-9708-019B960494DF}">
-                  <a14:hiddenLine xmlns:a14="http://schemas.microsoft.com/office/drawing/2010/main" xmlns="" w="9525">
+                  <a14:hiddenLine xmlns="" xmlns:a14="http://schemas.microsoft.com/office/drawing/2010/main" w="9525">
                     <a:solidFill>
                       <a:srgbClr val="000000"/>
                     </a:solidFill>
@@ -10347,7 +10772,7 @@
               </a:ln>
               <a:extLst>
                 <a:ext uri="{91240B29-F687-4f45-9708-019B960494DF}">
-                  <a14:hiddenLine xmlns:a14="http://schemas.microsoft.com/office/drawing/2010/main" xmlns="" w="9525">
+                  <a14:hiddenLine xmlns="" xmlns:a14="http://schemas.microsoft.com/office/drawing/2010/main" w="9525">
                     <a:solidFill>
                       <a:srgbClr val="000000"/>
                     </a:solidFill>
@@ -10437,7 +10862,7 @@
               </a:ln>
               <a:extLst>
                 <a:ext uri="{91240B29-F687-4f45-9708-019B960494DF}">
-                  <a14:hiddenLine xmlns:a14="http://schemas.microsoft.com/office/drawing/2010/main" xmlns="" w="9525">
+                  <a14:hiddenLine xmlns="" xmlns:a14="http://schemas.microsoft.com/office/drawing/2010/main" w="9525">
                     <a:solidFill>
                       <a:srgbClr val="000000"/>
                     </a:solidFill>
@@ -10499,7 +10924,7 @@
               </a:ln>
               <a:extLst>
                 <a:ext uri="{91240B29-F687-4f45-9708-019B960494DF}">
-                  <a14:hiddenLine xmlns:a14="http://schemas.microsoft.com/office/drawing/2010/main" xmlns="" w="9525">
+                  <a14:hiddenLine xmlns="" xmlns:a14="http://schemas.microsoft.com/office/drawing/2010/main" w="9525">
                     <a:solidFill>
                       <a:srgbClr val="000000"/>
                     </a:solidFill>
@@ -10589,7 +11014,7 @@
               </a:ln>
               <a:extLst>
                 <a:ext uri="{91240B29-F687-4f45-9708-019B960494DF}">
-                  <a14:hiddenLine xmlns:a14="http://schemas.microsoft.com/office/drawing/2010/main" xmlns="" w="9525">
+                  <a14:hiddenLine xmlns="" xmlns:a14="http://schemas.microsoft.com/office/drawing/2010/main" w="9525">
                     <a:solidFill>
                       <a:srgbClr val="000000"/>
                     </a:solidFill>
@@ -10654,7 +11079,7 @@
               </a:ln>
               <a:extLst>
                 <a:ext uri="{91240B29-F687-4f45-9708-019B960494DF}">
-                  <a14:hiddenLine xmlns:a14="http://schemas.microsoft.com/office/drawing/2010/main" xmlns="" w="9525">
+                  <a14:hiddenLine xmlns="" xmlns:a14="http://schemas.microsoft.com/office/drawing/2010/main" w="9525">
                     <a:solidFill>
                       <a:srgbClr val="000000"/>
                     </a:solidFill>
@@ -10716,7 +11141,7 @@
               </a:ln>
               <a:extLst>
                 <a:ext uri="{91240B29-F687-4f45-9708-019B960494DF}">
-                  <a14:hiddenLine xmlns:a14="http://schemas.microsoft.com/office/drawing/2010/main" xmlns="" w="9525">
+                  <a14:hiddenLine xmlns="" xmlns:a14="http://schemas.microsoft.com/office/drawing/2010/main" w="9525">
                     <a:solidFill>
                       <a:srgbClr val="000000"/>
                     </a:solidFill>
@@ -10806,7 +11231,7 @@
               </a:ln>
               <a:extLst>
                 <a:ext uri="{91240B29-F687-4f45-9708-019B960494DF}">
-                  <a14:hiddenLine xmlns:a14="http://schemas.microsoft.com/office/drawing/2010/main" xmlns="" w="9525">
+                  <a14:hiddenLine xmlns="" xmlns:a14="http://schemas.microsoft.com/office/drawing/2010/main" w="9525">
                     <a:solidFill>
                       <a:srgbClr val="000000"/>
                     </a:solidFill>
@@ -10896,7 +11321,7 @@
               </a:ln>
               <a:extLst>
                 <a:ext uri="{91240B29-F687-4f45-9708-019B960494DF}">
-                  <a14:hiddenLine xmlns:a14="http://schemas.microsoft.com/office/drawing/2010/main" xmlns="" w="9525">
+                  <a14:hiddenLine xmlns="" xmlns:a14="http://schemas.microsoft.com/office/drawing/2010/main" w="9525">
                     <a:solidFill>
                       <a:srgbClr val="000000"/>
                     </a:solidFill>
@@ -10961,7 +11386,7 @@
               </a:ln>
               <a:extLst>
                 <a:ext uri="{91240B29-F687-4f45-9708-019B960494DF}">
-                  <a14:hiddenLine xmlns:a14="http://schemas.microsoft.com/office/drawing/2010/main" xmlns="" w="9525">
+                  <a14:hiddenLine xmlns="" xmlns:a14="http://schemas.microsoft.com/office/drawing/2010/main" w="9525">
                     <a:solidFill>
                       <a:srgbClr val="000000"/>
                     </a:solidFill>
@@ -11081,7 +11506,7 @@
               </a:ln>
               <a:extLst>
                 <a:ext uri="{91240B29-F687-4f45-9708-019B960494DF}">
-                  <a14:hiddenLine xmlns:a14="http://schemas.microsoft.com/office/drawing/2010/main" xmlns="" w="9525">
+                  <a14:hiddenLine xmlns="" xmlns:a14="http://schemas.microsoft.com/office/drawing/2010/main" w="9525">
                     <a:solidFill>
                       <a:srgbClr val="000000"/>
                     </a:solidFill>
@@ -11162,7 +11587,7 @@
               </a:ln>
               <a:extLst>
                 <a:ext uri="{91240B29-F687-4f45-9708-019B960494DF}">
-                  <a14:hiddenLine xmlns:a14="http://schemas.microsoft.com/office/drawing/2010/main" xmlns="" w="9525">
+                  <a14:hiddenLine xmlns="" xmlns:a14="http://schemas.microsoft.com/office/drawing/2010/main" w="9525">
                     <a:solidFill>
                       <a:srgbClr val="000000"/>
                     </a:solidFill>
@@ -11277,7 +11702,7 @@
               </a:ln>
               <a:extLst>
                 <a:ext uri="{91240B29-F687-4f45-9708-019B960494DF}">
-                  <a14:hiddenLine xmlns:a14="http://schemas.microsoft.com/office/drawing/2010/main" xmlns="" w="9525">
+                  <a14:hiddenLine xmlns="" xmlns:a14="http://schemas.microsoft.com/office/drawing/2010/main" w="9525">
                     <a:solidFill>
                       <a:srgbClr val="000000"/>
                     </a:solidFill>
@@ -11367,7 +11792,7 @@
               </a:ln>
               <a:extLst>
                 <a:ext uri="{91240B29-F687-4f45-9708-019B960494DF}">
-                  <a14:hiddenLine xmlns:a14="http://schemas.microsoft.com/office/drawing/2010/main" xmlns="" w="9525">
+                  <a14:hiddenLine xmlns="" xmlns:a14="http://schemas.microsoft.com/office/drawing/2010/main" w="9525">
                     <a:solidFill>
                       <a:srgbClr val="000000"/>
                     </a:solidFill>
@@ -11432,7 +11857,7 @@
               </a:ln>
               <a:extLst>
                 <a:ext uri="{91240B29-F687-4f45-9708-019B960494DF}">
-                  <a14:hiddenLine xmlns:a14="http://schemas.microsoft.com/office/drawing/2010/main" xmlns="" w="9525">
+                  <a14:hiddenLine xmlns="" xmlns:a14="http://schemas.microsoft.com/office/drawing/2010/main" w="9525">
                     <a:solidFill>
                       <a:srgbClr val="000000"/>
                     </a:solidFill>
@@ -11522,7 +11947,7 @@
               </a:ln>
               <a:extLst>
                 <a:ext uri="{91240B29-F687-4f45-9708-019B960494DF}">
-                  <a14:hiddenLine xmlns:a14="http://schemas.microsoft.com/office/drawing/2010/main" xmlns="" w="9525">
+                  <a14:hiddenLine xmlns="" xmlns:a14="http://schemas.microsoft.com/office/drawing/2010/main" w="9525">
                     <a:solidFill>
                       <a:srgbClr val="000000"/>
                     </a:solidFill>
@@ -11590,7 +12015,7 @@
               </a:ln>
               <a:extLst>
                 <a:ext uri="{91240B29-F687-4f45-9708-019B960494DF}">
-                  <a14:hiddenLine xmlns:a14="http://schemas.microsoft.com/office/drawing/2010/main" xmlns="" w="9525">
+                  <a14:hiddenLine xmlns="" xmlns:a14="http://schemas.microsoft.com/office/drawing/2010/main" w="9525">
                     <a:solidFill>
                       <a:srgbClr val="000000"/>
                     </a:solidFill>
@@ -11680,7 +12105,7 @@
               </a:ln>
               <a:extLst>
                 <a:ext uri="{91240B29-F687-4f45-9708-019B960494DF}">
-                  <a14:hiddenLine xmlns:a14="http://schemas.microsoft.com/office/drawing/2010/main" xmlns="" w="9525">
+                  <a14:hiddenLine xmlns="" xmlns:a14="http://schemas.microsoft.com/office/drawing/2010/main" w="9525">
                     <a:solidFill>
                       <a:srgbClr val="000000"/>
                     </a:solidFill>
@@ -11748,7 +12173,7 @@
               </a:ln>
               <a:extLst>
                 <a:ext uri="{91240B29-F687-4f45-9708-019B960494DF}">
-                  <a14:hiddenLine xmlns:a14="http://schemas.microsoft.com/office/drawing/2010/main" xmlns="" w="9525">
+                  <a14:hiddenLine xmlns="" xmlns:a14="http://schemas.microsoft.com/office/drawing/2010/main" w="9525">
                     <a:solidFill>
                       <a:srgbClr val="000000"/>
                     </a:solidFill>
@@ -11838,7 +12263,7 @@
               </a:ln>
               <a:extLst>
                 <a:ext uri="{91240B29-F687-4f45-9708-019B960494DF}">
-                  <a14:hiddenLine xmlns:a14="http://schemas.microsoft.com/office/drawing/2010/main" xmlns="" w="9525">
+                  <a14:hiddenLine xmlns="" xmlns:a14="http://schemas.microsoft.com/office/drawing/2010/main" w="9525">
                     <a:solidFill>
                       <a:srgbClr val="000000"/>
                     </a:solidFill>
@@ -11872,7 +12297,7 @@
               </a:ln>
               <a:extLst>
                 <a:ext uri="{91240B29-F687-4f45-9708-019B960494DF}">
-                  <a14:hiddenLine xmlns:a14="http://schemas.microsoft.com/office/drawing/2010/main" xmlns="" w="9525">
+                  <a14:hiddenLine xmlns="" xmlns:a14="http://schemas.microsoft.com/office/drawing/2010/main" w="9525">
                     <a:solidFill>
                       <a:srgbClr val="000000"/>
                     </a:solidFill>
@@ -12012,7 +12437,7 @@
           <a:p>
             <a:fld id="{AFB55D20-A2F7-439D-86FB-B7176A1D1CDA}" type="datetimeFigureOut">
               <a:rPr lang="en-US" smtClean="0"/>
-              <a:t>3/9/2015</a:t>
+              <a:t>3/17/2015</a:t>
             </a:fld>
             <a:endParaRPr lang="en-US"/>
           </a:p>
@@ -12123,6 +12548,86 @@
     <p:sldLayoutId id="2147483802" r:id="rId16"/>
     <p:sldLayoutId id="2147483803" r:id="rId17"/>
   </p:sldLayoutIdLst>
+  <p:transition>
+    <p:fade/>
+  </p:transition>
+  <p:timing>
+    <p:tnLst>
+      <p:par>
+        <p:cTn id="1" dur="indefinite" restart="never" nodeType="tmRoot">
+          <p:childTnLst>
+            <p:seq concurrent="1" nextAc="seek">
+              <p:cTn id="2" dur="indefinite" nodeType="mainSeq">
+                <p:childTnLst>
+                  <p:par>
+                    <p:cTn id="3" fill="hold">
+                      <p:stCondLst>
+                        <p:cond delay="indefinite"/>
+                        <p:cond evt="onBegin" delay="0">
+                          <p:tn val="2"/>
+                        </p:cond>
+                      </p:stCondLst>
+                      <p:childTnLst>
+                        <p:par>
+                          <p:cTn id="4" fill="hold">
+                            <p:stCondLst>
+                              <p:cond delay="0"/>
+                            </p:stCondLst>
+                            <p:childTnLst>
+                              <p:par>
+                                <p:cTn id="5" presetID="26" presetClass="emph" presetSubtype="0" fill="hold" nodeType="withEffect">
+                                  <p:stCondLst>
+                                    <p:cond delay="0"/>
+                                  </p:stCondLst>
+                                  <p:childTnLst>
+                                    <p:animEffect transition="out" filter="fade">
+                                      <p:cBhvr>
+                                        <p:cTn id="6" dur="500" tmFilter="0, 0; .2, .5; .8, .5; 1, 0"/>
+                                        <p:tgtEl>
+                                          <p:spTgt spid="8"/>
+                                        </p:tgtEl>
+                                      </p:cBhvr>
+                                    </p:animEffect>
+                                    <p:animScale>
+                                      <p:cBhvr>
+                                        <p:cTn id="7" dur="250" autoRev="1" fill="hold"/>
+                                        <p:tgtEl>
+                                          <p:spTgt spid="8"/>
+                                        </p:tgtEl>
+                                      </p:cBhvr>
+                                      <p:by x="105000" y="105000"/>
+                                    </p:animScale>
+                                  </p:childTnLst>
+                                </p:cTn>
+                              </p:par>
+                            </p:childTnLst>
+                          </p:cTn>
+                        </p:par>
+                      </p:childTnLst>
+                    </p:cTn>
+                  </p:par>
+                </p:childTnLst>
+              </p:cTn>
+              <p:prevCondLst>
+                <p:cond evt="onPrev" delay="0">
+                  <p:tgtEl>
+                    <p:sldTgt/>
+                  </p:tgtEl>
+                </p:cond>
+              </p:prevCondLst>
+              <p:nextCondLst>
+                <p:cond evt="onNext" delay="0">
+                  <p:tgtEl>
+                    <p:sldTgt/>
+                  </p:tgtEl>
+                </p:cond>
+              </p:nextCondLst>
+            </p:seq>
+          </p:childTnLst>
+        </p:cTn>
+      </p:par>
+    </p:tnLst>
+  </p:timing>
   <p:txStyles>
     <p:titleStyle>
       <a:lvl1pPr algn="l" defTabSz="914400" rtl="0" eaLnBrk="1" latinLnBrk="0" hangingPunct="1">
@@ -12603,18 +13108,9 @@
   <p:clrMapOvr>
     <a:masterClrMapping/>
   </p:clrMapOvr>
-  <mc:AlternateContent xmlns:mc="http://schemas.openxmlformats.org/markup-compatibility/2006">
-    <mc:Choice xmlns:p14="http://schemas.microsoft.com/office/powerpoint/2010/main" Requires="p14">
-      <p:transition spd="slow" p14:dur="2500">
-        <p:checker/>
-      </p:transition>
-    </mc:Choice>
-    <mc:Fallback>
-      <p:transition spd="slow">
-        <p:checker/>
-      </p:transition>
-    </mc:Fallback>
-  </mc:AlternateContent>
+  <p:transition>
+    <p:fade/>
+  </p:transition>
   <p:timing>
     <p:tnLst>
       <p:par>
@@ -12659,7 +13155,15 @@
           <a:p>
             <a:r>
               <a:rPr lang="en-US" dirty="0" err="1" smtClean="0"/>
-              <a:t>Algoritma</a:t>
+              <a:t>Metode</a:t>
+            </a:r>
+            <a:r>
+              <a:rPr lang="en-US" dirty="0" smtClean="0"/>
+              <a:t> Yang </a:t>
+            </a:r>
+            <a:r>
+              <a:rPr lang="en-US" dirty="0" err="1" smtClean="0"/>
+              <a:t>Digunakan</a:t>
             </a:r>
             <a:endParaRPr lang="en-US" dirty="0"/>
           </a:p>
@@ -12678,127 +13182,72 @@
         <p:spPr/>
         <p:txBody>
           <a:bodyPr>
-            <a:normAutofit lnSpcReduction="10000"/>
+            <a:normAutofit/>
           </a:bodyPr>
           <a:lstStyle/>
           <a:p>
             <a:r>
+              <a:rPr lang="en-US" dirty="0" smtClean="0"/>
+              <a:t>Key Exchange</a:t>
+            </a:r>
+          </a:p>
+          <a:p>
+            <a:pPr lvl="1"/>
+            <a:r>
               <a:rPr lang="en-US" dirty="0" err="1" smtClean="0"/>
-              <a:t>Aturan</a:t>
+              <a:t>Diffie</a:t>
             </a:r>
             <a:r>
               <a:rPr lang="en-US" dirty="0" smtClean="0"/>
-              <a:t> </a:t>
+              <a:t>-Hellman</a:t>
+            </a:r>
+            <a:endParaRPr lang="en-US" dirty="0" smtClean="0"/>
+          </a:p>
+          <a:p>
+            <a:r>
+              <a:rPr lang="en-US" dirty="0" smtClean="0"/>
+              <a:t>Pseudo-random Generator</a:t>
+            </a:r>
+          </a:p>
+          <a:p>
+            <a:pPr lvl="1"/>
+            <a:r>
+              <a:rPr lang="en-US" dirty="0" smtClean="0"/>
+              <a:t>Blum </a:t>
             </a:r>
             <a:r>
               <a:rPr lang="en-US" dirty="0" err="1" smtClean="0"/>
-              <a:t>transposisi</a:t>
+              <a:t>Blum</a:t>
+            </a:r>
+            <a:r>
+              <a:rPr lang="en-US" dirty="0" smtClean="0"/>
+              <a:t> </a:t>
+            </a:r>
+            <a:r>
+              <a:rPr lang="en-US" dirty="0" err="1" smtClean="0"/>
+              <a:t>Shub</a:t>
             </a:r>
             <a:endParaRPr lang="en-US" dirty="0" smtClean="0"/>
           </a:p>
           <a:p>
             <a:r>
-              <a:rPr lang="en-US" sz="3200" b="1" dirty="0" err="1" smtClean="0"/>
-              <a:t>Algoritma</a:t>
-            </a:r>
-            <a:r>
-              <a:rPr lang="en-US" sz="3200" b="1" dirty="0" smtClean="0"/>
-              <a:t> </a:t>
-            </a:r>
-            <a:r>
-              <a:rPr lang="en-US" sz="3200" b="1" dirty="0" err="1" smtClean="0"/>
-              <a:t>vigenere</a:t>
-            </a:r>
-            <a:endParaRPr lang="en-US" sz="3200" b="1" dirty="0" smtClean="0"/>
-          </a:p>
-          <a:p>
-            <a:r>
-              <a:rPr lang="en-US" sz="3200" b="1" dirty="0" err="1" smtClean="0"/>
-              <a:t>Algoritma</a:t>
-            </a:r>
-            <a:r>
-              <a:rPr lang="en-US" sz="3200" b="1" dirty="0" smtClean="0"/>
-              <a:t> </a:t>
-            </a:r>
-            <a:r>
-              <a:rPr lang="en-US" sz="3200" b="1" dirty="0" err="1" smtClean="0"/>
-              <a:t>playfair</a:t>
-            </a:r>
-            <a:endParaRPr lang="en-US" sz="3200" b="1" dirty="0" smtClean="0"/>
-          </a:p>
-          <a:p>
+              <a:rPr lang="en-US" dirty="0" smtClean="0"/>
+              <a:t>Encryption and Decryption</a:t>
+            </a:r>
+          </a:p>
+          <a:p>
+            <a:pPr lvl="1"/>
             <a:r>
               <a:rPr lang="en-US" dirty="0" err="1" smtClean="0"/>
-              <a:t>Aturan</a:t>
-            </a:r>
-            <a:r>
-              <a:rPr lang="en-US" dirty="0" smtClean="0"/>
-              <a:t> </a:t>
-            </a:r>
+              <a:t>Viginere</a:t>
+            </a:r>
+            <a:endParaRPr lang="en-US" dirty="0" smtClean="0"/>
+          </a:p>
+          <a:p>
+            <a:pPr lvl="1"/>
             <a:r>
               <a:rPr lang="en-US" dirty="0" err="1" smtClean="0"/>
-              <a:t>perulangan</a:t>
-            </a:r>
-            <a:endParaRPr lang="en-US" dirty="0" smtClean="0"/>
-          </a:p>
-          <a:p>
-            <a:r>
-              <a:rPr lang="en-US" dirty="0" err="1" smtClean="0"/>
-              <a:t>Pemanfaatan</a:t>
-            </a:r>
-            <a:r>
-              <a:rPr lang="en-US" dirty="0" smtClean="0"/>
-              <a:t> </a:t>
-            </a:r>
-            <a:r>
-              <a:rPr lang="en-US" dirty="0" err="1" smtClean="0"/>
-              <a:t>sifat</a:t>
-            </a:r>
-            <a:r>
-              <a:rPr lang="en-US" dirty="0" smtClean="0"/>
-              <a:t> </a:t>
-            </a:r>
-            <a:r>
-              <a:rPr lang="en-US" dirty="0" err="1" smtClean="0"/>
-              <a:t>confussion</a:t>
-            </a:r>
-            <a:r>
-              <a:rPr lang="en-US" dirty="0" smtClean="0"/>
-              <a:t>-diffusion</a:t>
-            </a:r>
-          </a:p>
-          <a:p>
-            <a:r>
-              <a:rPr lang="en-US" dirty="0" smtClean="0"/>
-              <a:t>Key </a:t>
-            </a:r>
-            <a:r>
-              <a:rPr lang="en-US" dirty="0" err="1" smtClean="0"/>
-              <a:t>selalu</a:t>
-            </a:r>
-            <a:r>
-              <a:rPr lang="en-US" dirty="0" smtClean="0"/>
-              <a:t> </a:t>
-            </a:r>
-            <a:r>
-              <a:rPr lang="en-US" dirty="0" err="1" smtClean="0"/>
-              <a:t>berubah</a:t>
-            </a:r>
-            <a:r>
-              <a:rPr lang="en-US" dirty="0" smtClean="0"/>
-              <a:t> </a:t>
-            </a:r>
-            <a:r>
-              <a:rPr lang="en-US" dirty="0" err="1" smtClean="0"/>
-              <a:t>disetiap</a:t>
-            </a:r>
-            <a:r>
-              <a:rPr lang="en-US" dirty="0" smtClean="0"/>
-              <a:t> </a:t>
-            </a:r>
-            <a:r>
-              <a:rPr lang="en-US" dirty="0" err="1" smtClean="0"/>
-              <a:t>perulangan</a:t>
+              <a:t>Playfair</a:t>
             </a:r>
             <a:endParaRPr lang="en-US" dirty="0"/>
           </a:p>
@@ -12814,18 +13263,9 @@
   <p:clrMapOvr>
     <a:masterClrMapping/>
   </p:clrMapOvr>
-  <mc:AlternateContent xmlns:mc="http://schemas.openxmlformats.org/markup-compatibility/2006">
-    <mc:Choice xmlns:p14="http://schemas.microsoft.com/office/powerpoint/2010/main" Requires="p14">
-      <p:transition spd="slow" p14:dur="2500">
-        <p:checker/>
-      </p:transition>
-    </mc:Choice>
-    <mc:Fallback>
-      <p:transition spd="slow">
-        <p:checker/>
-      </p:transition>
-    </mc:Fallback>
-  </mc:AlternateContent>
+  <p:transition>
+    <p:fade/>
+  </p:transition>
   <p:timing>
     <p:tnLst>
       <p:par>
@@ -12870,19 +13310,22 @@
           <a:p>
             <a:r>
               <a:rPr lang="en-US" dirty="0" err="1" smtClean="0"/>
-              <a:t>Apa</a:t>
+              <a:t>Penjelasan</a:t>
             </a:r>
             <a:r>
               <a:rPr lang="en-US" dirty="0" smtClean="0"/>
-              <a:t> yang </a:t>
-            </a:r>
-            <a:r>
-              <a:rPr lang="en-US" dirty="0" err="1" smtClean="0"/>
-              <a:t>dienkripsi</a:t>
-            </a:r>
-            <a:r>
+              <a:t/>
+            </a:r>
+            <a:br>
               <a:rPr lang="en-US" dirty="0" smtClean="0"/>
-              <a:t>?</a:t>
+            </a:br>
+            <a:r>
+              <a:rPr lang="en-US" sz="2000" dirty="0" err="1" smtClean="0"/>
+              <a:t>Diffie</a:t>
+            </a:r>
+            <a:r>
+              <a:rPr lang="en-US" sz="2000" dirty="0" smtClean="0"/>
+              <a:t>-Hellman</a:t>
             </a:r>
             <a:endParaRPr lang="en-US" dirty="0"/>
           </a:p>
@@ -12900,92 +13343,582 @@
         </p:nvSpPr>
         <p:spPr/>
         <p:txBody>
-          <a:bodyPr/>
+          <a:bodyPr>
+            <a:normAutofit fontScale="92500" lnSpcReduction="10000"/>
+          </a:bodyPr>
           <a:lstStyle/>
           <a:p>
             <a:r>
-              <a:rPr lang="en-US" dirty="0" err="1" smtClean="0"/>
-              <a:t>Alamat</a:t>
+              <a:rPr lang="en-US" dirty="0"/>
+              <a:t>Program yang </a:t>
+            </a:r>
+            <a:r>
+              <a:rPr lang="en-US" dirty="0" err="1"/>
+              <a:t>dibuat</a:t>
+            </a:r>
+            <a:r>
+              <a:rPr lang="en-US" dirty="0"/>
+              <a:t> </a:t>
+            </a:r>
+            <a:r>
+              <a:rPr lang="en-US" dirty="0" err="1"/>
+              <a:t>harus</a:t>
+            </a:r>
+            <a:r>
+              <a:rPr lang="en-US" dirty="0"/>
+              <a:t> </a:t>
+            </a:r>
+            <a:r>
+              <a:rPr lang="en-US" dirty="0" err="1"/>
+              <a:t>benar-benar</a:t>
+            </a:r>
+            <a:r>
+              <a:rPr lang="en-US" dirty="0"/>
+              <a:t> </a:t>
+            </a:r>
+            <a:r>
+              <a:rPr lang="en-US" dirty="0" err="1"/>
+              <a:t>aman</a:t>
+            </a:r>
+            <a:r>
+              <a:rPr lang="en-US" dirty="0"/>
+              <a:t>. </a:t>
+            </a:r>
+            <a:r>
+              <a:rPr lang="en-US" dirty="0" err="1"/>
+              <a:t>Pesan</a:t>
+            </a:r>
+            <a:r>
+              <a:rPr lang="en-US" dirty="0"/>
+              <a:t> yang </a:t>
+            </a:r>
+            <a:r>
+              <a:rPr lang="en-US" dirty="0" err="1"/>
+              <a:t>dikirim</a:t>
+            </a:r>
+            <a:r>
+              <a:rPr lang="en-US" dirty="0"/>
+              <a:t> </a:t>
+            </a:r>
+            <a:r>
+              <a:rPr lang="en-US" dirty="0" err="1"/>
+              <a:t>oleh</a:t>
+            </a:r>
+            <a:r>
+              <a:rPr lang="en-US" dirty="0"/>
+              <a:t> client </a:t>
+            </a:r>
+            <a:r>
+              <a:rPr lang="en-US" dirty="0" err="1"/>
+              <a:t>ke</a:t>
+            </a:r>
+            <a:r>
+              <a:rPr lang="en-US" dirty="0"/>
+              <a:t> client </a:t>
+            </a:r>
+            <a:r>
+              <a:rPr lang="en-US" dirty="0" err="1"/>
+              <a:t>lainnya</a:t>
+            </a:r>
+            <a:r>
+              <a:rPr lang="en-US" dirty="0"/>
+              <a:t> </a:t>
+            </a:r>
+            <a:r>
+              <a:rPr lang="en-US" dirty="0" err="1"/>
+              <a:t>harus</a:t>
+            </a:r>
+            <a:r>
+              <a:rPr lang="en-US" dirty="0"/>
+              <a:t> </a:t>
+            </a:r>
+            <a:r>
+              <a:rPr lang="en-US" dirty="0" err="1"/>
+              <a:t>di</a:t>
+            </a:r>
+            <a:r>
+              <a:rPr lang="en-US" i="1" dirty="0" err="1"/>
+              <a:t>enkripsi</a:t>
+            </a:r>
+            <a:r>
+              <a:rPr lang="en-US" dirty="0"/>
+              <a:t> </a:t>
+            </a:r>
+            <a:r>
+              <a:rPr lang="en-US" dirty="0" err="1"/>
+              <a:t>dengan</a:t>
+            </a:r>
+            <a:r>
+              <a:rPr lang="en-US" dirty="0"/>
+              <a:t> key yang </a:t>
+            </a:r>
+            <a:r>
+              <a:rPr lang="en-US" dirty="0" err="1"/>
+              <a:t>hanya</a:t>
+            </a:r>
+            <a:r>
+              <a:rPr lang="en-US" dirty="0"/>
+              <a:t> </a:t>
+            </a:r>
+            <a:r>
+              <a:rPr lang="en-US" dirty="0" err="1"/>
+              <a:t>diketahui</a:t>
+            </a:r>
+            <a:r>
+              <a:rPr lang="en-US" dirty="0"/>
+              <a:t> </a:t>
+            </a:r>
+            <a:r>
+              <a:rPr lang="en-US" dirty="0" err="1"/>
+              <a:t>setiap</a:t>
+            </a:r>
+            <a:r>
+              <a:rPr lang="en-US" dirty="0"/>
+              <a:t> </a:t>
+            </a:r>
+            <a:r>
+              <a:rPr lang="en-US" dirty="0" err="1"/>
+              <a:t>pasangan</a:t>
+            </a:r>
+            <a:r>
+              <a:rPr lang="en-US" dirty="0"/>
+              <a:t> client </a:t>
+            </a:r>
+            <a:r>
+              <a:rPr lang="en-US" dirty="0" err="1"/>
+              <a:t>tersebut</a:t>
+            </a:r>
+            <a:r>
+              <a:rPr lang="en-US" dirty="0"/>
+              <a:t>. </a:t>
+            </a:r>
+            <a:r>
+              <a:rPr lang="en-US" dirty="0" err="1"/>
+              <a:t>Bahkan</a:t>
+            </a:r>
+            <a:r>
+              <a:rPr lang="en-US" dirty="0"/>
+              <a:t> server pun </a:t>
+            </a:r>
+            <a:r>
+              <a:rPr lang="en-US" dirty="0" err="1"/>
+              <a:t>tidak</a:t>
+            </a:r>
+            <a:r>
+              <a:rPr lang="en-US" dirty="0"/>
+              <a:t> </a:t>
+            </a:r>
+            <a:r>
+              <a:rPr lang="en-US" dirty="0" err="1"/>
+              <a:t>boleh</a:t>
+            </a:r>
+            <a:r>
+              <a:rPr lang="en-US" dirty="0"/>
+              <a:t> </a:t>
+            </a:r>
+            <a:r>
+              <a:rPr lang="en-US" dirty="0" err="1"/>
+              <a:t>tahu</a:t>
+            </a:r>
+            <a:r>
+              <a:rPr lang="en-US" dirty="0"/>
+              <a:t> </a:t>
+            </a:r>
+            <a:r>
+              <a:rPr lang="en-US" dirty="0" err="1"/>
+              <a:t>bagaimana</a:t>
+            </a:r>
+            <a:r>
+              <a:rPr lang="en-US" dirty="0"/>
+              <a:t> </a:t>
+            </a:r>
+            <a:r>
+              <a:rPr lang="en-US" dirty="0" err="1"/>
+              <a:t>cara</a:t>
+            </a:r>
+            <a:r>
+              <a:rPr lang="en-US" dirty="0"/>
+              <a:t> </a:t>
+            </a:r>
+            <a:r>
+              <a:rPr lang="en-US" dirty="0" err="1"/>
+              <a:t>mendekripsi</a:t>
+            </a:r>
+            <a:r>
+              <a:rPr lang="en-US" dirty="0"/>
+              <a:t> </a:t>
+            </a:r>
+            <a:r>
+              <a:rPr lang="en-US" dirty="0" err="1"/>
+              <a:t>pesan</a:t>
+            </a:r>
+            <a:r>
+              <a:rPr lang="en-US" dirty="0"/>
+              <a:t>. </a:t>
+            </a:r>
+            <a:r>
+              <a:rPr lang="en-US" dirty="0" err="1"/>
+              <a:t>Oleh</a:t>
+            </a:r>
+            <a:r>
+              <a:rPr lang="en-US" dirty="0"/>
+              <a:t> </a:t>
+            </a:r>
+            <a:r>
+              <a:rPr lang="en-US" dirty="0" err="1"/>
+              <a:t>karena</a:t>
+            </a:r>
+            <a:r>
+              <a:rPr lang="en-US" dirty="0"/>
+              <a:t> </a:t>
+            </a:r>
+            <a:r>
+              <a:rPr lang="en-US" dirty="0" err="1"/>
+              <a:t>itu</a:t>
+            </a:r>
+            <a:r>
+              <a:rPr lang="en-US" dirty="0"/>
+              <a:t> program </a:t>
+            </a:r>
+            <a:r>
+              <a:rPr lang="en-US" dirty="0" err="1"/>
+              <a:t>ini</a:t>
+            </a:r>
+            <a:r>
+              <a:rPr lang="en-US" dirty="0"/>
+              <a:t> </a:t>
+            </a:r>
+            <a:r>
+              <a:rPr lang="en-US" dirty="0" err="1"/>
+              <a:t>akan</a:t>
+            </a:r>
+            <a:r>
+              <a:rPr lang="en-US" dirty="0"/>
+              <a:t> </a:t>
+            </a:r>
+            <a:r>
+              <a:rPr lang="en-US" dirty="0" err="1"/>
+              <a:t>menggunakan</a:t>
+            </a:r>
+            <a:r>
+              <a:rPr lang="en-US" dirty="0"/>
+              <a:t> </a:t>
+            </a:r>
+            <a:r>
+              <a:rPr lang="en-US" i="1" dirty="0" err="1"/>
+              <a:t>Diffie</a:t>
+            </a:r>
+            <a:r>
+              <a:rPr lang="en-US" i="1" dirty="0"/>
+              <a:t>-Hellman Key Exchange</a:t>
+            </a:r>
+            <a:r>
+              <a:rPr lang="en-US" dirty="0"/>
+              <a:t> </a:t>
+            </a:r>
+            <a:r>
+              <a:rPr lang="en-US" dirty="0" err="1"/>
+              <a:t>sebagai</a:t>
+            </a:r>
+            <a:r>
+              <a:rPr lang="en-US" dirty="0"/>
+              <a:t> </a:t>
+            </a:r>
+            <a:r>
+              <a:rPr lang="en-US" dirty="0" err="1"/>
+              <a:t>metode</a:t>
+            </a:r>
+            <a:r>
+              <a:rPr lang="en-US" dirty="0"/>
+              <a:t> </a:t>
+            </a:r>
+            <a:r>
+              <a:rPr lang="en-US" dirty="0" err="1"/>
+              <a:t>mengrimkan</a:t>
+            </a:r>
+            <a:r>
+              <a:rPr lang="en-US" dirty="0"/>
+              <a:t> </a:t>
+            </a:r>
+            <a:r>
+              <a:rPr lang="en-US" dirty="0" err="1"/>
+              <a:t>kunci</a:t>
+            </a:r>
+            <a:r>
+              <a:rPr lang="en-US" dirty="0"/>
+              <a:t>.</a:t>
+            </a:r>
+          </a:p>
+          <a:p>
+            <a:r>
+              <a:rPr lang="en-US" dirty="0" err="1"/>
+              <a:t>Intinya</a:t>
+            </a:r>
+            <a:r>
+              <a:rPr lang="en-US" dirty="0"/>
+              <a:t> </a:t>
+            </a:r>
+            <a:r>
+              <a:rPr lang="en-US" dirty="0" err="1"/>
+              <a:t>adalah</a:t>
+            </a:r>
+            <a:r>
+              <a:rPr lang="en-US" dirty="0"/>
+              <a:t> </a:t>
+            </a:r>
+            <a:r>
+              <a:rPr lang="en-US" dirty="0" err="1"/>
+              <a:t>setiap</a:t>
+            </a:r>
+            <a:r>
+              <a:rPr lang="en-US" dirty="0"/>
+              <a:t> </a:t>
+            </a:r>
+            <a:r>
+              <a:rPr lang="en-US" dirty="0" err="1"/>
+              <a:t>hubungan</a:t>
+            </a:r>
+            <a:r>
+              <a:rPr lang="en-US" dirty="0"/>
+              <a:t> </a:t>
+            </a:r>
+            <a:r>
+              <a:rPr lang="en-US" i="1" dirty="0" err="1"/>
+              <a:t>clien</a:t>
+            </a:r>
+            <a:r>
+              <a:rPr lang="en-US" i="1" dirty="0"/>
+              <a:t>-client</a:t>
+            </a:r>
+            <a:r>
+              <a:rPr lang="en-US" dirty="0"/>
+              <a:t> </a:t>
+            </a:r>
+            <a:r>
+              <a:rPr lang="en-US" dirty="0" err="1"/>
+              <a:t>dan</a:t>
+            </a:r>
+            <a:r>
+              <a:rPr lang="en-US" dirty="0"/>
+              <a:t> </a:t>
+            </a:r>
+            <a:r>
+              <a:rPr lang="en-US" i="1" dirty="0"/>
+              <a:t>client-server</a:t>
+            </a:r>
+            <a:r>
+              <a:rPr lang="en-US" dirty="0"/>
+              <a:t> </a:t>
+            </a:r>
+            <a:r>
+              <a:rPr lang="en-US" dirty="0" err="1"/>
+              <a:t>akan</a:t>
+            </a:r>
+            <a:r>
+              <a:rPr lang="en-US" dirty="0"/>
+              <a:t> </a:t>
+            </a:r>
+            <a:r>
+              <a:rPr lang="en-US" dirty="0" err="1"/>
+              <a:t>mempunyai</a:t>
+            </a:r>
+            <a:r>
+              <a:rPr lang="en-US" dirty="0"/>
+              <a:t> </a:t>
+            </a:r>
+            <a:r>
+              <a:rPr lang="en-US" dirty="0" err="1"/>
+              <a:t>kunci</a:t>
+            </a:r>
+            <a:r>
+              <a:rPr lang="en-US" dirty="0"/>
+              <a:t> </a:t>
+            </a:r>
+            <a:r>
+              <a:rPr lang="en-US" dirty="0" err="1"/>
+              <a:t>masing-masing</a:t>
+            </a:r>
+            <a:r>
+              <a:rPr lang="en-US" dirty="0"/>
+              <a:t> yang </a:t>
+            </a:r>
+            <a:r>
+              <a:rPr lang="en-US" dirty="0" err="1"/>
+              <a:t>hanya</a:t>
+            </a:r>
+            <a:r>
+              <a:rPr lang="en-US" dirty="0"/>
+              <a:t> </a:t>
+            </a:r>
+            <a:r>
+              <a:rPr lang="en-US" dirty="0" err="1"/>
+              <a:t>diketahui</a:t>
+            </a:r>
+            <a:r>
+              <a:rPr lang="en-US" dirty="0"/>
+              <a:t> </a:t>
+            </a:r>
+            <a:r>
+              <a:rPr lang="en-US" dirty="0" err="1"/>
+              <a:t>masing-masing</a:t>
+            </a:r>
+            <a:r>
+              <a:rPr lang="en-US" dirty="0"/>
+              <a:t> </a:t>
+            </a:r>
+            <a:r>
+              <a:rPr lang="en-US" dirty="0" err="1"/>
+              <a:t>pasangan</a:t>
+            </a:r>
+            <a:r>
+              <a:rPr lang="en-US" dirty="0"/>
+              <a:t>. </a:t>
+            </a:r>
+            <a:r>
+              <a:rPr lang="en-US" dirty="0" err="1"/>
+              <a:t>Setiap</a:t>
+            </a:r>
+            <a:r>
+              <a:rPr lang="en-US" dirty="0"/>
+              <a:t> client yang </a:t>
+            </a:r>
+            <a:r>
+              <a:rPr lang="en-US" dirty="0" err="1"/>
+              <a:t>baru</a:t>
+            </a:r>
+            <a:r>
+              <a:rPr lang="en-US" dirty="0"/>
+              <a:t> </a:t>
+            </a:r>
+            <a:r>
+              <a:rPr lang="en-US" dirty="0" err="1"/>
+              <a:t>terhubung</a:t>
+            </a:r>
+            <a:r>
+              <a:rPr lang="en-US" dirty="0"/>
+              <a:t> </a:t>
+            </a:r>
+            <a:r>
+              <a:rPr lang="en-US" dirty="0" err="1"/>
+              <a:t>ke</a:t>
+            </a:r>
+            <a:r>
+              <a:rPr lang="en-US" dirty="0"/>
+              <a:t> server </a:t>
+            </a:r>
+            <a:r>
+              <a:rPr lang="en-US" dirty="0" err="1"/>
+              <a:t>dan</a:t>
+            </a:r>
+            <a:r>
+              <a:rPr lang="en-US" dirty="0"/>
+              <a:t> </a:t>
+            </a:r>
+            <a:r>
+              <a:rPr lang="en-US" dirty="0" err="1"/>
+              <a:t>berhasil</a:t>
+            </a:r>
+            <a:r>
+              <a:rPr lang="en-US" dirty="0"/>
+              <a:t> login, </a:t>
+            </a:r>
+            <a:r>
+              <a:rPr lang="en-US" dirty="0" err="1"/>
+              <a:t>akan</a:t>
+            </a:r>
+            <a:r>
+              <a:rPr lang="en-US" dirty="0"/>
+              <a:t> </a:t>
+            </a:r>
+            <a:r>
+              <a:rPr lang="en-US" dirty="0" err="1"/>
+              <a:t>berbagi</a:t>
+            </a:r>
+            <a:r>
+              <a:rPr lang="en-US" dirty="0"/>
+              <a:t> </a:t>
+            </a:r>
+            <a:r>
+              <a:rPr lang="en-US" dirty="0" err="1"/>
+              <a:t>kunci</a:t>
+            </a:r>
+            <a:r>
+              <a:rPr lang="en-US" dirty="0"/>
+              <a:t>. </a:t>
+            </a:r>
+            <a:r>
+              <a:rPr lang="en-US" dirty="0" err="1"/>
+              <a:t>Lalu</a:t>
+            </a:r>
+            <a:r>
+              <a:rPr lang="en-US" dirty="0"/>
+              <a:t> client </a:t>
+            </a:r>
+            <a:r>
+              <a:rPr lang="en-US" dirty="0" err="1"/>
+              <a:t>akan</a:t>
+            </a:r>
+            <a:r>
+              <a:rPr lang="en-US" dirty="0"/>
+              <a:t> </a:t>
+            </a:r>
+            <a:r>
+              <a:rPr lang="en-US" dirty="0" err="1"/>
+              <a:t>berbagi</a:t>
+            </a:r>
+            <a:r>
+              <a:rPr lang="en-US" dirty="0"/>
+              <a:t> </a:t>
+            </a:r>
+            <a:r>
+              <a:rPr lang="en-US" dirty="0" err="1"/>
+              <a:t>kunci</a:t>
+            </a:r>
+            <a:r>
+              <a:rPr lang="en-US" dirty="0"/>
+              <a:t> </a:t>
+            </a:r>
+            <a:r>
+              <a:rPr lang="en-US" dirty="0" err="1"/>
+              <a:t>dengan</a:t>
+            </a:r>
+            <a:r>
+              <a:rPr lang="en-US" dirty="0"/>
+              <a:t> </a:t>
+            </a:r>
+            <a:r>
+              <a:rPr lang="en-US" dirty="0" err="1"/>
+              <a:t>semua</a:t>
+            </a:r>
+            <a:r>
+              <a:rPr lang="en-US" dirty="0"/>
+              <a:t> client yang </a:t>
+            </a:r>
+            <a:r>
+              <a:rPr lang="en-US" dirty="0" err="1"/>
+              <a:t>terhubung</a:t>
             </a:r>
             <a:r>
               <a:rPr lang="en-US" dirty="0" smtClean="0"/>
-              <a:t> </a:t>
-            </a:r>
-            <a:r>
-              <a:rPr lang="en-US" dirty="0" err="1" smtClean="0"/>
-              <a:t>pengirim</a:t>
-            </a:r>
-            <a:r>
-              <a:rPr lang="en-US" dirty="0" smtClean="0"/>
-              <a:t> </a:t>
-            </a:r>
-            <a:r>
-              <a:rPr lang="en-US" dirty="0" err="1" smtClean="0"/>
-              <a:t>pesan</a:t>
-            </a:r>
-            <a:endParaRPr lang="en-US" dirty="0" smtClean="0"/>
-          </a:p>
-          <a:p>
-            <a:r>
-              <a:rPr lang="en-US" dirty="0" smtClean="0"/>
-              <a:t>Isi </a:t>
-            </a:r>
-            <a:r>
-              <a:rPr lang="en-US" dirty="0" err="1" smtClean="0"/>
-              <a:t>pesan</a:t>
-            </a:r>
-            <a:endParaRPr lang="en-US" dirty="0" smtClean="0"/>
-          </a:p>
-          <a:p>
-            <a:r>
-              <a:rPr lang="en-US" dirty="0" err="1" smtClean="0"/>
-              <a:t>Alamat</a:t>
-            </a:r>
-            <a:r>
-              <a:rPr lang="en-US" dirty="0" smtClean="0"/>
-              <a:t> </a:t>
-            </a:r>
-            <a:r>
-              <a:rPr lang="en-US" dirty="0" err="1" smtClean="0"/>
-              <a:t>penerima</a:t>
-            </a:r>
-            <a:r>
-              <a:rPr lang="en-US" dirty="0" smtClean="0"/>
-              <a:t> </a:t>
-            </a:r>
-            <a:r>
-              <a:rPr lang="en-US" dirty="0" err="1" smtClean="0"/>
-              <a:t>pesan</a:t>
-            </a:r>
-            <a:endParaRPr lang="en-US" dirty="0" smtClean="0"/>
-          </a:p>
-          <a:p>
-            <a:endParaRPr lang="en-US" dirty="0" smtClean="0"/>
+              <a:t>.</a:t>
+            </a:r>
+            <a:endParaRPr lang="en-US" dirty="0"/>
           </a:p>
         </p:txBody>
       </p:sp>
     </p:spTree>
     <p:extLst>
       <p:ext uri="{BB962C8B-B14F-4D97-AF65-F5344CB8AC3E}">
-        <p14:creationId xmlns:p14="http://schemas.microsoft.com/office/powerpoint/2010/main" val="3104766843"/>
+        <p14:creationId xmlns:p14="http://schemas.microsoft.com/office/powerpoint/2010/main" val="118617049"/>
       </p:ext>
     </p:extLst>
   </p:cSld>
   <p:clrMapOvr>
     <a:masterClrMapping/>
   </p:clrMapOvr>
-  <mc:AlternateContent xmlns:mc="http://schemas.openxmlformats.org/markup-compatibility/2006">
-    <mc:Choice xmlns:p14="http://schemas.microsoft.com/office/powerpoint/2010/main" Requires="p14">
-      <p:transition spd="slow" p14:dur="2500">
-        <p:checker/>
-      </p:transition>
-    </mc:Choice>
-    <mc:Fallback>
-      <p:transition spd="slow">
-        <p:checker/>
-      </p:transition>
-    </mc:Fallback>
-  </mc:AlternateContent>
+  <p:transition>
+    <p:fade/>
+  </p:transition>
   <p:timing>
     <p:tnLst>
       <p:par>
@@ -13030,7 +13963,1693 @@
           <a:p>
             <a:r>
               <a:rPr lang="en-US" dirty="0" err="1" smtClean="0"/>
-              <a:t>Mekanisme</a:t>
+              <a:t>Penjelasan</a:t>
+            </a:r>
+            <a:r>
+              <a:rPr lang="en-US" dirty="0" smtClean="0"/>
+              <a:t/>
+            </a:r>
+            <a:br>
+              <a:rPr lang="en-US" dirty="0" smtClean="0"/>
+            </a:br>
+            <a:r>
+              <a:rPr lang="en-US" sz="2000" dirty="0" smtClean="0"/>
+              <a:t>Blum </a:t>
+            </a:r>
+            <a:r>
+              <a:rPr lang="en-US" sz="2000" dirty="0" err="1" smtClean="0"/>
+              <a:t>Blum</a:t>
+            </a:r>
+            <a:r>
+              <a:rPr lang="en-US" sz="2000" dirty="0" smtClean="0"/>
+              <a:t> </a:t>
+            </a:r>
+            <a:r>
+              <a:rPr lang="en-US" sz="2000" dirty="0" err="1" smtClean="0"/>
+              <a:t>Shub</a:t>
+            </a:r>
+            <a:endParaRPr lang="en-US" dirty="0"/>
+          </a:p>
+        </p:txBody>
+      </p:sp>
+      <p:sp>
+        <p:nvSpPr>
+          <p:cNvPr id="3" name="Content Placeholder 2"/>
+          <p:cNvSpPr>
+            <a:spLocks noGrp="1"/>
+          </p:cNvSpPr>
+          <p:nvPr>
+            <p:ph idx="1"/>
+          </p:nvPr>
+        </p:nvSpPr>
+        <p:spPr/>
+        <p:txBody>
+          <a:bodyPr>
+            <a:normAutofit/>
+          </a:bodyPr>
+          <a:lstStyle/>
+          <a:p>
+            <a:r>
+              <a:rPr lang="en-US" dirty="0" err="1"/>
+              <a:t>Nilai</a:t>
+            </a:r>
+            <a:r>
+              <a:rPr lang="en-US" dirty="0"/>
+              <a:t> yang </a:t>
+            </a:r>
+            <a:r>
+              <a:rPr lang="en-US" dirty="0" err="1"/>
+              <a:t>dibentuk</a:t>
+            </a:r>
+            <a:r>
+              <a:rPr lang="en-US" dirty="0"/>
+              <a:t> </a:t>
+            </a:r>
+            <a:r>
+              <a:rPr lang="en-US" dirty="0" err="1"/>
+              <a:t>dari</a:t>
+            </a:r>
+            <a:r>
+              <a:rPr lang="en-US" dirty="0"/>
+              <a:t> </a:t>
+            </a:r>
+            <a:r>
+              <a:rPr lang="en-US" dirty="0" err="1"/>
+              <a:t>hasil</a:t>
+            </a:r>
+            <a:r>
+              <a:rPr lang="en-US" dirty="0"/>
+              <a:t> </a:t>
+            </a:r>
+            <a:r>
+              <a:rPr lang="en-US" i="1" dirty="0" err="1"/>
+              <a:t>Diffie</a:t>
+            </a:r>
+            <a:r>
+              <a:rPr lang="en-US" i="1" dirty="0"/>
+              <a:t>-Hellman Key Exchange</a:t>
+            </a:r>
+            <a:r>
+              <a:rPr lang="en-US" dirty="0"/>
+              <a:t> </a:t>
+            </a:r>
+            <a:r>
+              <a:rPr lang="en-US" dirty="0" err="1"/>
+              <a:t>hanya</a:t>
+            </a:r>
+            <a:r>
+              <a:rPr lang="en-US" dirty="0"/>
+              <a:t> </a:t>
+            </a:r>
+            <a:r>
+              <a:rPr lang="en-US" dirty="0" err="1"/>
+              <a:t>berupa</a:t>
+            </a:r>
+            <a:r>
+              <a:rPr lang="en-US" dirty="0"/>
+              <a:t> </a:t>
+            </a:r>
+            <a:r>
+              <a:rPr lang="en-US" dirty="0" err="1"/>
+              <a:t>sebuah</a:t>
+            </a:r>
+            <a:r>
+              <a:rPr lang="en-US" dirty="0"/>
+              <a:t> </a:t>
+            </a:r>
+            <a:r>
+              <a:rPr lang="en-US" dirty="0" err="1"/>
+              <a:t>angka</a:t>
+            </a:r>
+            <a:r>
+              <a:rPr lang="en-US" dirty="0"/>
+              <a:t>, </a:t>
+            </a:r>
+            <a:r>
+              <a:rPr lang="en-US" dirty="0" err="1"/>
+              <a:t>maka</a:t>
+            </a:r>
+            <a:r>
+              <a:rPr lang="en-US" dirty="0"/>
+              <a:t> </a:t>
+            </a:r>
+            <a:r>
+              <a:rPr lang="en-US" dirty="0" err="1"/>
+              <a:t>kita</a:t>
+            </a:r>
+            <a:r>
+              <a:rPr lang="en-US" dirty="0"/>
+              <a:t> </a:t>
+            </a:r>
+            <a:r>
+              <a:rPr lang="en-US" dirty="0" err="1"/>
+              <a:t>harus</a:t>
+            </a:r>
+            <a:r>
+              <a:rPr lang="en-US" dirty="0"/>
+              <a:t> </a:t>
+            </a:r>
+            <a:r>
+              <a:rPr lang="en-US" dirty="0" err="1"/>
+              <a:t>membuat</a:t>
+            </a:r>
+            <a:r>
+              <a:rPr lang="en-US" dirty="0"/>
+              <a:t> </a:t>
+            </a:r>
+            <a:r>
+              <a:rPr lang="en-US" i="1" dirty="0"/>
+              <a:t>pseudo-random</a:t>
+            </a:r>
+            <a:r>
+              <a:rPr lang="en-US" dirty="0"/>
+              <a:t> </a:t>
+            </a:r>
+            <a:r>
+              <a:rPr lang="en-US" dirty="0" err="1"/>
+              <a:t>dari</a:t>
+            </a:r>
+            <a:r>
+              <a:rPr lang="en-US" dirty="0"/>
+              <a:t> </a:t>
+            </a:r>
+            <a:r>
+              <a:rPr lang="en-US" dirty="0" err="1"/>
+              <a:t>sebuah</a:t>
+            </a:r>
+            <a:r>
+              <a:rPr lang="en-US" dirty="0"/>
+              <a:t> </a:t>
+            </a:r>
+            <a:r>
+              <a:rPr lang="en-US" dirty="0" err="1"/>
+              <a:t>angka</a:t>
+            </a:r>
+            <a:r>
+              <a:rPr lang="en-US" dirty="0"/>
+              <a:t> </a:t>
+            </a:r>
+            <a:r>
+              <a:rPr lang="en-US" dirty="0" err="1"/>
+              <a:t>menjadi</a:t>
+            </a:r>
+            <a:r>
+              <a:rPr lang="en-US" dirty="0"/>
+              <a:t> </a:t>
+            </a:r>
+            <a:r>
+              <a:rPr lang="en-US" dirty="0" err="1"/>
+              <a:t>sebuah</a:t>
+            </a:r>
+            <a:r>
+              <a:rPr lang="en-US" dirty="0"/>
+              <a:t> </a:t>
+            </a:r>
+            <a:r>
+              <a:rPr lang="en-US" dirty="0" err="1"/>
+              <a:t>kunci</a:t>
+            </a:r>
+            <a:r>
+              <a:rPr lang="en-US" dirty="0"/>
+              <a:t> yang </a:t>
+            </a:r>
+            <a:r>
+              <a:rPr lang="en-US" dirty="0" err="1"/>
+              <a:t>acak</a:t>
+            </a:r>
+            <a:r>
+              <a:rPr lang="en-US" dirty="0"/>
+              <a:t>. </a:t>
+            </a:r>
+            <a:r>
+              <a:rPr lang="en-US" dirty="0" err="1"/>
+              <a:t>Oleh</a:t>
+            </a:r>
+            <a:r>
+              <a:rPr lang="en-US" dirty="0"/>
+              <a:t> </a:t>
+            </a:r>
+            <a:r>
+              <a:rPr lang="en-US" dirty="0" err="1"/>
+              <a:t>karena</a:t>
+            </a:r>
+            <a:r>
+              <a:rPr lang="en-US" dirty="0"/>
+              <a:t> </a:t>
+            </a:r>
+            <a:r>
+              <a:rPr lang="en-US" dirty="0" err="1"/>
+              <a:t>itu</a:t>
+            </a:r>
+            <a:r>
+              <a:rPr lang="en-US" dirty="0"/>
+              <a:t> </a:t>
+            </a:r>
+            <a:r>
+              <a:rPr lang="en-US" dirty="0" err="1"/>
+              <a:t>kita</a:t>
+            </a:r>
+            <a:r>
+              <a:rPr lang="en-US" dirty="0"/>
+              <a:t> </a:t>
+            </a:r>
+            <a:r>
+              <a:rPr lang="en-US" dirty="0" err="1"/>
+              <a:t>akan</a:t>
+            </a:r>
+            <a:r>
+              <a:rPr lang="en-US" dirty="0"/>
+              <a:t> </a:t>
+            </a:r>
+            <a:r>
+              <a:rPr lang="en-US" dirty="0" err="1"/>
+              <a:t>membuat</a:t>
+            </a:r>
+            <a:r>
+              <a:rPr lang="en-US" dirty="0"/>
+              <a:t> </a:t>
+            </a:r>
+            <a:r>
+              <a:rPr lang="en-US" dirty="0" err="1"/>
+              <a:t>kunci</a:t>
+            </a:r>
+            <a:r>
+              <a:rPr lang="en-US" dirty="0"/>
+              <a:t> </a:t>
+            </a:r>
+            <a:r>
+              <a:rPr lang="en-US" dirty="0" err="1"/>
+              <a:t>sesungguhnya</a:t>
+            </a:r>
+            <a:r>
+              <a:rPr lang="en-US" dirty="0"/>
+              <a:t> </a:t>
+            </a:r>
+            <a:r>
+              <a:rPr lang="en-US" dirty="0" err="1"/>
+              <a:t>dengan</a:t>
+            </a:r>
+            <a:r>
+              <a:rPr lang="en-US" dirty="0"/>
+              <a:t> </a:t>
+            </a:r>
+            <a:r>
+              <a:rPr lang="en-US" dirty="0" err="1"/>
+              <a:t>menggunakan</a:t>
+            </a:r>
+            <a:r>
+              <a:rPr lang="en-US" dirty="0"/>
+              <a:t> </a:t>
+            </a:r>
+            <a:r>
+              <a:rPr lang="en-US" dirty="0" err="1"/>
+              <a:t>metode</a:t>
+            </a:r>
+            <a:r>
+              <a:rPr lang="en-US" dirty="0"/>
+              <a:t> </a:t>
+            </a:r>
+            <a:r>
+              <a:rPr lang="en-US" i="1" dirty="0"/>
+              <a:t>Blum </a:t>
+            </a:r>
+            <a:r>
+              <a:rPr lang="en-US" i="1" dirty="0" err="1"/>
+              <a:t>Blum</a:t>
+            </a:r>
+            <a:r>
+              <a:rPr lang="en-US" i="1" dirty="0"/>
+              <a:t> </a:t>
+            </a:r>
+            <a:r>
+              <a:rPr lang="en-US" i="1" dirty="0" err="1"/>
+              <a:t>Shub</a:t>
+            </a:r>
+            <a:r>
+              <a:rPr lang="en-US" dirty="0" smtClean="0"/>
+              <a:t>.</a:t>
+            </a:r>
+            <a:endParaRPr lang="en-US" dirty="0"/>
+          </a:p>
+        </p:txBody>
+      </p:sp>
+    </p:spTree>
+    <p:extLst>
+      <p:ext uri="{BB962C8B-B14F-4D97-AF65-F5344CB8AC3E}">
+        <p14:creationId xmlns:p14="http://schemas.microsoft.com/office/powerpoint/2010/main" val="1436557656"/>
+      </p:ext>
+    </p:extLst>
+  </p:cSld>
+  <p:clrMapOvr>
+    <a:masterClrMapping/>
+  </p:clrMapOvr>
+  <p:transition>
+    <p:fade/>
+  </p:transition>
+  <p:timing>
+    <p:tnLst>
+      <p:par>
+        <p:cTn id="1" dur="indefinite" restart="never" nodeType="tmRoot"/>
+      </p:par>
+    </p:tnLst>
+  </p:timing>
+</p:sld>
+</file>
+
+<file path=ppt/slides/slide5.xml><?xml version="1.0" encoding="utf-8"?>
+<p:sld xmlns:a="http://schemas.openxmlformats.org/drawingml/2006/main" xmlns:r="http://schemas.openxmlformats.org/officeDocument/2006/relationships" xmlns:p="http://schemas.openxmlformats.org/presentationml/2006/main">
+  <p:cSld>
+    <p:spTree>
+      <p:nvGrpSpPr>
+        <p:cNvPr id="1" name=""/>
+        <p:cNvGrpSpPr/>
+        <p:nvPr/>
+      </p:nvGrpSpPr>
+      <p:grpSpPr>
+        <a:xfrm>
+          <a:off x="0" y="0"/>
+          <a:ext cx="0" cy="0"/>
+          <a:chOff x="0" y="0"/>
+          <a:chExt cx="0" cy="0"/>
+        </a:xfrm>
+      </p:grpSpPr>
+      <p:sp>
+        <p:nvSpPr>
+          <p:cNvPr id="2" name="Title 1"/>
+          <p:cNvSpPr>
+            <a:spLocks noGrp="1"/>
+          </p:cNvSpPr>
+          <p:nvPr>
+            <p:ph type="title"/>
+          </p:nvPr>
+        </p:nvSpPr>
+        <p:spPr/>
+        <p:txBody>
+          <a:bodyPr/>
+          <a:lstStyle/>
+          <a:p>
+            <a:r>
+              <a:rPr lang="en-US" dirty="0" err="1" smtClean="0"/>
+              <a:t>Penjelasan</a:t>
+            </a:r>
+            <a:r>
+              <a:rPr lang="en-US" dirty="0" smtClean="0"/>
+              <a:t/>
+            </a:r>
+            <a:br>
+              <a:rPr lang="en-US" dirty="0" smtClean="0"/>
+            </a:br>
+            <a:r>
+              <a:rPr lang="en-US" sz="2000" dirty="0" smtClean="0"/>
+              <a:t>Blum </a:t>
+            </a:r>
+            <a:r>
+              <a:rPr lang="en-US" sz="2000" dirty="0" err="1" smtClean="0"/>
+              <a:t>Blum</a:t>
+            </a:r>
+            <a:r>
+              <a:rPr lang="en-US" sz="2000" dirty="0" smtClean="0"/>
+              <a:t> </a:t>
+            </a:r>
+            <a:r>
+              <a:rPr lang="en-US" sz="2000" dirty="0" err="1" smtClean="0"/>
+              <a:t>Shub</a:t>
+            </a:r>
+            <a:endParaRPr lang="en-US" dirty="0"/>
+          </a:p>
+        </p:txBody>
+      </p:sp>
+      <p:sp>
+        <p:nvSpPr>
+          <p:cNvPr id="3" name="Content Placeholder 2"/>
+          <p:cNvSpPr>
+            <a:spLocks noGrp="1"/>
+          </p:cNvSpPr>
+          <p:nvPr>
+            <p:ph sz="half" idx="1"/>
+          </p:nvPr>
+        </p:nvSpPr>
+        <p:spPr/>
+        <p:txBody>
+          <a:bodyPr>
+            <a:normAutofit/>
+          </a:bodyPr>
+          <a:lstStyle/>
+          <a:p>
+            <a:r>
+              <a:rPr lang="en-US" dirty="0" smtClean="0"/>
+              <a:t>Kira-</a:t>
+            </a:r>
+            <a:r>
+              <a:rPr lang="en-US" dirty="0" err="1" smtClean="0"/>
+              <a:t>kira</a:t>
+            </a:r>
+            <a:r>
+              <a:rPr lang="en-US" dirty="0" smtClean="0"/>
+              <a:t> </a:t>
+            </a:r>
+            <a:r>
+              <a:rPr lang="en-US" dirty="0" err="1"/>
+              <a:t>seperti</a:t>
+            </a:r>
+            <a:r>
+              <a:rPr lang="en-US" dirty="0"/>
+              <a:t> </a:t>
+            </a:r>
+            <a:r>
+              <a:rPr lang="en-US" dirty="0" err="1"/>
+              <a:t>ini</a:t>
+            </a:r>
+            <a:r>
+              <a:rPr lang="en-US" dirty="0"/>
+              <a:t> </a:t>
+            </a:r>
+            <a:r>
+              <a:rPr lang="en-US" dirty="0" err="1"/>
+              <a:t>distribusi</a:t>
+            </a:r>
+            <a:r>
+              <a:rPr lang="en-US" dirty="0"/>
+              <a:t> </a:t>
+            </a:r>
+            <a:r>
+              <a:rPr lang="en-US" dirty="0" err="1"/>
+              <a:t>kunci</a:t>
+            </a:r>
+            <a:r>
+              <a:rPr lang="en-US" dirty="0"/>
+              <a:t> yang </a:t>
+            </a:r>
+            <a:r>
+              <a:rPr lang="en-US" dirty="0" err="1"/>
+              <a:t>dihasilkan</a:t>
+            </a:r>
+            <a:r>
+              <a:rPr lang="en-US" dirty="0"/>
+              <a:t>. </a:t>
+            </a:r>
+            <a:r>
+              <a:rPr lang="en-US" dirty="0" err="1"/>
+              <a:t>Kolom</a:t>
+            </a:r>
+            <a:r>
+              <a:rPr lang="en-US" dirty="0"/>
+              <a:t> </a:t>
+            </a:r>
+            <a:r>
+              <a:rPr lang="en-US" dirty="0" err="1"/>
+              <a:t>dan</a:t>
+            </a:r>
+            <a:r>
+              <a:rPr lang="en-US" dirty="0"/>
+              <a:t> </a:t>
+            </a:r>
+            <a:r>
+              <a:rPr lang="en-US" dirty="0" err="1"/>
+              <a:t>baris</a:t>
+            </a:r>
+            <a:r>
+              <a:rPr lang="en-US" dirty="0"/>
+              <a:t> </a:t>
+            </a:r>
+            <a:r>
+              <a:rPr lang="en-US" dirty="0" err="1"/>
+              <a:t>menunjukkan</a:t>
+            </a:r>
+            <a:r>
+              <a:rPr lang="en-US" dirty="0"/>
+              <a:t> </a:t>
+            </a:r>
+            <a:r>
+              <a:rPr lang="en-US" dirty="0" err="1"/>
+              <a:t>hubungan</a:t>
+            </a:r>
+            <a:r>
+              <a:rPr lang="en-US" dirty="0"/>
+              <a:t> </a:t>
+            </a:r>
+            <a:r>
+              <a:rPr lang="en-US" dirty="0" err="1"/>
+              <a:t>komunikasi</a:t>
+            </a:r>
+            <a:r>
+              <a:rPr lang="en-US" dirty="0"/>
+              <a:t> </a:t>
+            </a:r>
+            <a:r>
+              <a:rPr lang="en-US" dirty="0" err="1"/>
+              <a:t>dan</a:t>
+            </a:r>
+            <a:r>
+              <a:rPr lang="en-US" dirty="0"/>
+              <a:t> </a:t>
+            </a:r>
+            <a:r>
+              <a:rPr lang="en-US" dirty="0" err="1"/>
+              <a:t>kunci</a:t>
+            </a:r>
+            <a:r>
+              <a:rPr lang="en-US" dirty="0"/>
+              <a:t> </a:t>
+            </a:r>
+            <a:r>
+              <a:rPr lang="en-US" dirty="0" err="1"/>
+              <a:t>apa</a:t>
+            </a:r>
+            <a:r>
+              <a:rPr lang="en-US" dirty="0"/>
+              <a:t> yang </a:t>
+            </a:r>
+            <a:r>
+              <a:rPr lang="en-US" dirty="0" err="1"/>
+              <a:t>digunakan</a:t>
+            </a:r>
+            <a:r>
+              <a:rPr lang="en-US" dirty="0"/>
+              <a:t>.</a:t>
+            </a:r>
+          </a:p>
+        </p:txBody>
+      </p:sp>
+      <p:graphicFrame>
+        <p:nvGraphicFramePr>
+          <p:cNvPr id="7" name="Content Placeholder 6"/>
+          <p:cNvGraphicFramePr>
+            <a:graphicFrameLocks noGrp="1"/>
+          </p:cNvGraphicFramePr>
+          <p:nvPr>
+            <p:ph sz="half" idx="2"/>
+            <p:extLst>
+              <p:ext uri="{D42A27DB-BD31-4B8C-83A1-F6EECF244321}">
+                <p14:modId xmlns:p14="http://schemas.microsoft.com/office/powerpoint/2010/main" val="2076739715"/>
+              </p:ext>
+            </p:extLst>
+          </p:nvPr>
+        </p:nvGraphicFramePr>
+        <p:xfrm>
+          <a:off x="6172200" y="2249488"/>
+          <a:ext cx="5449955" cy="2322510"/>
+        </p:xfrm>
+        <a:graphic>
+          <a:graphicData uri="http://schemas.openxmlformats.org/drawingml/2006/table">
+            <a:tbl>
+              <a:tblPr firstRow="1" bandRow="1">
+                <a:tableStyleId>{5C22544A-7EE6-4342-B048-85BDC9FD1C3A}</a:tableStyleId>
+              </a:tblPr>
+              <a:tblGrid>
+                <a:gridCol w="1089991"/>
+                <a:gridCol w="1089991"/>
+                <a:gridCol w="1089991"/>
+                <a:gridCol w="1089991"/>
+                <a:gridCol w="1089991"/>
+              </a:tblGrid>
+              <a:tr h="464502">
+                <a:tc>
+                  <a:txBody>
+                    <a:bodyPr/>
+                    <a:lstStyle/>
+                    <a:p>
+                      <a:pPr algn="ctr" fontAlgn="ctr"/>
+                      <a:endParaRPr lang="en-US" sz="1400" b="1" i="0" u="none" strike="noStrike" dirty="0">
+                        <a:solidFill>
+                          <a:srgbClr val="000000"/>
+                        </a:solidFill>
+                        <a:effectLst/>
+                        <a:latin typeface="Calibri" panose="020F0502020204030204" pitchFamily="34" charset="0"/>
+                      </a:endParaRPr>
+                    </a:p>
+                  </a:txBody>
+                  <a:tcPr marL="9525" marR="9525" marT="9525" marB="0" anchor="ctr"/>
+                </a:tc>
+                <a:tc>
+                  <a:txBody>
+                    <a:bodyPr/>
+                    <a:lstStyle/>
+                    <a:p>
+                      <a:pPr algn="ctr" fontAlgn="ctr"/>
+                      <a:r>
+                        <a:rPr lang="en-US" sz="1400" b="1" i="0" u="none" strike="noStrike">
+                          <a:solidFill>
+                            <a:srgbClr val="000000"/>
+                          </a:solidFill>
+                          <a:effectLst/>
+                          <a:latin typeface="Calibri" panose="020F0502020204030204" pitchFamily="34" charset="0"/>
+                        </a:rPr>
+                        <a:t>Server</a:t>
+                      </a:r>
+                    </a:p>
+                  </a:txBody>
+                  <a:tcPr marL="9525" marR="9525" marT="9525" marB="0" anchor="ctr"/>
+                </a:tc>
+                <a:tc>
+                  <a:txBody>
+                    <a:bodyPr/>
+                    <a:lstStyle/>
+                    <a:p>
+                      <a:pPr algn="ctr" fontAlgn="ctr"/>
+                      <a:r>
+                        <a:rPr lang="en-US" sz="1400" b="1" i="0" u="none" strike="noStrike">
+                          <a:solidFill>
+                            <a:srgbClr val="000000"/>
+                          </a:solidFill>
+                          <a:effectLst/>
+                          <a:latin typeface="Calibri" panose="020F0502020204030204" pitchFamily="34" charset="0"/>
+                        </a:rPr>
+                        <a:t>Alice</a:t>
+                      </a:r>
+                    </a:p>
+                  </a:txBody>
+                  <a:tcPr marL="9525" marR="9525" marT="9525" marB="0" anchor="ctr"/>
+                </a:tc>
+                <a:tc>
+                  <a:txBody>
+                    <a:bodyPr/>
+                    <a:lstStyle/>
+                    <a:p>
+                      <a:pPr algn="ctr" fontAlgn="ctr"/>
+                      <a:r>
+                        <a:rPr lang="en-US" sz="1400" b="1" i="0" u="none" strike="noStrike">
+                          <a:solidFill>
+                            <a:srgbClr val="000000"/>
+                          </a:solidFill>
+                          <a:effectLst/>
+                          <a:latin typeface="Calibri" panose="020F0502020204030204" pitchFamily="34" charset="0"/>
+                        </a:rPr>
+                        <a:t>Bob</a:t>
+                      </a:r>
+                    </a:p>
+                  </a:txBody>
+                  <a:tcPr marL="9525" marR="9525" marT="9525" marB="0" anchor="ctr"/>
+                </a:tc>
+                <a:tc>
+                  <a:txBody>
+                    <a:bodyPr/>
+                    <a:lstStyle/>
+                    <a:p>
+                      <a:pPr algn="ctr" fontAlgn="ctr"/>
+                      <a:r>
+                        <a:rPr lang="en-US" sz="1400" b="1" i="0" u="none" strike="noStrike" dirty="0">
+                          <a:solidFill>
+                            <a:srgbClr val="000000"/>
+                          </a:solidFill>
+                          <a:effectLst/>
+                          <a:latin typeface="Calibri" panose="020F0502020204030204" pitchFamily="34" charset="0"/>
+                        </a:rPr>
+                        <a:t>Cecil</a:t>
+                      </a:r>
+                    </a:p>
+                  </a:txBody>
+                  <a:tcPr marL="9525" marR="9525" marT="9525" marB="0" anchor="ctr"/>
+                </a:tc>
+              </a:tr>
+              <a:tr h="464502">
+                <a:tc>
+                  <a:txBody>
+                    <a:bodyPr/>
+                    <a:lstStyle/>
+                    <a:p>
+                      <a:pPr algn="ctr" fontAlgn="ctr"/>
+                      <a:r>
+                        <a:rPr lang="en-US" sz="1400" b="1" i="0" u="none" strike="noStrike" dirty="0">
+                          <a:solidFill>
+                            <a:srgbClr val="000000"/>
+                          </a:solidFill>
+                          <a:effectLst/>
+                          <a:latin typeface="Calibri" panose="020F0502020204030204" pitchFamily="34" charset="0"/>
+                        </a:rPr>
+                        <a:t>Server</a:t>
+                      </a:r>
+                    </a:p>
+                  </a:txBody>
+                  <a:tcPr marL="9525" marR="9525" marT="9525" marB="0" anchor="ctr">
+                    <a:solidFill>
+                      <a:schemeClr val="accent1"/>
+                    </a:solidFill>
+                  </a:tcPr>
+                </a:tc>
+                <a:tc>
+                  <a:txBody>
+                    <a:bodyPr/>
+                    <a:lstStyle/>
+                    <a:p>
+                      <a:pPr algn="ctr" fontAlgn="ctr"/>
+                      <a:endParaRPr lang="en-US" sz="1400" b="0" i="0" u="none" strike="noStrike">
+                        <a:solidFill>
+                          <a:srgbClr val="000000"/>
+                        </a:solidFill>
+                        <a:effectLst/>
+                        <a:latin typeface="Calibri" panose="020F0502020204030204" pitchFamily="34" charset="0"/>
+                      </a:endParaRPr>
+                    </a:p>
+                  </a:txBody>
+                  <a:tcPr marL="9525" marR="9525" marT="9525" marB="0" anchor="ctr"/>
+                </a:tc>
+                <a:tc>
+                  <a:txBody>
+                    <a:bodyPr/>
+                    <a:lstStyle/>
+                    <a:p>
+                      <a:pPr algn="ctr" fontAlgn="ctr"/>
+                      <a:r>
+                        <a:rPr lang="en-US" sz="1400" b="0" i="1" u="none" strike="noStrike">
+                          <a:solidFill>
+                            <a:srgbClr val="000000"/>
+                          </a:solidFill>
+                          <a:effectLst/>
+                          <a:latin typeface="Calibri" panose="020F0502020204030204" pitchFamily="34" charset="0"/>
+                        </a:rPr>
+                        <a:t>aliceserverkey</a:t>
+                      </a:r>
+                    </a:p>
+                  </a:txBody>
+                  <a:tcPr marL="9525" marR="9525" marT="9525" marB="0" anchor="ctr"/>
+                </a:tc>
+                <a:tc>
+                  <a:txBody>
+                    <a:bodyPr/>
+                    <a:lstStyle/>
+                    <a:p>
+                      <a:pPr algn="ctr" fontAlgn="ctr"/>
+                      <a:r>
+                        <a:rPr lang="en-US" sz="1400" b="0" i="1" u="none" strike="noStrike">
+                          <a:solidFill>
+                            <a:srgbClr val="000000"/>
+                          </a:solidFill>
+                          <a:effectLst/>
+                          <a:latin typeface="Calibri" panose="020F0502020204030204" pitchFamily="34" charset="0"/>
+                        </a:rPr>
+                        <a:t>bobserverkey</a:t>
+                      </a:r>
+                    </a:p>
+                  </a:txBody>
+                  <a:tcPr marL="9525" marR="9525" marT="9525" marB="0" anchor="ctr"/>
+                </a:tc>
+                <a:tc>
+                  <a:txBody>
+                    <a:bodyPr/>
+                    <a:lstStyle/>
+                    <a:p>
+                      <a:pPr algn="ctr" fontAlgn="ctr"/>
+                      <a:r>
+                        <a:rPr lang="en-US" sz="1400" b="0" i="1" u="none" strike="noStrike">
+                          <a:solidFill>
+                            <a:srgbClr val="000000"/>
+                          </a:solidFill>
+                          <a:effectLst/>
+                          <a:latin typeface="Calibri" panose="020F0502020204030204" pitchFamily="34" charset="0"/>
+                        </a:rPr>
+                        <a:t>cecilserverkey</a:t>
+                      </a:r>
+                    </a:p>
+                  </a:txBody>
+                  <a:tcPr marL="9525" marR="9525" marT="9525" marB="0" anchor="ctr"/>
+                </a:tc>
+              </a:tr>
+              <a:tr h="464502">
+                <a:tc>
+                  <a:txBody>
+                    <a:bodyPr/>
+                    <a:lstStyle/>
+                    <a:p>
+                      <a:pPr algn="ctr" fontAlgn="ctr"/>
+                      <a:r>
+                        <a:rPr lang="en-US" sz="1400" b="1" i="0" u="none" strike="noStrike">
+                          <a:solidFill>
+                            <a:srgbClr val="000000"/>
+                          </a:solidFill>
+                          <a:effectLst/>
+                          <a:latin typeface="Calibri" panose="020F0502020204030204" pitchFamily="34" charset="0"/>
+                        </a:rPr>
+                        <a:t>Alice</a:t>
+                      </a:r>
+                    </a:p>
+                  </a:txBody>
+                  <a:tcPr marL="9525" marR="9525" marT="9525" marB="0" anchor="ctr">
+                    <a:solidFill>
+                      <a:schemeClr val="accent1"/>
+                    </a:solidFill>
+                  </a:tcPr>
+                </a:tc>
+                <a:tc>
+                  <a:txBody>
+                    <a:bodyPr/>
+                    <a:lstStyle/>
+                    <a:p>
+                      <a:pPr algn="ctr" fontAlgn="ctr"/>
+                      <a:r>
+                        <a:rPr lang="en-US" sz="1400" b="0" i="1" u="none" strike="noStrike" dirty="0" err="1" smtClean="0">
+                          <a:solidFill>
+                            <a:srgbClr val="000000"/>
+                          </a:solidFill>
+                          <a:effectLst/>
+                          <a:latin typeface="Calibri" panose="020F0502020204030204" pitchFamily="34" charset="0"/>
+                        </a:rPr>
+                        <a:t>aliceserverkey</a:t>
+                      </a:r>
+                      <a:endParaRPr lang="en-US" sz="1400" b="0" i="1" u="none" strike="noStrike" dirty="0">
+                        <a:solidFill>
+                          <a:srgbClr val="000000"/>
+                        </a:solidFill>
+                        <a:effectLst/>
+                        <a:latin typeface="Calibri" panose="020F0502020204030204" pitchFamily="34" charset="0"/>
+                      </a:endParaRPr>
+                    </a:p>
+                  </a:txBody>
+                  <a:tcPr marL="9525" marR="9525" marT="9525" marB="0" anchor="ctr"/>
+                </a:tc>
+                <a:tc>
+                  <a:txBody>
+                    <a:bodyPr/>
+                    <a:lstStyle/>
+                    <a:p>
+                      <a:pPr algn="ctr" fontAlgn="ctr"/>
+                      <a:endParaRPr lang="en-US" sz="1400" b="0" i="0" u="none" strike="noStrike">
+                        <a:solidFill>
+                          <a:srgbClr val="000000"/>
+                        </a:solidFill>
+                        <a:effectLst/>
+                        <a:latin typeface="Calibri" panose="020F0502020204030204" pitchFamily="34" charset="0"/>
+                      </a:endParaRPr>
+                    </a:p>
+                  </a:txBody>
+                  <a:tcPr marL="9525" marR="9525" marT="9525" marB="0" anchor="ctr"/>
+                </a:tc>
+                <a:tc>
+                  <a:txBody>
+                    <a:bodyPr/>
+                    <a:lstStyle/>
+                    <a:p>
+                      <a:pPr algn="ctr" fontAlgn="ctr"/>
+                      <a:r>
+                        <a:rPr lang="en-US" sz="1400" b="0" i="1" u="none" strike="noStrike">
+                          <a:solidFill>
+                            <a:srgbClr val="000000"/>
+                          </a:solidFill>
+                          <a:effectLst/>
+                          <a:latin typeface="Calibri" panose="020F0502020204030204" pitchFamily="34" charset="0"/>
+                        </a:rPr>
+                        <a:t>bobalicekey</a:t>
+                      </a:r>
+                    </a:p>
+                  </a:txBody>
+                  <a:tcPr marL="9525" marR="9525" marT="9525" marB="0" anchor="ctr"/>
+                </a:tc>
+                <a:tc>
+                  <a:txBody>
+                    <a:bodyPr/>
+                    <a:lstStyle/>
+                    <a:p>
+                      <a:pPr algn="ctr" fontAlgn="ctr"/>
+                      <a:r>
+                        <a:rPr lang="en-US" sz="1400" b="0" i="1" u="none" strike="noStrike">
+                          <a:solidFill>
+                            <a:srgbClr val="000000"/>
+                          </a:solidFill>
+                          <a:effectLst/>
+                          <a:latin typeface="Calibri" panose="020F0502020204030204" pitchFamily="34" charset="0"/>
+                        </a:rPr>
+                        <a:t>cecilalicekey</a:t>
+                      </a:r>
+                    </a:p>
+                  </a:txBody>
+                  <a:tcPr marL="9525" marR="9525" marT="9525" marB="0" anchor="ctr"/>
+                </a:tc>
+              </a:tr>
+              <a:tr h="464502">
+                <a:tc>
+                  <a:txBody>
+                    <a:bodyPr/>
+                    <a:lstStyle/>
+                    <a:p>
+                      <a:pPr algn="ctr" fontAlgn="ctr"/>
+                      <a:r>
+                        <a:rPr lang="en-US" sz="1400" b="1" i="0" u="none" strike="noStrike">
+                          <a:solidFill>
+                            <a:srgbClr val="000000"/>
+                          </a:solidFill>
+                          <a:effectLst/>
+                          <a:latin typeface="Calibri" panose="020F0502020204030204" pitchFamily="34" charset="0"/>
+                        </a:rPr>
+                        <a:t>Bob</a:t>
+                      </a:r>
+                    </a:p>
+                  </a:txBody>
+                  <a:tcPr marL="9525" marR="9525" marT="9525" marB="0" anchor="ctr">
+                    <a:solidFill>
+                      <a:schemeClr val="accent1"/>
+                    </a:solidFill>
+                  </a:tcPr>
+                </a:tc>
+                <a:tc>
+                  <a:txBody>
+                    <a:bodyPr/>
+                    <a:lstStyle/>
+                    <a:p>
+                      <a:pPr algn="ctr" fontAlgn="ctr"/>
+                      <a:r>
+                        <a:rPr lang="en-US" sz="1400" b="0" i="1" u="none" strike="noStrike" dirty="0" err="1" smtClean="0">
+                          <a:solidFill>
+                            <a:srgbClr val="000000"/>
+                          </a:solidFill>
+                          <a:effectLst/>
+                          <a:latin typeface="Calibri" panose="020F0502020204030204" pitchFamily="34" charset="0"/>
+                        </a:rPr>
+                        <a:t>bobserverkey</a:t>
+                      </a:r>
+                      <a:endParaRPr lang="en-US" sz="1400" b="0" i="1" u="none" strike="noStrike" dirty="0">
+                        <a:solidFill>
+                          <a:srgbClr val="000000"/>
+                        </a:solidFill>
+                        <a:effectLst/>
+                        <a:latin typeface="Calibri" panose="020F0502020204030204" pitchFamily="34" charset="0"/>
+                      </a:endParaRPr>
+                    </a:p>
+                  </a:txBody>
+                  <a:tcPr marL="9525" marR="9525" marT="9525" marB="0" anchor="ctr"/>
+                </a:tc>
+                <a:tc>
+                  <a:txBody>
+                    <a:bodyPr/>
+                    <a:lstStyle/>
+                    <a:p>
+                      <a:pPr algn="ctr" fontAlgn="ctr"/>
+                      <a:r>
+                        <a:rPr lang="en-US" sz="1400" b="0" i="1" u="none" strike="noStrike">
+                          <a:solidFill>
+                            <a:srgbClr val="000000"/>
+                          </a:solidFill>
+                          <a:effectLst/>
+                          <a:latin typeface="Calibri" panose="020F0502020204030204" pitchFamily="34" charset="0"/>
+                        </a:rPr>
+                        <a:t>bobalicekey</a:t>
+                      </a:r>
+                    </a:p>
+                  </a:txBody>
+                  <a:tcPr marL="9525" marR="9525" marT="9525" marB="0" anchor="ctr"/>
+                </a:tc>
+                <a:tc>
+                  <a:txBody>
+                    <a:bodyPr/>
+                    <a:lstStyle/>
+                    <a:p>
+                      <a:pPr algn="ctr" fontAlgn="ctr"/>
+                      <a:endParaRPr lang="en-US" sz="1400" b="0" i="0" u="none" strike="noStrike">
+                        <a:solidFill>
+                          <a:srgbClr val="000000"/>
+                        </a:solidFill>
+                        <a:effectLst/>
+                        <a:latin typeface="Calibri" panose="020F0502020204030204" pitchFamily="34" charset="0"/>
+                      </a:endParaRPr>
+                    </a:p>
+                  </a:txBody>
+                  <a:tcPr marL="9525" marR="9525" marT="9525" marB="0" anchor="ctr"/>
+                </a:tc>
+                <a:tc>
+                  <a:txBody>
+                    <a:bodyPr/>
+                    <a:lstStyle/>
+                    <a:p>
+                      <a:pPr algn="ctr" fontAlgn="ctr"/>
+                      <a:r>
+                        <a:rPr lang="en-US" sz="1400" b="0" i="1" u="none" strike="noStrike">
+                          <a:solidFill>
+                            <a:srgbClr val="000000"/>
+                          </a:solidFill>
+                          <a:effectLst/>
+                          <a:latin typeface="Calibri" panose="020F0502020204030204" pitchFamily="34" charset="0"/>
+                        </a:rPr>
+                        <a:t>cecilbobkey</a:t>
+                      </a:r>
+                    </a:p>
+                  </a:txBody>
+                  <a:tcPr marL="9525" marR="9525" marT="9525" marB="0" anchor="ctr"/>
+                </a:tc>
+              </a:tr>
+              <a:tr h="464502">
+                <a:tc>
+                  <a:txBody>
+                    <a:bodyPr/>
+                    <a:lstStyle/>
+                    <a:p>
+                      <a:pPr algn="ctr" fontAlgn="ctr"/>
+                      <a:r>
+                        <a:rPr lang="en-US" sz="1400" b="1" i="0" u="none" strike="noStrike" dirty="0">
+                          <a:solidFill>
+                            <a:srgbClr val="000000"/>
+                          </a:solidFill>
+                          <a:effectLst/>
+                          <a:latin typeface="Calibri" panose="020F0502020204030204" pitchFamily="34" charset="0"/>
+                        </a:rPr>
+                        <a:t>Cecil</a:t>
+                      </a:r>
+                    </a:p>
+                  </a:txBody>
+                  <a:tcPr marL="9525" marR="9525" marT="9525" marB="0" anchor="ctr">
+                    <a:solidFill>
+                      <a:schemeClr val="accent1"/>
+                    </a:solidFill>
+                  </a:tcPr>
+                </a:tc>
+                <a:tc>
+                  <a:txBody>
+                    <a:bodyPr/>
+                    <a:lstStyle/>
+                    <a:p>
+                      <a:pPr algn="ctr" fontAlgn="ctr"/>
+                      <a:r>
+                        <a:rPr lang="en-US" sz="1400" b="0" i="1" u="none" strike="noStrike" dirty="0" err="1">
+                          <a:solidFill>
+                            <a:srgbClr val="000000"/>
+                          </a:solidFill>
+                          <a:effectLst/>
+                          <a:latin typeface="Calibri" panose="020F0502020204030204" pitchFamily="34" charset="0"/>
+                        </a:rPr>
+                        <a:t>cecilserverkey</a:t>
+                      </a:r>
+                      <a:endParaRPr lang="en-US" sz="1400" b="0" i="1" u="none" strike="noStrike" dirty="0">
+                        <a:solidFill>
+                          <a:srgbClr val="000000"/>
+                        </a:solidFill>
+                        <a:effectLst/>
+                        <a:latin typeface="Calibri" panose="020F0502020204030204" pitchFamily="34" charset="0"/>
+                      </a:endParaRPr>
+                    </a:p>
+                  </a:txBody>
+                  <a:tcPr marL="9525" marR="9525" marT="9525" marB="0" anchor="ctr"/>
+                </a:tc>
+                <a:tc>
+                  <a:txBody>
+                    <a:bodyPr/>
+                    <a:lstStyle/>
+                    <a:p>
+                      <a:pPr algn="ctr" fontAlgn="ctr"/>
+                      <a:r>
+                        <a:rPr lang="en-US" sz="1400" b="0" i="1" u="none" strike="noStrike">
+                          <a:solidFill>
+                            <a:srgbClr val="000000"/>
+                          </a:solidFill>
+                          <a:effectLst/>
+                          <a:latin typeface="Calibri" panose="020F0502020204030204" pitchFamily="34" charset="0"/>
+                        </a:rPr>
+                        <a:t>cecilalicekey</a:t>
+                      </a:r>
+                    </a:p>
+                  </a:txBody>
+                  <a:tcPr marL="9525" marR="9525" marT="9525" marB="0" anchor="ctr"/>
+                </a:tc>
+                <a:tc>
+                  <a:txBody>
+                    <a:bodyPr/>
+                    <a:lstStyle/>
+                    <a:p>
+                      <a:pPr algn="ctr" fontAlgn="ctr"/>
+                      <a:r>
+                        <a:rPr lang="en-US" sz="1400" b="0" i="1" u="none" strike="noStrike">
+                          <a:solidFill>
+                            <a:srgbClr val="000000"/>
+                          </a:solidFill>
+                          <a:effectLst/>
+                          <a:latin typeface="Calibri" panose="020F0502020204030204" pitchFamily="34" charset="0"/>
+                        </a:rPr>
+                        <a:t>cecilbobkey</a:t>
+                      </a:r>
+                    </a:p>
+                  </a:txBody>
+                  <a:tcPr marL="9525" marR="9525" marT="9525" marB="0" anchor="ctr"/>
+                </a:tc>
+                <a:tc>
+                  <a:txBody>
+                    <a:bodyPr/>
+                    <a:lstStyle/>
+                    <a:p>
+                      <a:pPr algn="ctr" fontAlgn="ctr"/>
+                      <a:endParaRPr lang="en-US" sz="1400" b="0" i="0" u="none" strike="noStrike" dirty="0">
+                        <a:solidFill>
+                          <a:srgbClr val="000000"/>
+                        </a:solidFill>
+                        <a:effectLst/>
+                        <a:latin typeface="Calibri" panose="020F0502020204030204" pitchFamily="34" charset="0"/>
+                      </a:endParaRPr>
+                    </a:p>
+                  </a:txBody>
+                  <a:tcPr marL="9525" marR="9525" marT="9525" marB="0" anchor="ctr"/>
+                </a:tc>
+              </a:tr>
+            </a:tbl>
+          </a:graphicData>
+        </a:graphic>
+      </p:graphicFrame>
+    </p:spTree>
+    <p:extLst>
+      <p:ext uri="{BB962C8B-B14F-4D97-AF65-F5344CB8AC3E}">
+        <p14:creationId xmlns:p14="http://schemas.microsoft.com/office/powerpoint/2010/main" val="2043212346"/>
+      </p:ext>
+    </p:extLst>
+  </p:cSld>
+  <p:clrMapOvr>
+    <a:masterClrMapping/>
+  </p:clrMapOvr>
+  <p:transition>
+    <p:fade/>
+  </p:transition>
+  <p:timing>
+    <p:tnLst>
+      <p:par>
+        <p:cTn id="1" dur="indefinite" restart="never" nodeType="tmRoot"/>
+      </p:par>
+    </p:tnLst>
+  </p:timing>
+</p:sld>
+</file>
+
+<file path=ppt/slides/slide6.xml><?xml version="1.0" encoding="utf-8"?>
+<p:sld xmlns:a="http://schemas.openxmlformats.org/drawingml/2006/main" xmlns:r="http://schemas.openxmlformats.org/officeDocument/2006/relationships" xmlns:p="http://schemas.openxmlformats.org/presentationml/2006/main">
+  <p:cSld>
+    <p:spTree>
+      <p:nvGrpSpPr>
+        <p:cNvPr id="1" name=""/>
+        <p:cNvGrpSpPr/>
+        <p:nvPr/>
+      </p:nvGrpSpPr>
+      <p:grpSpPr>
+        <a:xfrm>
+          <a:off x="0" y="0"/>
+          <a:ext cx="0" cy="0"/>
+          <a:chOff x="0" y="0"/>
+          <a:chExt cx="0" cy="0"/>
+        </a:xfrm>
+      </p:grpSpPr>
+      <p:sp>
+        <p:nvSpPr>
+          <p:cNvPr id="2" name="Title 1"/>
+          <p:cNvSpPr>
+            <a:spLocks noGrp="1"/>
+          </p:cNvSpPr>
+          <p:nvPr>
+            <p:ph type="title"/>
+          </p:nvPr>
+        </p:nvSpPr>
+        <p:spPr/>
+        <p:txBody>
+          <a:bodyPr/>
+          <a:lstStyle/>
+          <a:p>
+            <a:r>
+              <a:rPr lang="en-US" dirty="0" err="1" smtClean="0"/>
+              <a:t>Penjelasan</a:t>
+            </a:r>
+            <a:r>
+              <a:rPr lang="en-US" dirty="0" smtClean="0"/>
+              <a:t/>
+            </a:r>
+            <a:br>
+              <a:rPr lang="en-US" dirty="0" smtClean="0"/>
+            </a:br>
+            <a:r>
+              <a:rPr lang="en-US" sz="2000" dirty="0" smtClean="0"/>
+              <a:t>ENCRYPT</a:t>
+            </a:r>
+            <a:endParaRPr lang="en-US" dirty="0"/>
+          </a:p>
+        </p:txBody>
+      </p:sp>
+      <p:sp>
+        <p:nvSpPr>
+          <p:cNvPr id="3" name="Content Placeholder 2"/>
+          <p:cNvSpPr>
+            <a:spLocks noGrp="1"/>
+          </p:cNvSpPr>
+          <p:nvPr>
+            <p:ph idx="1"/>
+          </p:nvPr>
+        </p:nvSpPr>
+        <p:spPr/>
+        <p:txBody>
+          <a:bodyPr>
+            <a:normAutofit/>
+          </a:bodyPr>
+          <a:lstStyle/>
+          <a:p>
+            <a:r>
+              <a:rPr lang="en-US" dirty="0" err="1"/>
+              <a:t>Pada</a:t>
+            </a:r>
+            <a:r>
+              <a:rPr lang="en-US" dirty="0"/>
+              <a:t> </a:t>
+            </a:r>
+            <a:r>
+              <a:rPr lang="en-US" dirty="0" err="1"/>
+              <a:t>saat</a:t>
+            </a:r>
+            <a:r>
+              <a:rPr lang="en-US" dirty="0"/>
+              <a:t> </a:t>
+            </a:r>
+            <a:r>
+              <a:rPr lang="en-US" dirty="0" err="1"/>
+              <a:t>pengiriman</a:t>
+            </a:r>
+            <a:r>
+              <a:rPr lang="en-US" dirty="0"/>
+              <a:t> </a:t>
+            </a:r>
+            <a:r>
+              <a:rPr lang="en-US" dirty="0" err="1"/>
+              <a:t>pesan</a:t>
+            </a:r>
+            <a:r>
+              <a:rPr lang="en-US" dirty="0"/>
+              <a:t> </a:t>
+            </a:r>
+            <a:r>
+              <a:rPr lang="en-US" dirty="0" err="1"/>
+              <a:t>dari</a:t>
+            </a:r>
+            <a:r>
+              <a:rPr lang="en-US" dirty="0"/>
+              <a:t> client1 </a:t>
+            </a:r>
+            <a:r>
+              <a:rPr lang="en-US" dirty="0" err="1"/>
+              <a:t>ke</a:t>
+            </a:r>
+            <a:r>
+              <a:rPr lang="en-US" dirty="0"/>
+              <a:t> client2, client1 </a:t>
+            </a:r>
+            <a:r>
+              <a:rPr lang="en-US" dirty="0" err="1"/>
+              <a:t>akan</a:t>
+            </a:r>
+            <a:r>
+              <a:rPr lang="en-US" dirty="0"/>
+              <a:t> </a:t>
+            </a:r>
+            <a:r>
+              <a:rPr lang="en-US" dirty="0" err="1"/>
+              <a:t>mengenkripsi</a:t>
+            </a:r>
+            <a:r>
+              <a:rPr lang="en-US" dirty="0"/>
+              <a:t> recipient </a:t>
+            </a:r>
+            <a:r>
+              <a:rPr lang="en-US" dirty="0" err="1"/>
+              <a:t>dengan</a:t>
+            </a:r>
+            <a:r>
+              <a:rPr lang="en-US" dirty="0"/>
+              <a:t> </a:t>
+            </a:r>
+            <a:r>
+              <a:rPr lang="en-US" dirty="0" err="1"/>
+              <a:t>kunci</a:t>
+            </a:r>
+            <a:r>
+              <a:rPr lang="en-US" dirty="0"/>
+              <a:t> server. client1 </a:t>
+            </a:r>
+            <a:r>
+              <a:rPr lang="en-US" dirty="0" err="1"/>
+              <a:t>juga</a:t>
+            </a:r>
+            <a:r>
+              <a:rPr lang="en-US" dirty="0"/>
+              <a:t> </a:t>
+            </a:r>
+            <a:r>
+              <a:rPr lang="en-US" dirty="0" err="1"/>
+              <a:t>akan</a:t>
+            </a:r>
+            <a:r>
+              <a:rPr lang="en-US" dirty="0"/>
+              <a:t> </a:t>
+            </a:r>
+            <a:r>
+              <a:rPr lang="en-US" dirty="0" err="1"/>
+              <a:t>mengenkripsi</a:t>
+            </a:r>
+            <a:r>
+              <a:rPr lang="en-US" dirty="0"/>
+              <a:t> </a:t>
+            </a:r>
+            <a:r>
+              <a:rPr lang="en-US" dirty="0" err="1"/>
+              <a:t>pesan</a:t>
+            </a:r>
+            <a:r>
+              <a:rPr lang="en-US" dirty="0"/>
+              <a:t> </a:t>
+            </a:r>
+            <a:r>
+              <a:rPr lang="en-US" dirty="0" err="1"/>
+              <a:t>dengan</a:t>
+            </a:r>
+            <a:r>
+              <a:rPr lang="en-US" dirty="0"/>
+              <a:t> </a:t>
+            </a:r>
+            <a:r>
+              <a:rPr lang="en-US" dirty="0" err="1"/>
+              <a:t>kunci</a:t>
+            </a:r>
+            <a:r>
+              <a:rPr lang="en-US" dirty="0"/>
+              <a:t> client2. </a:t>
+            </a:r>
+            <a:r>
+              <a:rPr lang="en-US" dirty="0" err="1"/>
+              <a:t>Lalu</a:t>
+            </a:r>
+            <a:r>
+              <a:rPr lang="en-US" dirty="0"/>
+              <a:t> </a:t>
+            </a:r>
+            <a:r>
+              <a:rPr lang="en-US" dirty="0" err="1"/>
+              <a:t>setelah</a:t>
+            </a:r>
+            <a:r>
+              <a:rPr lang="en-US" dirty="0"/>
+              <a:t> client1 </a:t>
+            </a:r>
+            <a:r>
+              <a:rPr lang="en-US" dirty="0" err="1"/>
+              <a:t>mengirim</a:t>
+            </a:r>
+            <a:r>
+              <a:rPr lang="en-US" dirty="0"/>
+              <a:t> </a:t>
+            </a:r>
+            <a:r>
+              <a:rPr lang="en-US" dirty="0" err="1"/>
+              <a:t>pesan</a:t>
+            </a:r>
+            <a:r>
+              <a:rPr lang="en-US" dirty="0"/>
+              <a:t> </a:t>
+            </a:r>
+            <a:r>
+              <a:rPr lang="en-US" dirty="0" err="1"/>
+              <a:t>melalui</a:t>
+            </a:r>
+            <a:r>
+              <a:rPr lang="en-US" dirty="0"/>
+              <a:t> server, server </a:t>
+            </a:r>
+            <a:r>
+              <a:rPr lang="en-US" dirty="0" err="1"/>
+              <a:t>hanya</a:t>
+            </a:r>
+            <a:r>
+              <a:rPr lang="en-US" dirty="0"/>
+              <a:t> </a:t>
+            </a:r>
+            <a:r>
+              <a:rPr lang="en-US" dirty="0" err="1"/>
+              <a:t>bisa</a:t>
+            </a:r>
+            <a:r>
+              <a:rPr lang="en-US" dirty="0"/>
+              <a:t> </a:t>
+            </a:r>
+            <a:r>
+              <a:rPr lang="en-US" dirty="0" err="1" smtClean="0"/>
+              <a:t>mendekripsi</a:t>
+            </a:r>
+            <a:r>
+              <a:rPr lang="en-US" dirty="0" smtClean="0"/>
+              <a:t> </a:t>
+            </a:r>
+            <a:r>
+              <a:rPr lang="en-US" dirty="0"/>
+              <a:t>recipient </a:t>
+            </a:r>
+            <a:r>
+              <a:rPr lang="en-US" dirty="0" err="1"/>
+              <a:t>pengiriman</a:t>
+            </a:r>
+            <a:r>
+              <a:rPr lang="en-US" dirty="0"/>
+              <a:t> </a:t>
+            </a:r>
+            <a:r>
+              <a:rPr lang="en-US" dirty="0" err="1"/>
+              <a:t>pesan</a:t>
+            </a:r>
+            <a:r>
+              <a:rPr lang="en-US" dirty="0"/>
+              <a:t> </a:t>
+            </a:r>
+            <a:r>
+              <a:rPr lang="en-US" dirty="0" err="1"/>
+              <a:t>saja</a:t>
+            </a:r>
+            <a:r>
+              <a:rPr lang="en-US" dirty="0"/>
+              <a:t> </a:t>
+            </a:r>
+            <a:r>
+              <a:rPr lang="en-US" dirty="0" err="1"/>
+              <a:t>tanpa</a:t>
+            </a:r>
+            <a:r>
+              <a:rPr lang="en-US" dirty="0"/>
+              <a:t> </a:t>
+            </a:r>
+            <a:r>
+              <a:rPr lang="en-US" dirty="0" err="1"/>
+              <a:t>bisa</a:t>
+            </a:r>
+            <a:r>
+              <a:rPr lang="en-US" dirty="0"/>
+              <a:t> </a:t>
+            </a:r>
+            <a:r>
+              <a:rPr lang="en-US" dirty="0" err="1"/>
+              <a:t>mengenkripsi</a:t>
+            </a:r>
+            <a:r>
+              <a:rPr lang="en-US" dirty="0"/>
+              <a:t> </a:t>
+            </a:r>
+            <a:r>
+              <a:rPr lang="en-US" dirty="0" err="1"/>
+              <a:t>pesan</a:t>
+            </a:r>
+            <a:r>
+              <a:rPr lang="en-US" dirty="0"/>
+              <a:t>. Server </a:t>
+            </a:r>
+            <a:r>
+              <a:rPr lang="en-US" dirty="0" err="1"/>
+              <a:t>akan</a:t>
+            </a:r>
+            <a:r>
+              <a:rPr lang="en-US" dirty="0"/>
+              <a:t> </a:t>
+            </a:r>
+            <a:r>
+              <a:rPr lang="en-US" dirty="0" err="1"/>
+              <a:t>mengenkripsi</a:t>
+            </a:r>
+            <a:r>
+              <a:rPr lang="en-US" dirty="0"/>
+              <a:t> sender </a:t>
+            </a:r>
+            <a:r>
+              <a:rPr lang="en-US" dirty="0" err="1"/>
+              <a:t>dengen</a:t>
+            </a:r>
+            <a:r>
+              <a:rPr lang="en-US" dirty="0"/>
+              <a:t> </a:t>
+            </a:r>
+            <a:r>
+              <a:rPr lang="en-US" dirty="0" err="1"/>
+              <a:t>kunci</a:t>
+            </a:r>
+            <a:r>
+              <a:rPr lang="en-US" dirty="0"/>
+              <a:t> client2 </a:t>
+            </a:r>
+            <a:r>
+              <a:rPr lang="en-US" dirty="0" err="1"/>
+              <a:t>dan</a:t>
+            </a:r>
+            <a:r>
+              <a:rPr lang="en-US" dirty="0"/>
+              <a:t> </a:t>
+            </a:r>
+            <a:r>
+              <a:rPr lang="en-US" dirty="0" err="1"/>
+              <a:t>mengirimkan</a:t>
+            </a:r>
+            <a:r>
+              <a:rPr lang="en-US" dirty="0"/>
+              <a:t> </a:t>
+            </a:r>
+            <a:r>
+              <a:rPr lang="en-US" dirty="0" err="1"/>
+              <a:t>ke</a:t>
+            </a:r>
+            <a:r>
+              <a:rPr lang="en-US" dirty="0"/>
+              <a:t> client2. </a:t>
+            </a:r>
+            <a:r>
+              <a:rPr lang="en-US" dirty="0" err="1"/>
+              <a:t>Akhirnya</a:t>
+            </a:r>
+            <a:r>
+              <a:rPr lang="en-US" dirty="0"/>
+              <a:t> client2 </a:t>
+            </a:r>
+            <a:r>
+              <a:rPr lang="en-US" dirty="0" err="1"/>
+              <a:t>akan</a:t>
+            </a:r>
+            <a:r>
+              <a:rPr lang="en-US" dirty="0"/>
+              <a:t> </a:t>
+            </a:r>
+            <a:r>
+              <a:rPr lang="en-US" dirty="0" err="1"/>
+              <a:t>mengenkripsi</a:t>
+            </a:r>
+            <a:r>
+              <a:rPr lang="en-US" dirty="0"/>
+              <a:t> sender </a:t>
+            </a:r>
+            <a:r>
+              <a:rPr lang="en-US" dirty="0" err="1"/>
+              <a:t>dengan</a:t>
+            </a:r>
+            <a:r>
+              <a:rPr lang="en-US" dirty="0"/>
+              <a:t> </a:t>
+            </a:r>
+            <a:r>
+              <a:rPr lang="en-US" dirty="0" err="1"/>
+              <a:t>kunci</a:t>
+            </a:r>
+            <a:r>
+              <a:rPr lang="en-US" dirty="0"/>
+              <a:t> server </a:t>
+            </a:r>
+            <a:r>
+              <a:rPr lang="en-US" dirty="0" err="1"/>
+              <a:t>dan</a:t>
+            </a:r>
+            <a:r>
+              <a:rPr lang="en-US" dirty="0"/>
+              <a:t> </a:t>
+            </a:r>
+            <a:r>
+              <a:rPr lang="en-US" dirty="0" err="1"/>
+              <a:t>mengenkripsi</a:t>
+            </a:r>
+            <a:r>
+              <a:rPr lang="en-US" dirty="0"/>
+              <a:t> </a:t>
+            </a:r>
+            <a:r>
+              <a:rPr lang="en-US" dirty="0" err="1"/>
+              <a:t>pesan</a:t>
+            </a:r>
+            <a:r>
+              <a:rPr lang="en-US" dirty="0"/>
+              <a:t> </a:t>
+            </a:r>
+            <a:r>
+              <a:rPr lang="en-US" dirty="0" err="1"/>
+              <a:t>dengan</a:t>
+            </a:r>
+            <a:r>
+              <a:rPr lang="en-US" dirty="0"/>
+              <a:t> </a:t>
+            </a:r>
+            <a:r>
+              <a:rPr lang="en-US" dirty="0" err="1"/>
+              <a:t>kunci</a:t>
+            </a:r>
+            <a:r>
+              <a:rPr lang="en-US" dirty="0"/>
+              <a:t> client1.</a:t>
+            </a:r>
+          </a:p>
+        </p:txBody>
+      </p:sp>
+    </p:spTree>
+    <p:extLst>
+      <p:ext uri="{BB962C8B-B14F-4D97-AF65-F5344CB8AC3E}">
+        <p14:creationId xmlns:p14="http://schemas.microsoft.com/office/powerpoint/2010/main" val="2993588404"/>
+      </p:ext>
+    </p:extLst>
+  </p:cSld>
+  <p:clrMapOvr>
+    <a:masterClrMapping/>
+  </p:clrMapOvr>
+  <p:transition>
+    <p:fade/>
+  </p:transition>
+  <p:timing>
+    <p:tnLst>
+      <p:par>
+        <p:cTn id="1" dur="indefinite" restart="never" nodeType="tmRoot"/>
+      </p:par>
+    </p:tnLst>
+  </p:timing>
+</p:sld>
+</file>
+
+<file path=ppt/slides/slide7.xml><?xml version="1.0" encoding="utf-8"?>
+<p:sld xmlns:a="http://schemas.openxmlformats.org/drawingml/2006/main" xmlns:r="http://schemas.openxmlformats.org/officeDocument/2006/relationships" xmlns:p="http://schemas.openxmlformats.org/presentationml/2006/main">
+  <p:cSld>
+    <p:spTree>
+      <p:nvGrpSpPr>
+        <p:cNvPr id="1" name=""/>
+        <p:cNvGrpSpPr/>
+        <p:nvPr/>
+      </p:nvGrpSpPr>
+      <p:grpSpPr>
+        <a:xfrm>
+          <a:off x="0" y="0"/>
+          <a:ext cx="0" cy="0"/>
+          <a:chOff x="0" y="0"/>
+          <a:chExt cx="0" cy="0"/>
+        </a:xfrm>
+      </p:grpSpPr>
+      <p:sp>
+        <p:nvSpPr>
+          <p:cNvPr id="2" name="Title 1"/>
+          <p:cNvSpPr>
+            <a:spLocks noGrp="1"/>
+          </p:cNvSpPr>
+          <p:nvPr>
+            <p:ph type="title"/>
+          </p:nvPr>
+        </p:nvSpPr>
+        <p:spPr/>
+        <p:txBody>
+          <a:bodyPr/>
+          <a:lstStyle/>
+          <a:p>
+            <a:r>
+              <a:rPr lang="en-US" dirty="0" err="1"/>
+              <a:t>Penjelasan</a:t>
+            </a:r>
+            <a:r>
+              <a:rPr lang="en-US" dirty="0"/>
+              <a:t/>
+            </a:r>
+            <a:br>
+              <a:rPr lang="en-US" dirty="0"/>
+            </a:br>
+            <a:r>
+              <a:rPr lang="en-US" sz="2000" dirty="0"/>
+              <a:t>ENCRYPT</a:t>
             </a:r>
             <a:endParaRPr lang="en-US" dirty="0"/>
           </a:p>
@@ -13307,18 +15926,9 @@
   <p:clrMapOvr>
     <a:masterClrMapping/>
   </p:clrMapOvr>
-  <mc:AlternateContent xmlns:mc="http://schemas.openxmlformats.org/markup-compatibility/2006">
-    <mc:Choice xmlns:p14="http://schemas.microsoft.com/office/powerpoint/2010/main" Requires="p14">
-      <p:transition spd="slow" p14:dur="2500">
-        <p:checker/>
-      </p:transition>
-    </mc:Choice>
-    <mc:Fallback>
-      <p:transition spd="slow">
-        <p:checker/>
-      </p:transition>
-    </mc:Fallback>
-  </mc:AlternateContent>
+  <p:transition>
+    <p:fade/>
+  </p:transition>
   <p:timing>
     <p:tnLst>
       <p:par>
@@ -13329,7 +15939,7 @@
 </p:sld>
 </file>
 
-<file path=ppt/slides/slide5.xml><?xml version="1.0" encoding="utf-8"?>
+<file path=ppt/slides/slide8.xml><?xml version="1.0" encoding="utf-8"?>
 <p:sld xmlns:a="http://schemas.openxmlformats.org/drawingml/2006/main" xmlns:r="http://schemas.openxmlformats.org/officeDocument/2006/relationships" xmlns:p="http://schemas.openxmlformats.org/presentationml/2006/main">
   <p:cSld>
     <p:spTree>
@@ -13363,339 +15973,6 @@
           <a:p>
             <a:r>
               <a:rPr lang="en-US" dirty="0" err="1" smtClean="0"/>
-              <a:t>Mekanisme</a:t>
-            </a:r>
-            <a:r>
-              <a:rPr lang="en-US" dirty="0" smtClean="0"/>
-              <a:t> (2)</a:t>
-            </a:r>
-            <a:endParaRPr lang="en-US" dirty="0"/>
-          </a:p>
-        </p:txBody>
-      </p:sp>
-      <p:sp>
-        <p:nvSpPr>
-          <p:cNvPr id="3" name="Content Placeholder 2"/>
-          <p:cNvSpPr>
-            <a:spLocks noGrp="1"/>
-          </p:cNvSpPr>
-          <p:nvPr>
-            <p:ph idx="1"/>
-          </p:nvPr>
-        </p:nvSpPr>
-        <p:spPr/>
-        <p:txBody>
-          <a:bodyPr>
-            <a:normAutofit lnSpcReduction="10000"/>
-          </a:bodyPr>
-          <a:lstStyle/>
-          <a:p>
-            <a:r>
-              <a:rPr lang="en-US" dirty="0" smtClean="0"/>
-              <a:t>Key </a:t>
-            </a:r>
-            <a:r>
-              <a:rPr lang="en-US" dirty="0" err="1" smtClean="0"/>
-              <a:t>disimpan</a:t>
-            </a:r>
-            <a:r>
-              <a:rPr lang="en-US" dirty="0" smtClean="0"/>
-              <a:t> di </a:t>
-            </a:r>
-            <a:r>
-              <a:rPr lang="en-US" dirty="0" err="1" smtClean="0"/>
-              <a:t>aplikasi</a:t>
-            </a:r>
-            <a:endParaRPr lang="en-US" dirty="0" smtClean="0"/>
-          </a:p>
-          <a:p>
-            <a:r>
-              <a:rPr lang="en-US" dirty="0" err="1" smtClean="0"/>
-              <a:t>Pesan</a:t>
-            </a:r>
-            <a:r>
-              <a:rPr lang="en-US" dirty="0" smtClean="0"/>
-              <a:t> di </a:t>
-            </a:r>
-            <a:r>
-              <a:rPr lang="en-US" dirty="0" err="1" smtClean="0"/>
-              <a:t>enkripsi</a:t>
-            </a:r>
-            <a:endParaRPr lang="en-US" dirty="0" smtClean="0"/>
-          </a:p>
-          <a:p>
-            <a:r>
-              <a:rPr lang="en-US" dirty="0" err="1" smtClean="0"/>
-              <a:t>Alamat</a:t>
-            </a:r>
-            <a:r>
-              <a:rPr lang="en-US" dirty="0" smtClean="0"/>
-              <a:t> </a:t>
-            </a:r>
-            <a:r>
-              <a:rPr lang="en-US" dirty="0" err="1" smtClean="0"/>
-              <a:t>pengirim</a:t>
-            </a:r>
-            <a:r>
-              <a:rPr lang="en-US" dirty="0" smtClean="0"/>
-              <a:t> </a:t>
-            </a:r>
-            <a:r>
-              <a:rPr lang="en-US" dirty="0" err="1" smtClean="0"/>
-              <a:t>pesan</a:t>
-            </a:r>
-            <a:r>
-              <a:rPr lang="en-US" dirty="0" smtClean="0"/>
-              <a:t> di </a:t>
-            </a:r>
-            <a:r>
-              <a:rPr lang="en-US" dirty="0" err="1" smtClean="0"/>
-              <a:t>enkripsi</a:t>
-            </a:r>
-            <a:endParaRPr lang="en-US" dirty="0" smtClean="0"/>
-          </a:p>
-          <a:p>
-            <a:r>
-              <a:rPr lang="en-US" dirty="0" err="1" smtClean="0"/>
-              <a:t>Pesan</a:t>
-            </a:r>
-            <a:r>
-              <a:rPr lang="en-US" dirty="0" smtClean="0"/>
-              <a:t> </a:t>
-            </a:r>
-            <a:r>
-              <a:rPr lang="en-US" dirty="0" err="1" smtClean="0"/>
-              <a:t>dan</a:t>
-            </a:r>
-            <a:r>
-              <a:rPr lang="en-US" dirty="0" smtClean="0"/>
-              <a:t> </a:t>
-            </a:r>
-            <a:r>
-              <a:rPr lang="en-US" dirty="0" err="1" smtClean="0"/>
-              <a:t>Alamat</a:t>
-            </a:r>
-            <a:r>
-              <a:rPr lang="en-US" dirty="0" smtClean="0"/>
-              <a:t> </a:t>
-            </a:r>
-            <a:r>
-              <a:rPr lang="en-US" dirty="0" err="1" smtClean="0"/>
-              <a:t>pengirim</a:t>
-            </a:r>
-            <a:r>
-              <a:rPr lang="en-US" dirty="0" smtClean="0"/>
-              <a:t> yang </a:t>
-            </a:r>
-            <a:r>
-              <a:rPr lang="en-US" dirty="0" err="1" smtClean="0"/>
-              <a:t>sudah</a:t>
-            </a:r>
-            <a:r>
-              <a:rPr lang="en-US" dirty="0" smtClean="0"/>
-              <a:t> di </a:t>
-            </a:r>
-            <a:r>
-              <a:rPr lang="en-US" dirty="0" err="1" smtClean="0"/>
-              <a:t>enkripsi</a:t>
-            </a:r>
-            <a:r>
-              <a:rPr lang="en-US" dirty="0" smtClean="0"/>
-              <a:t> </a:t>
-            </a:r>
-            <a:r>
-              <a:rPr lang="en-US" dirty="0" err="1" smtClean="0"/>
-              <a:t>dikirimkan</a:t>
-            </a:r>
-            <a:r>
-              <a:rPr lang="en-US" dirty="0" smtClean="0"/>
-              <a:t> </a:t>
-            </a:r>
-            <a:r>
-              <a:rPr lang="en-US" dirty="0" err="1" smtClean="0"/>
-              <a:t>ke</a:t>
-            </a:r>
-            <a:r>
-              <a:rPr lang="en-US" dirty="0" smtClean="0"/>
-              <a:t> </a:t>
-            </a:r>
-            <a:r>
-              <a:rPr lang="en-US" dirty="0" err="1" smtClean="0"/>
-              <a:t>penerima</a:t>
-            </a:r>
-            <a:r>
-              <a:rPr lang="en-US" dirty="0" smtClean="0"/>
-              <a:t> </a:t>
-            </a:r>
-            <a:r>
-              <a:rPr lang="en-US" dirty="0" err="1" smtClean="0"/>
-              <a:t>bersama</a:t>
-            </a:r>
-            <a:r>
-              <a:rPr lang="en-US" dirty="0" smtClean="0"/>
-              <a:t> key </a:t>
-            </a:r>
-            <a:r>
-              <a:rPr lang="en-US" dirty="0" err="1" smtClean="0"/>
-              <a:t>nya</a:t>
-            </a:r>
-            <a:endParaRPr lang="en-US" dirty="0" smtClean="0"/>
-          </a:p>
-          <a:p>
-            <a:r>
-              <a:rPr lang="en-US" dirty="0" err="1" smtClean="0"/>
-              <a:t>Dekripsi</a:t>
-            </a:r>
-            <a:r>
-              <a:rPr lang="en-US" dirty="0" smtClean="0"/>
-              <a:t> </a:t>
-            </a:r>
-            <a:r>
-              <a:rPr lang="en-US" dirty="0" err="1" smtClean="0"/>
-              <a:t>pesan</a:t>
-            </a:r>
-            <a:r>
-              <a:rPr lang="en-US" dirty="0" smtClean="0"/>
-              <a:t> </a:t>
-            </a:r>
-            <a:r>
-              <a:rPr lang="en-US" dirty="0" err="1" smtClean="0"/>
-              <a:t>dan</a:t>
-            </a:r>
-            <a:r>
-              <a:rPr lang="en-US" dirty="0" smtClean="0"/>
-              <a:t> </a:t>
-            </a:r>
-            <a:r>
-              <a:rPr lang="en-US" dirty="0" err="1" smtClean="0"/>
-              <a:t>alamat</a:t>
-            </a:r>
-            <a:r>
-              <a:rPr lang="en-US" dirty="0" smtClean="0"/>
-              <a:t> </a:t>
-            </a:r>
-            <a:r>
-              <a:rPr lang="en-US" dirty="0" err="1" smtClean="0"/>
-              <a:t>pengirim</a:t>
-            </a:r>
-            <a:r>
-              <a:rPr lang="en-US" dirty="0" smtClean="0"/>
-              <a:t> </a:t>
-            </a:r>
-            <a:r>
-              <a:rPr lang="en-US" dirty="0" err="1" smtClean="0"/>
-              <a:t>pesan</a:t>
-            </a:r>
-            <a:r>
-              <a:rPr lang="en-US" dirty="0" smtClean="0"/>
-              <a:t> </a:t>
-            </a:r>
-            <a:r>
-              <a:rPr lang="en-US" dirty="0" err="1" smtClean="0"/>
-              <a:t>oleh</a:t>
-            </a:r>
-            <a:r>
-              <a:rPr lang="en-US" dirty="0" smtClean="0"/>
-              <a:t> </a:t>
-            </a:r>
-            <a:r>
-              <a:rPr lang="en-US" dirty="0" err="1" smtClean="0"/>
-              <a:t>penerima</a:t>
-            </a:r>
-            <a:r>
-              <a:rPr lang="en-US" dirty="0" smtClean="0"/>
-              <a:t> </a:t>
-            </a:r>
-            <a:r>
-              <a:rPr lang="en-US" dirty="0" err="1" smtClean="0"/>
-              <a:t>pesan</a:t>
-            </a:r>
-            <a:r>
-              <a:rPr lang="en-US" dirty="0" smtClean="0"/>
-              <a:t> </a:t>
-            </a:r>
-            <a:r>
-              <a:rPr lang="en-US" dirty="0" err="1" smtClean="0"/>
-              <a:t>menggunakan</a:t>
-            </a:r>
-            <a:r>
-              <a:rPr lang="en-US" dirty="0" smtClean="0"/>
-              <a:t> key yang </a:t>
-            </a:r>
-            <a:r>
-              <a:rPr lang="en-US" dirty="0" err="1" smtClean="0"/>
-              <a:t>diterimanya</a:t>
-            </a:r>
-            <a:endParaRPr lang="en-US" dirty="0"/>
-          </a:p>
-        </p:txBody>
-      </p:sp>
-    </p:spTree>
-    <p:extLst>
-      <p:ext uri="{BB962C8B-B14F-4D97-AF65-F5344CB8AC3E}">
-        <p14:creationId xmlns:p14="http://schemas.microsoft.com/office/powerpoint/2010/main" val="3410099809"/>
-      </p:ext>
-    </p:extLst>
-  </p:cSld>
-  <p:clrMapOvr>
-    <a:masterClrMapping/>
-  </p:clrMapOvr>
-  <mc:AlternateContent xmlns:mc="http://schemas.openxmlformats.org/markup-compatibility/2006">
-    <mc:Choice xmlns:p14="http://schemas.microsoft.com/office/powerpoint/2010/main" Requires="p14">
-      <p:transition spd="slow" p14:dur="2500">
-        <p:checker/>
-      </p:transition>
-    </mc:Choice>
-    <mc:Fallback>
-      <p:transition spd="slow">
-        <p:checker/>
-      </p:transition>
-    </mc:Fallback>
-  </mc:AlternateContent>
-  <p:timing>
-    <p:tnLst>
-      <p:par>
-        <p:cTn id="1" dur="indefinite" restart="never" nodeType="tmRoot"/>
-      </p:par>
-    </p:tnLst>
-  </p:timing>
-</p:sld>
-</file>
-
-<file path=ppt/slides/slide6.xml><?xml version="1.0" encoding="utf-8"?>
-<p:sld xmlns:a="http://schemas.openxmlformats.org/drawingml/2006/main" xmlns:r="http://schemas.openxmlformats.org/officeDocument/2006/relationships" xmlns:p="http://schemas.openxmlformats.org/presentationml/2006/main">
-  <p:cSld>
-    <p:spTree>
-      <p:nvGrpSpPr>
-        <p:cNvPr id="1" name=""/>
-        <p:cNvGrpSpPr/>
-        <p:nvPr/>
-      </p:nvGrpSpPr>
-      <p:grpSpPr>
-        <a:xfrm>
-          <a:off x="0" y="0"/>
-          <a:ext cx="0" cy="0"/>
-          <a:chOff x="0" y="0"/>
-          <a:chExt cx="0" cy="0"/>
-        </a:xfrm>
-      </p:grpSpPr>
-      <p:sp>
-        <p:nvSpPr>
-          <p:cNvPr id="2" name="Title 1"/>
-          <p:cNvSpPr>
-            <a:spLocks noGrp="1"/>
-          </p:cNvSpPr>
-          <p:nvPr>
-            <p:ph type="title"/>
-          </p:nvPr>
-        </p:nvSpPr>
-        <p:spPr/>
-        <p:txBody>
-          <a:bodyPr/>
-          <a:lstStyle/>
-          <a:p>
-            <a:r>
-              <a:rPr lang="en-US" dirty="0" err="1" smtClean="0"/>
               <a:t>Kesimpulan</a:t>
             </a:r>
             <a:endParaRPr lang="en-US" dirty="0"/>
@@ -13729,27 +16006,27 @@
               <a:t> </a:t>
             </a:r>
             <a:r>
-              <a:rPr lang="en-US" dirty="0" err="1"/>
-              <a:t>memadukansifat-sifat</a:t>
-            </a:r>
-            <a:r>
-              <a:rPr lang="en-US" dirty="0"/>
-              <a:t> </a:t>
-            </a:r>
-            <a:r>
-              <a:rPr lang="en-US" dirty="0" err="1"/>
-              <a:t>dari</a:t>
-            </a:r>
-            <a:r>
-              <a:rPr lang="en-US" dirty="0"/>
-              <a:t> </a:t>
-            </a:r>
-            <a:r>
-              <a:rPr lang="en-US" dirty="0" err="1"/>
+              <a:rPr lang="en-US" dirty="0" err="1" smtClean="0"/>
+              <a:t>memadukan</a:t>
+            </a:r>
+            <a:r>
+              <a:rPr lang="en-US" dirty="0" smtClean="0"/>
+              <a:t> </a:t>
+            </a:r>
+            <a:r>
+              <a:rPr lang="en-US" dirty="0" err="1" smtClean="0"/>
+              <a:t>sifat-sifat</a:t>
+            </a:r>
+            <a:r>
+              <a:rPr lang="en-US" dirty="0" smtClean="0"/>
+              <a:t> </a:t>
+            </a:r>
+            <a:r>
+              <a:rPr lang="en-US" dirty="0" err="1" smtClean="0"/>
               <a:t>algoritma</a:t>
             </a:r>
             <a:r>
-              <a:rPr lang="en-US" dirty="0"/>
+              <a:rPr lang="en-US" dirty="0" smtClean="0"/>
               <a:t> </a:t>
             </a:r>
             <a:r>
@@ -13826,18 +16103,10 @@
             </a:r>
             <a:r>
               <a:rPr lang="en-US" dirty="0" err="1" smtClean="0"/>
-              <a:t>menjadi</a:t>
+              <a:t>memiliki</a:t>
             </a:r>
             <a:r>
               <a:rPr lang="en-US" dirty="0" smtClean="0"/>
-              <a:t> </a:t>
-            </a:r>
-            <a:r>
-              <a:rPr lang="en-US" dirty="0" err="1"/>
-              <a:t>meliki</a:t>
-            </a:r>
-            <a:r>
-              <a:rPr lang="en-US" dirty="0"/>
               <a:t> </a:t>
             </a:r>
             <a:r>
@@ -13945,14 +16214,6 @@
               <a:t> </a:t>
             </a:r>
             <a:r>
-              <a:rPr lang="en-US" dirty="0" err="1"/>
-              <a:t>untuk</a:t>
-            </a:r>
-            <a:r>
-              <a:rPr lang="en-US" dirty="0"/>
-              <a:t> </a:t>
-            </a:r>
-            <a:r>
               <a:rPr lang="en-US" dirty="0" err="1" smtClean="0"/>
               <a:t>menjaga</a:t>
             </a:r>
@@ -13969,19 +16230,11 @@
               <a:t> </a:t>
             </a:r>
             <a:r>
-              <a:rPr lang="en-US" dirty="0" err="1"/>
-              <a:t>dalam</a:t>
-            </a:r>
-            <a:r>
-              <a:rPr lang="en-US" dirty="0"/>
-              <a:t> </a:t>
-            </a:r>
-            <a:r>
-              <a:rPr lang="en-US" dirty="0" err="1"/>
+              <a:rPr lang="en-US" dirty="0" err="1" smtClean="0"/>
               <a:t>berkirim</a:t>
             </a:r>
             <a:r>
-              <a:rPr lang="en-US" dirty="0"/>
+              <a:rPr lang="en-US" dirty="0" smtClean="0"/>
               <a:t> </a:t>
             </a:r>
             <a:r>
@@ -14001,8 +16254,225 @@
               <a:t> </a:t>
             </a:r>
             <a:r>
-              <a:rPr lang="en-US" dirty="0" err="1"/>
+              <a:rPr lang="en-US" dirty="0" err="1" smtClean="0"/>
               <a:t>baik</a:t>
+            </a:r>
+            <a:r>
+              <a:rPr lang="en-US" dirty="0" smtClean="0"/>
+              <a:t>.</a:t>
+            </a:r>
+          </a:p>
+          <a:p>
+            <a:pPr marL="0" indent="0">
+              <a:buNone/>
+            </a:pPr>
+            <a:r>
+              <a:rPr lang="en-US" dirty="0" err="1" smtClean="0"/>
+              <a:t>Selain</a:t>
+            </a:r>
+            <a:r>
+              <a:rPr lang="en-US" dirty="0" smtClean="0"/>
+              <a:t> </a:t>
+            </a:r>
+            <a:r>
+              <a:rPr lang="en-US" dirty="0" err="1" smtClean="0"/>
+              <a:t>enkripsi</a:t>
+            </a:r>
+            <a:r>
+              <a:rPr lang="en-US" dirty="0" smtClean="0"/>
+              <a:t>, </a:t>
+            </a:r>
+            <a:r>
+              <a:rPr lang="en-US" dirty="0" err="1" smtClean="0"/>
+              <a:t>metode</a:t>
+            </a:r>
+            <a:r>
+              <a:rPr lang="en-US" dirty="0" smtClean="0"/>
+              <a:t> </a:t>
+            </a:r>
+            <a:r>
+              <a:rPr lang="en-US" dirty="0" err="1" smtClean="0"/>
+              <a:t>pertukaran</a:t>
+            </a:r>
+            <a:r>
+              <a:rPr lang="en-US" dirty="0" smtClean="0"/>
+              <a:t> key </a:t>
+            </a:r>
+            <a:r>
+              <a:rPr lang="en-US" dirty="0" err="1" smtClean="0"/>
+              <a:t>juga</a:t>
+            </a:r>
+            <a:r>
+              <a:rPr lang="en-US" dirty="0" smtClean="0"/>
+              <a:t> </a:t>
+            </a:r>
+            <a:r>
+              <a:rPr lang="en-US" dirty="0" err="1" smtClean="0"/>
+              <a:t>perlu</a:t>
+            </a:r>
+            <a:r>
+              <a:rPr lang="en-US" dirty="0" smtClean="0"/>
+              <a:t> </a:t>
+            </a:r>
+            <a:r>
+              <a:rPr lang="en-US" dirty="0" err="1" smtClean="0"/>
+              <a:t>diperhatikan</a:t>
+            </a:r>
+            <a:r>
+              <a:rPr lang="en-US" dirty="0" smtClean="0"/>
+              <a:t>. </a:t>
+            </a:r>
+            <a:r>
+              <a:rPr lang="en-US" dirty="0" err="1" smtClean="0"/>
+              <a:t>Sebab</a:t>
+            </a:r>
+            <a:r>
+              <a:rPr lang="en-US" dirty="0" smtClean="0"/>
+              <a:t> </a:t>
+            </a:r>
+            <a:r>
+              <a:rPr lang="en-US" dirty="0" err="1" smtClean="0"/>
+              <a:t>jika</a:t>
+            </a:r>
+            <a:r>
+              <a:rPr lang="en-US" dirty="0" smtClean="0"/>
+              <a:t> key </a:t>
+            </a:r>
+            <a:r>
+              <a:rPr lang="en-US" dirty="0" err="1" smtClean="0"/>
+              <a:t>dikirim</a:t>
+            </a:r>
+            <a:r>
+              <a:rPr lang="en-US" dirty="0" smtClean="0"/>
+              <a:t> </a:t>
+            </a:r>
+            <a:r>
+              <a:rPr lang="en-US" dirty="0" err="1" smtClean="0"/>
+              <a:t>secara</a:t>
+            </a:r>
+            <a:r>
+              <a:rPr lang="en-US" dirty="0" smtClean="0"/>
+              <a:t> </a:t>
+            </a:r>
+            <a:r>
+              <a:rPr lang="en-US" dirty="0" err="1" smtClean="0"/>
+              <a:t>utuh</a:t>
+            </a:r>
+            <a:r>
+              <a:rPr lang="en-US" dirty="0" smtClean="0"/>
+              <a:t> </a:t>
+            </a:r>
+            <a:r>
+              <a:rPr lang="en-US" dirty="0" err="1" smtClean="0"/>
+              <a:t>lewat</a:t>
+            </a:r>
+            <a:r>
+              <a:rPr lang="en-US" dirty="0" smtClean="0"/>
+              <a:t> </a:t>
+            </a:r>
+            <a:r>
+              <a:rPr lang="en-US" dirty="0" err="1" smtClean="0"/>
+              <a:t>jaringan</a:t>
+            </a:r>
+            <a:r>
+              <a:rPr lang="en-US" dirty="0" smtClean="0"/>
+              <a:t>, key </a:t>
+            </a:r>
+            <a:r>
+              <a:rPr lang="en-US" dirty="0" err="1" smtClean="0"/>
+              <a:t>akan</a:t>
+            </a:r>
+            <a:r>
+              <a:rPr lang="en-US" dirty="0" smtClean="0"/>
+              <a:t> </a:t>
+            </a:r>
+            <a:r>
+              <a:rPr lang="en-US" dirty="0" err="1" smtClean="0"/>
+              <a:t>dapat</a:t>
+            </a:r>
+            <a:r>
+              <a:rPr lang="en-US" dirty="0" smtClean="0"/>
+              <a:t> </a:t>
+            </a:r>
+            <a:r>
+              <a:rPr lang="en-US" dirty="0" err="1" smtClean="0"/>
+              <a:t>dibaca</a:t>
+            </a:r>
+            <a:r>
+              <a:rPr lang="en-US" dirty="0" smtClean="0"/>
+              <a:t> </a:t>
+            </a:r>
+            <a:r>
+              <a:rPr lang="en-US" dirty="0" err="1" smtClean="0"/>
+              <a:t>oleh</a:t>
+            </a:r>
+            <a:r>
+              <a:rPr lang="en-US" dirty="0" smtClean="0"/>
+              <a:t> orang yang </a:t>
+            </a:r>
+            <a:r>
+              <a:rPr lang="en-US" dirty="0" err="1" smtClean="0"/>
+              <a:t>tidak</a:t>
+            </a:r>
+            <a:r>
+              <a:rPr lang="en-US" dirty="0" smtClean="0"/>
+              <a:t> </a:t>
+            </a:r>
+            <a:r>
+              <a:rPr lang="en-US" dirty="0" err="1" smtClean="0"/>
+              <a:t>berkepentingan</a:t>
+            </a:r>
+            <a:r>
+              <a:rPr lang="en-US" dirty="0" smtClean="0"/>
+              <a:t> </a:t>
+            </a:r>
+            <a:r>
+              <a:rPr lang="en-US" dirty="0" err="1" smtClean="0"/>
+              <a:t>dan</a:t>
+            </a:r>
+            <a:r>
+              <a:rPr lang="en-US" dirty="0" smtClean="0"/>
+              <a:t> </a:t>
+            </a:r>
+            <a:r>
+              <a:rPr lang="en-US" dirty="0" err="1" smtClean="0"/>
+              <a:t>bisa</a:t>
+            </a:r>
+            <a:r>
+              <a:rPr lang="en-US" dirty="0" smtClean="0"/>
+              <a:t> </a:t>
+            </a:r>
+            <a:r>
+              <a:rPr lang="en-US" dirty="0" err="1" smtClean="0"/>
+              <a:t>digunakan</a:t>
+            </a:r>
+            <a:r>
+              <a:rPr lang="en-US" dirty="0" smtClean="0"/>
+              <a:t> </a:t>
+            </a:r>
+            <a:r>
+              <a:rPr lang="en-US" dirty="0" err="1" smtClean="0"/>
+              <a:t>untuk</a:t>
+            </a:r>
+            <a:r>
+              <a:rPr lang="en-US" dirty="0" smtClean="0"/>
+              <a:t> </a:t>
+            </a:r>
+            <a:r>
+              <a:rPr lang="en-US" dirty="0" err="1" smtClean="0"/>
+              <a:t>membaca</a:t>
+            </a:r>
+            <a:r>
+              <a:rPr lang="en-US" dirty="0" smtClean="0"/>
+              <a:t> </a:t>
+            </a:r>
+            <a:r>
+              <a:rPr lang="en-US" dirty="0" err="1" smtClean="0"/>
+              <a:t>pesan</a:t>
+            </a:r>
+            <a:r>
+              <a:rPr lang="en-US" dirty="0" smtClean="0"/>
+              <a:t>.</a:t>
             </a:r>
             <a:endParaRPr lang="en-US" dirty="0"/>
           </a:p>
@@ -14018,18 +16488,9 @@
   <p:clrMapOvr>
     <a:masterClrMapping/>
   </p:clrMapOvr>
-  <mc:AlternateContent xmlns:mc="http://schemas.openxmlformats.org/markup-compatibility/2006">
-    <mc:Choice xmlns:p14="http://schemas.microsoft.com/office/powerpoint/2010/main" Requires="p14">
-      <p:transition spd="slow" p14:dur="2500">
-        <p:checker/>
-      </p:transition>
-    </mc:Choice>
-    <mc:Fallback>
-      <p:transition spd="slow">
-        <p:checker/>
-      </p:transition>
-    </mc:Fallback>
-  </mc:AlternateContent>
+  <p:transition>
+    <p:fade/>
+  </p:transition>
   <p:timing>
     <p:tnLst>
       <p:par>
@@ -14289,4 +16750,265 @@
     </a:ext>
   </a:extLst>
 </a:theme>
+</file>
+
+<file path=ppt/theme/theme2.xml><?xml version="1.0" encoding="utf-8"?>
+<a:theme xmlns:a="http://schemas.openxmlformats.org/drawingml/2006/main" name="Office Theme">
+  <a:themeElements>
+    <a:clrScheme name="Office">
+      <a:dk1>
+        <a:sysClr val="windowText" lastClr="000000"/>
+      </a:dk1>
+      <a:lt1>
+        <a:sysClr val="window" lastClr="FFFFFF"/>
+      </a:lt1>
+      <a:dk2>
+        <a:srgbClr val="44546A"/>
+      </a:dk2>
+      <a:lt2>
+        <a:srgbClr val="E7E6E6"/>
+      </a:lt2>
+      <a:accent1>
+        <a:srgbClr val="5B9BD5"/>
+      </a:accent1>
+      <a:accent2>
+        <a:srgbClr val="ED7D31"/>
+      </a:accent2>
+      <a:accent3>
+        <a:srgbClr val="A5A5A5"/>
+      </a:accent3>
+      <a:accent4>
+        <a:srgbClr val="FFC000"/>
+      </a:accent4>
+      <a:accent5>
+        <a:srgbClr val="4472C4"/>
+      </a:accent5>
+      <a:accent6>
+        <a:srgbClr val="70AD47"/>
+      </a:accent6>
+      <a:hlink>
+        <a:srgbClr val="0563C1"/>
+      </a:hlink>
+      <a:folHlink>
+        <a:srgbClr val="954F72"/>
+      </a:folHlink>
+    </a:clrScheme>
+    <a:fontScheme name="Office">
+      <a:majorFont>
+        <a:latin typeface="Calibri Light" panose="020F0302020204030204"/>
+        <a:ea typeface=""/>
+        <a:cs typeface=""/>
+        <a:font script="Jpan" typeface="ＭＳ Ｐゴシック"/>
+        <a:font script="Hang" typeface="맑은 고딕"/>
+        <a:font script="Hans" typeface="宋体"/>
+        <a:font script="Hant" typeface="新細明體"/>
+        <a:font script="Arab" typeface="Times New Roman"/>
+        <a:font script="Hebr" typeface="Times New Roman"/>
+        <a:font script="Thai" typeface="Angsana New"/>
+        <a:font script="Ethi" typeface="Nyala"/>
+        <a:font script="Beng" typeface="Vrinda"/>
+        <a:font script="Gujr" typeface="Shruti"/>
+        <a:font script="Khmr" typeface="MoolBoran"/>
+        <a:font script="Knda" typeface="Tunga"/>
+        <a:font script="Guru" typeface="Raavi"/>
+        <a:font script="Cans" typeface="Euphemia"/>
+        <a:font script="Cher" typeface="Plantagenet Cherokee"/>
+        <a:font script="Yiii" typeface="Microsoft Yi Baiti"/>
+        <a:font script="Tibt" typeface="Microsoft Himalaya"/>
+        <a:font script="Thaa" typeface="MV Boli"/>
+        <a:font script="Deva" typeface="Mangal"/>
+        <a:font script="Telu" typeface="Gautami"/>
+        <a:font script="Taml" typeface="Latha"/>
+        <a:font script="Syrc" typeface="Estrangelo Edessa"/>
+        <a:font script="Orya" typeface="Kalinga"/>
+        <a:font script="Mlym" typeface="Kartika"/>
+        <a:font script="Laoo" typeface="DokChampa"/>
+        <a:font script="Sinh" typeface="Iskoola Pota"/>
+        <a:font script="Mong" typeface="Mongolian Baiti"/>
+        <a:font script="Viet" typeface="Times New Roman"/>
+        <a:font script="Uigh" typeface="Microsoft Uighur"/>
+        <a:font script="Geor" typeface="Sylfaen"/>
+      </a:majorFont>
+      <a:minorFont>
+        <a:latin typeface="Calibri" panose="020F0502020204030204"/>
+        <a:ea typeface=""/>
+        <a:cs typeface=""/>
+        <a:font script="Jpan" typeface="ＭＳ Ｐゴシック"/>
+        <a:font script="Hang" typeface="맑은 고딕"/>
+        <a:font script="Hans" typeface="宋体"/>
+        <a:font script="Hant" typeface="新細明體"/>
+        <a:font script="Arab" typeface="Arial"/>
+        <a:font script="Hebr" typeface="Arial"/>
+        <a:font script="Thai" typeface="Cordia New"/>
+        <a:font script="Ethi" typeface="Nyala"/>
+        <a:font script="Beng" typeface="Vrinda"/>
+        <a:font script="Gujr" typeface="Shruti"/>
+        <a:font script="Khmr" typeface="DaunPenh"/>
+        <a:font script="Knda" typeface="Tunga"/>
+        <a:font script="Guru" typeface="Raavi"/>
+        <a:font script="Cans" typeface="Euphemia"/>
+        <a:font script="Cher" typeface="Plantagenet Cherokee"/>
+        <a:font script="Yiii" typeface="Microsoft Yi Baiti"/>
+        <a:font script="Tibt" typeface="Microsoft Himalaya"/>
+        <a:font script="Thaa" typeface="MV Boli"/>
+        <a:font script="Deva" typeface="Mangal"/>
+        <a:font script="Telu" typeface="Gautami"/>
+        <a:font script="Taml" typeface="Latha"/>
+        <a:font script="Syrc" typeface="Estrangelo Edessa"/>
+        <a:font script="Orya" typeface="Kalinga"/>
+        <a:font script="Mlym" typeface="Kartika"/>
+        <a:font script="Laoo" typeface="DokChampa"/>
+        <a:font script="Sinh" typeface="Iskoola Pota"/>
+        <a:font script="Mong" typeface="Mongolian Baiti"/>
+        <a:font script="Viet" typeface="Arial"/>
+        <a:font script="Uigh" typeface="Microsoft Uighur"/>
+        <a:font script="Geor" typeface="Sylfaen"/>
+      </a:minorFont>
+    </a:fontScheme>
+    <a:fmtScheme name="Office">
+      <a:fillStyleLst>
+        <a:solidFill>
+          <a:schemeClr val="phClr"/>
+        </a:solidFill>
+        <a:gradFill rotWithShape="1">
+          <a:gsLst>
+            <a:gs pos="0">
+              <a:schemeClr val="phClr">
+                <a:lumMod val="110000"/>
+                <a:satMod val="105000"/>
+                <a:tint val="67000"/>
+              </a:schemeClr>
+            </a:gs>
+            <a:gs pos="50000">
+              <a:schemeClr val="phClr">
+                <a:lumMod val="105000"/>
+                <a:satMod val="103000"/>
+                <a:tint val="73000"/>
+              </a:schemeClr>
+            </a:gs>
+            <a:gs pos="100000">
+              <a:schemeClr val="phClr">
+                <a:lumMod val="105000"/>
+                <a:satMod val="109000"/>
+                <a:tint val="81000"/>
+              </a:schemeClr>
+            </a:gs>
+          </a:gsLst>
+          <a:lin ang="5400000" scaled="0"/>
+        </a:gradFill>
+        <a:gradFill rotWithShape="1">
+          <a:gsLst>
+            <a:gs pos="0">
+              <a:schemeClr val="phClr">
+                <a:satMod val="103000"/>
+                <a:lumMod val="102000"/>
+                <a:tint val="94000"/>
+              </a:schemeClr>
+            </a:gs>
+            <a:gs pos="50000">
+              <a:schemeClr val="phClr">
+                <a:satMod val="110000"/>
+                <a:lumMod val="100000"/>
+                <a:shade val="100000"/>
+              </a:schemeClr>
+            </a:gs>
+            <a:gs pos="100000">
+              <a:schemeClr val="phClr">
+                <a:lumMod val="99000"/>
+                <a:satMod val="120000"/>
+                <a:shade val="78000"/>
+              </a:schemeClr>
+            </a:gs>
+          </a:gsLst>
+          <a:lin ang="5400000" scaled="0"/>
+        </a:gradFill>
+      </a:fillStyleLst>
+      <a:lnStyleLst>
+        <a:ln w="6350" cap="flat" cmpd="sng" algn="ctr">
+          <a:solidFill>
+            <a:schemeClr val="phClr"/>
+          </a:solidFill>
+          <a:prstDash val="solid"/>
+          <a:miter lim="800000"/>
+        </a:ln>
+        <a:ln w="12700" cap="flat" cmpd="sng" algn="ctr">
+          <a:solidFill>
+            <a:schemeClr val="phClr"/>
+          </a:solidFill>
+          <a:prstDash val="solid"/>
+          <a:miter lim="800000"/>
+        </a:ln>
+        <a:ln w="19050" cap="flat" cmpd="sng" algn="ctr">
+          <a:solidFill>
+            <a:schemeClr val="phClr"/>
+          </a:solidFill>
+          <a:prstDash val="solid"/>
+          <a:miter lim="800000"/>
+        </a:ln>
+      </a:lnStyleLst>
+      <a:effectStyleLst>
+        <a:effectStyle>
+          <a:effectLst/>
+        </a:effectStyle>
+        <a:effectStyle>
+          <a:effectLst/>
+        </a:effectStyle>
+        <a:effectStyle>
+          <a:effectLst>
+            <a:outerShdw blurRad="57150" dist="19050" dir="5400000" algn="ctr" rotWithShape="0">
+              <a:srgbClr val="000000">
+                <a:alpha val="63000"/>
+              </a:srgbClr>
+            </a:outerShdw>
+          </a:effectLst>
+        </a:effectStyle>
+      </a:effectStyleLst>
+      <a:bgFillStyleLst>
+        <a:solidFill>
+          <a:schemeClr val="phClr"/>
+        </a:solidFill>
+        <a:solidFill>
+          <a:schemeClr val="phClr">
+            <a:tint val="95000"/>
+            <a:satMod val="170000"/>
+          </a:schemeClr>
+        </a:solidFill>
+        <a:gradFill rotWithShape="1">
+          <a:gsLst>
+            <a:gs pos="0">
+              <a:schemeClr val="phClr">
+                <a:tint val="93000"/>
+                <a:satMod val="150000"/>
+                <a:shade val="98000"/>
+                <a:lumMod val="102000"/>
+              </a:schemeClr>
+            </a:gs>
+            <a:gs pos="50000">
+              <a:schemeClr val="phClr">
+                <a:tint val="98000"/>
+                <a:satMod val="130000"/>
+                <a:shade val="90000"/>
+                <a:lumMod val="103000"/>
+              </a:schemeClr>
+            </a:gs>
+            <a:gs pos="100000">
+              <a:schemeClr val="phClr">
+                <a:shade val="63000"/>
+                <a:satMod val="120000"/>
+              </a:schemeClr>
+            </a:gs>
+          </a:gsLst>
+          <a:lin ang="5400000" scaled="0"/>
+        </a:gradFill>
+      </a:bgFillStyleLst>
+    </a:fmtScheme>
+  </a:themeElements>
+  <a:objectDefaults/>
+  <a:extraClrSchemeLst/>
+  <a:extLst>
+    <a:ext uri="{05A4C25C-085E-4340-85A3-A5531E510DB2}">
+      <thm15:themeFamily xmlns:thm15="http://schemas.microsoft.com/office/thememl/2012/main" name="Office Theme" id="{62F939B6-93AF-4DB8-9C6B-D6C7DFDC589F}" vid="{4A3C46E8-61CC-4603-A589-7422A47A8E4A}"/>
+    </a:ext>
+  </a:extLst>
+</a:theme>
 </file>